--- a/CureYourFearOfGit.pptx
+++ b/CureYourFearOfGit.pptx
@@ -5,30 +5,31 @@
     <p:sldMasterId id="2147483756" r:id="rId1"/>
   </p:sldMasterIdLst>
   <p:notesMasterIdLst>
-    <p:notesMasterId r:id="rId23"/>
+    <p:notesMasterId r:id="rId24"/>
   </p:notesMasterIdLst>
   <p:sldIdLst>
     <p:sldId id="277" r:id="rId2"/>
-    <p:sldId id="260" r:id="rId3"/>
-    <p:sldId id="257" r:id="rId4"/>
-    <p:sldId id="279" r:id="rId5"/>
-    <p:sldId id="278" r:id="rId6"/>
-    <p:sldId id="283" r:id="rId7"/>
-    <p:sldId id="282" r:id="rId8"/>
-    <p:sldId id="284" r:id="rId9"/>
-    <p:sldId id="261" r:id="rId10"/>
-    <p:sldId id="285" r:id="rId11"/>
-    <p:sldId id="286" r:id="rId12"/>
-    <p:sldId id="287" r:id="rId13"/>
-    <p:sldId id="290" r:id="rId14"/>
-    <p:sldId id="292" r:id="rId15"/>
-    <p:sldId id="288" r:id="rId16"/>
-    <p:sldId id="289" r:id="rId17"/>
-    <p:sldId id="291" r:id="rId18"/>
-    <p:sldId id="295" r:id="rId19"/>
-    <p:sldId id="294" r:id="rId20"/>
-    <p:sldId id="293" r:id="rId21"/>
-    <p:sldId id="296" r:id="rId22"/>
+    <p:sldId id="257" r:id="rId3"/>
+    <p:sldId id="260" r:id="rId4"/>
+    <p:sldId id="297" r:id="rId5"/>
+    <p:sldId id="279" r:id="rId6"/>
+    <p:sldId id="278" r:id="rId7"/>
+    <p:sldId id="283" r:id="rId8"/>
+    <p:sldId id="282" r:id="rId9"/>
+    <p:sldId id="284" r:id="rId10"/>
+    <p:sldId id="261" r:id="rId11"/>
+    <p:sldId id="285" r:id="rId12"/>
+    <p:sldId id="286" r:id="rId13"/>
+    <p:sldId id="287" r:id="rId14"/>
+    <p:sldId id="290" r:id="rId15"/>
+    <p:sldId id="292" r:id="rId16"/>
+    <p:sldId id="288" r:id="rId17"/>
+    <p:sldId id="289" r:id="rId18"/>
+    <p:sldId id="291" r:id="rId19"/>
+    <p:sldId id="295" r:id="rId20"/>
+    <p:sldId id="294" r:id="rId21"/>
+    <p:sldId id="293" r:id="rId22"/>
+    <p:sldId id="296" r:id="rId23"/>
   </p:sldIdLst>
   <p:sldSz cx="12192000" cy="6858000"/>
   <p:notesSz cx="6858000" cy="9144000"/>
@@ -148,61 +149,6 @@
 
 <file path=ppt/changesInfos/changesInfo1.xml><?xml version="1.0" encoding="utf-8"?>
 <pc:chgInfo xmlns:a="http://schemas.openxmlformats.org/drawingml/2006/main" xmlns:r="http://schemas.openxmlformats.org/officeDocument/2006/relationships" xmlns:ac="http://schemas.microsoft.com/office/drawing/2013/main/command" xmlns:pc="http://schemas.microsoft.com/office/powerpoint/2013/main/command">
-  <pc:docChgLst>
-    <pc:chgData name="Chris Gomez" userId="1be87500f6668182" providerId="LiveId" clId="{F4A2BDD5-F15A-4953-926F-E61E881472DB}"/>
-    <pc:docChg chg="custSel modSld">
-      <pc:chgData name="Chris Gomez" userId="1be87500f6668182" providerId="LiveId" clId="{F4A2BDD5-F15A-4953-926F-E61E881472DB}" dt="2018-07-25T22:51:29.905" v="126" actId="20577"/>
-      <pc:docMkLst>
-        <pc:docMk/>
-      </pc:docMkLst>
-      <pc:sldChg chg="modSp">
-        <pc:chgData name="Chris Gomez" userId="1be87500f6668182" providerId="LiveId" clId="{F4A2BDD5-F15A-4953-926F-E61E881472DB}" dt="2018-07-25T22:50:45.676" v="64" actId="20577"/>
-        <pc:sldMkLst>
-          <pc:docMk/>
-          <pc:sldMk cId="1769274279" sldId="257"/>
-        </pc:sldMkLst>
-        <pc:spChg chg="mod">
-          <ac:chgData name="Chris Gomez" userId="1be87500f6668182" providerId="LiveId" clId="{F4A2BDD5-F15A-4953-926F-E61E881472DB}" dt="2018-07-25T22:50:45.676" v="64" actId="20577"/>
-          <ac:spMkLst>
-            <pc:docMk/>
-            <pc:sldMk cId="1769274279" sldId="257"/>
-            <ac:spMk id="2" creationId="{00000000-0000-0000-0000-000000000000}"/>
-          </ac:spMkLst>
-        </pc:spChg>
-        <pc:spChg chg="mod">
-          <ac:chgData name="Chris Gomez" userId="1be87500f6668182" providerId="LiveId" clId="{F4A2BDD5-F15A-4953-926F-E61E881472DB}" dt="2018-07-25T22:50:35.753" v="56" actId="6549"/>
-          <ac:spMkLst>
-            <pc:docMk/>
-            <pc:sldMk cId="1769274279" sldId="257"/>
-            <ac:spMk id="3" creationId="{00000000-0000-0000-0000-000000000000}"/>
-          </ac:spMkLst>
-        </pc:spChg>
-      </pc:sldChg>
-      <pc:sldChg chg="modSp">
-        <pc:chgData name="Chris Gomez" userId="1be87500f6668182" providerId="LiveId" clId="{F4A2BDD5-F15A-4953-926F-E61E881472DB}" dt="2018-07-25T22:51:29.905" v="126" actId="20577"/>
-        <pc:sldMkLst>
-          <pc:docMk/>
-          <pc:sldMk cId="1923856253" sldId="277"/>
-        </pc:sldMkLst>
-        <pc:spChg chg="mod">
-          <ac:chgData name="Chris Gomez" userId="1be87500f6668182" providerId="LiveId" clId="{F4A2BDD5-F15A-4953-926F-E61E881472DB}" dt="2018-07-25T22:51:06.577" v="86" actId="1076"/>
-          <ac:spMkLst>
-            <pc:docMk/>
-            <pc:sldMk cId="1923856253" sldId="277"/>
-            <ac:spMk id="2" creationId="{00000000-0000-0000-0000-000000000000}"/>
-          </ac:spMkLst>
-        </pc:spChg>
-        <pc:spChg chg="mod">
-          <ac:chgData name="Chris Gomez" userId="1be87500f6668182" providerId="LiveId" clId="{F4A2BDD5-F15A-4953-926F-E61E881472DB}" dt="2018-07-25T22:51:29.905" v="126" actId="20577"/>
-          <ac:spMkLst>
-            <pc:docMk/>
-            <pc:sldMk cId="1923856253" sldId="277"/>
-            <ac:spMk id="3" creationId="{00000000-0000-0000-0000-000000000000}"/>
-          </ac:spMkLst>
-        </pc:spChg>
-      </pc:sldChg>
-    </pc:docChg>
-  </pc:docChgLst>
   <pc:docChgLst>
     <pc:chgData name="Chris Gomez" userId="1be87500f6668182" providerId="LiveId" clId="{2B3CBEBC-BF3F-49F3-AAC5-BF3EC3531DF3}"/>
     <pc:docChg chg="undo custSel mod addSld delSld modSld sldOrd">
@@ -934,6 +880,61 @@
       </pc:sldChg>
     </pc:docChg>
   </pc:docChgLst>
+  <pc:docChgLst>
+    <pc:chgData name="Chris Gomez" userId="1be87500f6668182" providerId="LiveId" clId="{F4A2BDD5-F15A-4953-926F-E61E881472DB}"/>
+    <pc:docChg chg="custSel modSld">
+      <pc:chgData name="Chris Gomez" userId="1be87500f6668182" providerId="LiveId" clId="{F4A2BDD5-F15A-4953-926F-E61E881472DB}" dt="2018-07-25T22:51:29.905" v="126" actId="20577"/>
+      <pc:docMkLst>
+        <pc:docMk/>
+      </pc:docMkLst>
+      <pc:sldChg chg="modSp">
+        <pc:chgData name="Chris Gomez" userId="1be87500f6668182" providerId="LiveId" clId="{F4A2BDD5-F15A-4953-926F-E61E881472DB}" dt="2018-07-25T22:50:45.676" v="64" actId="20577"/>
+        <pc:sldMkLst>
+          <pc:docMk/>
+          <pc:sldMk cId="1769274279" sldId="257"/>
+        </pc:sldMkLst>
+        <pc:spChg chg="mod">
+          <ac:chgData name="Chris Gomez" userId="1be87500f6668182" providerId="LiveId" clId="{F4A2BDD5-F15A-4953-926F-E61E881472DB}" dt="2018-07-25T22:50:45.676" v="64" actId="20577"/>
+          <ac:spMkLst>
+            <pc:docMk/>
+            <pc:sldMk cId="1769274279" sldId="257"/>
+            <ac:spMk id="2" creationId="{00000000-0000-0000-0000-000000000000}"/>
+          </ac:spMkLst>
+        </pc:spChg>
+        <pc:spChg chg="mod">
+          <ac:chgData name="Chris Gomez" userId="1be87500f6668182" providerId="LiveId" clId="{F4A2BDD5-F15A-4953-926F-E61E881472DB}" dt="2018-07-25T22:50:35.753" v="56" actId="6549"/>
+          <ac:spMkLst>
+            <pc:docMk/>
+            <pc:sldMk cId="1769274279" sldId="257"/>
+            <ac:spMk id="3" creationId="{00000000-0000-0000-0000-000000000000}"/>
+          </ac:spMkLst>
+        </pc:spChg>
+      </pc:sldChg>
+      <pc:sldChg chg="modSp">
+        <pc:chgData name="Chris Gomez" userId="1be87500f6668182" providerId="LiveId" clId="{F4A2BDD5-F15A-4953-926F-E61E881472DB}" dt="2018-07-25T22:51:29.905" v="126" actId="20577"/>
+        <pc:sldMkLst>
+          <pc:docMk/>
+          <pc:sldMk cId="1923856253" sldId="277"/>
+        </pc:sldMkLst>
+        <pc:spChg chg="mod">
+          <ac:chgData name="Chris Gomez" userId="1be87500f6668182" providerId="LiveId" clId="{F4A2BDD5-F15A-4953-926F-E61E881472DB}" dt="2018-07-25T22:51:06.577" v="86" actId="1076"/>
+          <ac:spMkLst>
+            <pc:docMk/>
+            <pc:sldMk cId="1923856253" sldId="277"/>
+            <ac:spMk id="2" creationId="{00000000-0000-0000-0000-000000000000}"/>
+          </ac:spMkLst>
+        </pc:spChg>
+        <pc:spChg chg="mod">
+          <ac:chgData name="Chris Gomez" userId="1be87500f6668182" providerId="LiveId" clId="{F4A2BDD5-F15A-4953-926F-E61E881472DB}" dt="2018-07-25T22:51:29.905" v="126" actId="20577"/>
+          <ac:spMkLst>
+            <pc:docMk/>
+            <pc:sldMk cId="1923856253" sldId="277"/>
+            <ac:spMk id="3" creationId="{00000000-0000-0000-0000-000000000000}"/>
+          </ac:spMkLst>
+        </pc:spChg>
+      </pc:sldChg>
+    </pc:docChg>
+  </pc:docChgLst>
 </pc:chgInfo>
 </file>
 
@@ -1720,6 +1721,788 @@
 </file>
 
 <file path=ppt/diagrams/colors2.xml><?xml version="1.0" encoding="utf-8"?>
+<dgm:colorsDef xmlns:dgm="http://schemas.openxmlformats.org/drawingml/2006/diagram" xmlns:a="http://schemas.openxmlformats.org/drawingml/2006/main" uniqueId="urn:microsoft.com/office/officeart/2005/8/colors/colorful2">
+  <dgm:title val=""/>
+  <dgm:desc val=""/>
+  <dgm:catLst>
+    <dgm:cat type="colorful" pri="10200"/>
+  </dgm:catLst>
+  <dgm:styleLbl name="node0">
+    <dgm:fillClrLst meth="repeat">
+      <a:schemeClr val="accent1"/>
+    </dgm:fillClrLst>
+    <dgm:linClrLst meth="repeat">
+      <a:schemeClr val="lt1"/>
+    </dgm:linClrLst>
+    <dgm:effectClrLst/>
+    <dgm:txLinClrLst/>
+    <dgm:txFillClrLst/>
+    <dgm:txEffectClrLst/>
+  </dgm:styleLbl>
+  <dgm:styleLbl name="node1">
+    <dgm:fillClrLst>
+      <a:schemeClr val="accent2"/>
+      <a:schemeClr val="accent3"/>
+    </dgm:fillClrLst>
+    <dgm:linClrLst meth="repeat">
+      <a:schemeClr val="lt1"/>
+    </dgm:linClrLst>
+    <dgm:effectClrLst/>
+    <dgm:txLinClrLst/>
+    <dgm:txFillClrLst/>
+    <dgm:txEffectClrLst/>
+  </dgm:styleLbl>
+  <dgm:styleLbl name="alignNode1">
+    <dgm:fillClrLst>
+      <a:schemeClr val="accent2"/>
+      <a:schemeClr val="accent3"/>
+    </dgm:fillClrLst>
+    <dgm:linClrLst>
+      <a:schemeClr val="accent2"/>
+      <a:schemeClr val="accent3"/>
+    </dgm:linClrLst>
+    <dgm:effectClrLst/>
+    <dgm:txLinClrLst/>
+    <dgm:txFillClrLst/>
+    <dgm:txEffectClrLst/>
+  </dgm:styleLbl>
+  <dgm:styleLbl name="lnNode1">
+    <dgm:fillClrLst>
+      <a:schemeClr val="accent2"/>
+      <a:schemeClr val="accent3"/>
+    </dgm:fillClrLst>
+    <dgm:linClrLst meth="repeat">
+      <a:schemeClr val="lt1"/>
+    </dgm:linClrLst>
+    <dgm:effectClrLst/>
+    <dgm:txLinClrLst/>
+    <dgm:txFillClrLst/>
+    <dgm:txEffectClrLst/>
+  </dgm:styleLbl>
+  <dgm:styleLbl name="vennNode1">
+    <dgm:fillClrLst>
+      <a:schemeClr val="accent2">
+        <a:alpha val="50000"/>
+      </a:schemeClr>
+      <a:schemeClr val="accent3">
+        <a:alpha val="50000"/>
+      </a:schemeClr>
+    </dgm:fillClrLst>
+    <dgm:linClrLst meth="repeat">
+      <a:schemeClr val="lt1"/>
+    </dgm:linClrLst>
+    <dgm:effectClrLst/>
+    <dgm:txLinClrLst/>
+    <dgm:txFillClrLst/>
+    <dgm:txEffectClrLst/>
+  </dgm:styleLbl>
+  <dgm:styleLbl name="node2">
+    <dgm:fillClrLst>
+      <a:schemeClr val="accent3"/>
+    </dgm:fillClrLst>
+    <dgm:linClrLst meth="repeat">
+      <a:schemeClr val="lt1"/>
+    </dgm:linClrLst>
+    <dgm:effectClrLst/>
+    <dgm:txLinClrLst/>
+    <dgm:txFillClrLst/>
+    <dgm:txEffectClrLst/>
+  </dgm:styleLbl>
+  <dgm:styleLbl name="node3">
+    <dgm:fillClrLst>
+      <a:schemeClr val="accent4"/>
+    </dgm:fillClrLst>
+    <dgm:linClrLst meth="repeat">
+      <a:schemeClr val="lt1"/>
+    </dgm:linClrLst>
+    <dgm:effectClrLst/>
+    <dgm:txLinClrLst/>
+    <dgm:txFillClrLst/>
+    <dgm:txEffectClrLst/>
+  </dgm:styleLbl>
+  <dgm:styleLbl name="node4">
+    <dgm:fillClrLst>
+      <a:schemeClr val="accent5"/>
+    </dgm:fillClrLst>
+    <dgm:linClrLst meth="repeat">
+      <a:schemeClr val="lt1"/>
+    </dgm:linClrLst>
+    <dgm:effectClrLst/>
+    <dgm:txLinClrLst/>
+    <dgm:txFillClrLst/>
+    <dgm:txEffectClrLst/>
+  </dgm:styleLbl>
+  <dgm:styleLbl name="fgImgPlace1">
+    <dgm:fillClrLst>
+      <a:schemeClr val="accent2">
+        <a:tint val="50000"/>
+      </a:schemeClr>
+      <a:schemeClr val="accent3">
+        <a:tint val="50000"/>
+      </a:schemeClr>
+    </dgm:fillClrLst>
+    <dgm:linClrLst meth="repeat">
+      <a:schemeClr val="lt1"/>
+    </dgm:linClrLst>
+    <dgm:effectClrLst/>
+    <dgm:txLinClrLst/>
+    <dgm:txFillClrLst meth="repeat">
+      <a:schemeClr val="lt1"/>
+    </dgm:txFillClrLst>
+    <dgm:txEffectClrLst/>
+  </dgm:styleLbl>
+  <dgm:styleLbl name="alignImgPlace1">
+    <dgm:fillClrLst>
+      <a:schemeClr val="accent2">
+        <a:tint val="50000"/>
+      </a:schemeClr>
+      <a:schemeClr val="accent3">
+        <a:tint val="20000"/>
+      </a:schemeClr>
+    </dgm:fillClrLst>
+    <dgm:linClrLst meth="repeat">
+      <a:schemeClr val="lt1"/>
+    </dgm:linClrLst>
+    <dgm:effectClrLst/>
+    <dgm:txLinClrLst/>
+    <dgm:txFillClrLst meth="repeat">
+      <a:schemeClr val="lt1"/>
+    </dgm:txFillClrLst>
+    <dgm:txEffectClrLst/>
+  </dgm:styleLbl>
+  <dgm:styleLbl name="bgImgPlace1">
+    <dgm:fillClrLst>
+      <a:schemeClr val="accent2">
+        <a:tint val="50000"/>
+      </a:schemeClr>
+      <a:schemeClr val="accent3">
+        <a:tint val="20000"/>
+      </a:schemeClr>
+    </dgm:fillClrLst>
+    <dgm:linClrLst meth="repeat">
+      <a:schemeClr val="lt1"/>
+    </dgm:linClrLst>
+    <dgm:effectClrLst/>
+    <dgm:txLinClrLst/>
+    <dgm:txFillClrLst meth="repeat">
+      <a:schemeClr val="lt1"/>
+    </dgm:txFillClrLst>
+    <dgm:txEffectClrLst/>
+  </dgm:styleLbl>
+  <dgm:styleLbl name="sibTrans2D1">
+    <dgm:fillClrLst>
+      <a:schemeClr val="accent2"/>
+      <a:schemeClr val="accent3"/>
+    </dgm:fillClrLst>
+    <dgm:linClrLst meth="repeat">
+      <a:schemeClr val="lt1"/>
+    </dgm:linClrLst>
+    <dgm:effectClrLst/>
+    <dgm:txLinClrLst/>
+    <dgm:txFillClrLst/>
+    <dgm:txEffectClrLst/>
+  </dgm:styleLbl>
+  <dgm:styleLbl name="fgSibTrans2D1">
+    <dgm:fillClrLst>
+      <a:schemeClr val="accent2"/>
+      <a:schemeClr val="accent3"/>
+    </dgm:fillClrLst>
+    <dgm:linClrLst meth="repeat">
+      <a:schemeClr val="lt1"/>
+    </dgm:linClrLst>
+    <dgm:effectClrLst/>
+    <dgm:txLinClrLst/>
+    <dgm:txFillClrLst meth="repeat">
+      <a:schemeClr val="lt1"/>
+    </dgm:txFillClrLst>
+    <dgm:txEffectClrLst/>
+  </dgm:styleLbl>
+  <dgm:styleLbl name="bgSibTrans2D1">
+    <dgm:fillClrLst>
+      <a:schemeClr val="accent2"/>
+      <a:schemeClr val="accent3"/>
+    </dgm:fillClrLst>
+    <dgm:linClrLst meth="repeat">
+      <a:schemeClr val="lt1"/>
+    </dgm:linClrLst>
+    <dgm:effectClrLst/>
+    <dgm:txLinClrLst/>
+    <dgm:txFillClrLst meth="repeat">
+      <a:schemeClr val="lt1"/>
+    </dgm:txFillClrLst>
+    <dgm:txEffectClrLst/>
+  </dgm:styleLbl>
+  <dgm:styleLbl name="sibTrans1D1">
+    <dgm:fillClrLst/>
+    <dgm:linClrLst>
+      <a:schemeClr val="accent2"/>
+      <a:schemeClr val="accent3"/>
+    </dgm:linClrLst>
+    <dgm:effectClrLst/>
+    <dgm:txLinClrLst/>
+    <dgm:txFillClrLst meth="repeat">
+      <a:schemeClr val="tx1"/>
+    </dgm:txFillClrLst>
+    <dgm:txEffectClrLst/>
+  </dgm:styleLbl>
+  <dgm:styleLbl name="callout">
+    <dgm:fillClrLst meth="repeat">
+      <a:schemeClr val="accent2"/>
+    </dgm:fillClrLst>
+    <dgm:linClrLst meth="repeat">
+      <a:schemeClr val="accent2">
+        <a:tint val="50000"/>
+      </a:schemeClr>
+    </dgm:linClrLst>
+    <dgm:effectClrLst/>
+    <dgm:txLinClrLst/>
+    <dgm:txFillClrLst meth="repeat">
+      <a:schemeClr val="tx1"/>
+    </dgm:txFillClrLst>
+    <dgm:txEffectClrLst/>
+  </dgm:styleLbl>
+  <dgm:styleLbl name="asst0">
+    <dgm:fillClrLst meth="repeat">
+      <a:schemeClr val="accent2"/>
+    </dgm:fillClrLst>
+    <dgm:linClrLst meth="repeat">
+      <a:schemeClr val="lt1">
+        <a:shade val="80000"/>
+      </a:schemeClr>
+    </dgm:linClrLst>
+    <dgm:effectClrLst/>
+    <dgm:txLinClrLst/>
+    <dgm:txFillClrLst/>
+    <dgm:txEffectClrLst/>
+  </dgm:styleLbl>
+  <dgm:styleLbl name="asst1">
+    <dgm:fillClrLst meth="repeat">
+      <a:schemeClr val="accent3"/>
+    </dgm:fillClrLst>
+    <dgm:linClrLst meth="repeat">
+      <a:schemeClr val="lt1">
+        <a:shade val="80000"/>
+      </a:schemeClr>
+    </dgm:linClrLst>
+    <dgm:effectClrLst/>
+    <dgm:txLinClrLst/>
+    <dgm:txFillClrLst/>
+    <dgm:txEffectClrLst/>
+  </dgm:styleLbl>
+  <dgm:styleLbl name="asst2">
+    <dgm:fillClrLst>
+      <a:schemeClr val="accent4"/>
+    </dgm:fillClrLst>
+    <dgm:linClrLst meth="repeat">
+      <a:schemeClr val="lt1"/>
+    </dgm:linClrLst>
+    <dgm:effectClrLst/>
+    <dgm:txLinClrLst/>
+    <dgm:txFillClrLst/>
+    <dgm:txEffectClrLst/>
+  </dgm:styleLbl>
+  <dgm:styleLbl name="asst3">
+    <dgm:fillClrLst>
+      <a:schemeClr val="accent5"/>
+    </dgm:fillClrLst>
+    <dgm:linClrLst meth="repeat">
+      <a:schemeClr val="lt1"/>
+    </dgm:linClrLst>
+    <dgm:effectClrLst/>
+    <dgm:txLinClrLst/>
+    <dgm:txFillClrLst/>
+    <dgm:txEffectClrLst/>
+  </dgm:styleLbl>
+  <dgm:styleLbl name="asst4">
+    <dgm:fillClrLst>
+      <a:schemeClr val="accent6"/>
+    </dgm:fillClrLst>
+    <dgm:linClrLst meth="repeat">
+      <a:schemeClr val="lt1"/>
+    </dgm:linClrLst>
+    <dgm:effectClrLst/>
+    <dgm:txLinClrLst/>
+    <dgm:txFillClrLst/>
+    <dgm:txEffectClrLst/>
+  </dgm:styleLbl>
+  <dgm:styleLbl name="parChTrans2D1">
+    <dgm:fillClrLst meth="repeat">
+      <a:schemeClr val="accent2"/>
+    </dgm:fillClrLst>
+    <dgm:linClrLst meth="repeat">
+      <a:schemeClr val="lt1"/>
+    </dgm:linClrLst>
+    <dgm:effectClrLst/>
+    <dgm:txLinClrLst/>
+    <dgm:txFillClrLst meth="repeat">
+      <a:schemeClr val="lt1"/>
+    </dgm:txFillClrLst>
+    <dgm:txEffectClrLst/>
+  </dgm:styleLbl>
+  <dgm:styleLbl name="parChTrans2D2">
+    <dgm:fillClrLst meth="repeat">
+      <a:schemeClr val="accent3"/>
+    </dgm:fillClrLst>
+    <dgm:linClrLst meth="repeat">
+      <a:schemeClr val="lt1"/>
+    </dgm:linClrLst>
+    <dgm:effectClrLst/>
+    <dgm:txLinClrLst/>
+    <dgm:txFillClrLst/>
+    <dgm:txEffectClrLst/>
+  </dgm:styleLbl>
+  <dgm:styleLbl name="parChTrans2D3">
+    <dgm:fillClrLst meth="repeat">
+      <a:schemeClr val="accent4"/>
+    </dgm:fillClrLst>
+    <dgm:linClrLst meth="repeat">
+      <a:schemeClr val="lt1"/>
+    </dgm:linClrLst>
+    <dgm:effectClrLst/>
+    <dgm:txLinClrLst/>
+    <dgm:txFillClrLst/>
+    <dgm:txEffectClrLst/>
+  </dgm:styleLbl>
+  <dgm:styleLbl name="parChTrans2D4">
+    <dgm:fillClrLst meth="repeat">
+      <a:schemeClr val="accent5"/>
+    </dgm:fillClrLst>
+    <dgm:linClrLst meth="repeat">
+      <a:schemeClr val="lt1"/>
+    </dgm:linClrLst>
+    <dgm:effectClrLst/>
+    <dgm:txLinClrLst/>
+    <dgm:txFillClrLst meth="repeat">
+      <a:schemeClr val="lt1"/>
+    </dgm:txFillClrLst>
+    <dgm:txEffectClrLst/>
+  </dgm:styleLbl>
+  <dgm:styleLbl name="parChTrans1D1">
+    <dgm:fillClrLst meth="repeat">
+      <a:schemeClr val="accent2"/>
+    </dgm:fillClrLst>
+    <dgm:linClrLst meth="repeat">
+      <a:schemeClr val="accent2"/>
+    </dgm:linClrLst>
+    <dgm:effectClrLst/>
+    <dgm:txLinClrLst/>
+    <dgm:txFillClrLst meth="repeat">
+      <a:schemeClr val="tx1"/>
+    </dgm:txFillClrLst>
+    <dgm:txEffectClrLst/>
+  </dgm:styleLbl>
+  <dgm:styleLbl name="parChTrans1D2">
+    <dgm:fillClrLst meth="repeat">
+      <a:schemeClr val="accent2">
+        <a:tint val="90000"/>
+      </a:schemeClr>
+    </dgm:fillClrLst>
+    <dgm:linClrLst meth="repeat">
+      <a:schemeClr val="accent3"/>
+    </dgm:linClrLst>
+    <dgm:effectClrLst/>
+    <dgm:txLinClrLst/>
+    <dgm:txFillClrLst meth="repeat">
+      <a:schemeClr val="tx1"/>
+    </dgm:txFillClrLst>
+    <dgm:txEffectClrLst/>
+  </dgm:styleLbl>
+  <dgm:styleLbl name="parChTrans1D3">
+    <dgm:fillClrLst meth="repeat">
+      <a:schemeClr val="accent2">
+        <a:tint val="70000"/>
+      </a:schemeClr>
+    </dgm:fillClrLst>
+    <dgm:linClrLst meth="repeat">
+      <a:schemeClr val="accent4"/>
+    </dgm:linClrLst>
+    <dgm:effectClrLst/>
+    <dgm:txLinClrLst/>
+    <dgm:txFillClrLst meth="repeat">
+      <a:schemeClr val="tx1"/>
+    </dgm:txFillClrLst>
+    <dgm:txEffectClrLst/>
+  </dgm:styleLbl>
+  <dgm:styleLbl name="parChTrans1D4">
+    <dgm:fillClrLst meth="repeat">
+      <a:schemeClr val="accent2">
+        <a:tint val="50000"/>
+      </a:schemeClr>
+    </dgm:fillClrLst>
+    <dgm:linClrLst meth="repeat">
+      <a:schemeClr val="accent5"/>
+    </dgm:linClrLst>
+    <dgm:effectClrLst/>
+    <dgm:txLinClrLst/>
+    <dgm:txFillClrLst meth="repeat">
+      <a:schemeClr val="tx1"/>
+    </dgm:txFillClrLst>
+    <dgm:txEffectClrLst/>
+  </dgm:styleLbl>
+  <dgm:styleLbl name="fgAcc1">
+    <dgm:fillClrLst meth="repeat">
+      <a:schemeClr val="lt1">
+        <a:alpha val="90000"/>
+      </a:schemeClr>
+    </dgm:fillClrLst>
+    <dgm:linClrLst>
+      <a:schemeClr val="accent2"/>
+      <a:schemeClr val="accent3"/>
+    </dgm:linClrLst>
+    <dgm:effectClrLst/>
+    <dgm:txLinClrLst/>
+    <dgm:txFillClrLst meth="repeat">
+      <a:schemeClr val="dk1"/>
+    </dgm:txFillClrLst>
+    <dgm:txEffectClrLst/>
+  </dgm:styleLbl>
+  <dgm:styleLbl name="conFgAcc1">
+    <dgm:fillClrLst meth="repeat">
+      <a:schemeClr val="lt1">
+        <a:alpha val="90000"/>
+      </a:schemeClr>
+    </dgm:fillClrLst>
+    <dgm:linClrLst>
+      <a:schemeClr val="accent2"/>
+      <a:schemeClr val="accent3"/>
+    </dgm:linClrLst>
+    <dgm:effectClrLst/>
+    <dgm:txLinClrLst/>
+    <dgm:txFillClrLst meth="repeat">
+      <a:schemeClr val="dk1"/>
+    </dgm:txFillClrLst>
+    <dgm:txEffectClrLst/>
+  </dgm:styleLbl>
+  <dgm:styleLbl name="alignAcc1">
+    <dgm:fillClrLst meth="repeat">
+      <a:schemeClr val="lt1">
+        <a:alpha val="90000"/>
+      </a:schemeClr>
+    </dgm:fillClrLst>
+    <dgm:linClrLst>
+      <a:schemeClr val="accent2"/>
+      <a:schemeClr val="accent3"/>
+    </dgm:linClrLst>
+    <dgm:effectClrLst/>
+    <dgm:txLinClrLst/>
+    <dgm:txFillClrLst meth="repeat">
+      <a:schemeClr val="dk1"/>
+    </dgm:txFillClrLst>
+    <dgm:txEffectClrLst/>
+  </dgm:styleLbl>
+  <dgm:styleLbl name="trAlignAcc1">
+    <dgm:fillClrLst meth="repeat">
+      <a:schemeClr val="lt1">
+        <a:alpha val="40000"/>
+      </a:schemeClr>
+    </dgm:fillClrLst>
+    <dgm:linClrLst meth="repeat">
+      <a:schemeClr val="accent2"/>
+    </dgm:linClrLst>
+    <dgm:effectClrLst/>
+    <dgm:txLinClrLst/>
+    <dgm:txFillClrLst meth="repeat">
+      <a:schemeClr val="dk1"/>
+    </dgm:txFillClrLst>
+    <dgm:txEffectClrLst/>
+  </dgm:styleLbl>
+  <dgm:styleLbl name="bgAcc1">
+    <dgm:fillClrLst meth="repeat">
+      <a:schemeClr val="lt1">
+        <a:alpha val="90000"/>
+      </a:schemeClr>
+    </dgm:fillClrLst>
+    <dgm:linClrLst>
+      <a:schemeClr val="accent2"/>
+      <a:schemeClr val="accent3"/>
+    </dgm:linClrLst>
+    <dgm:effectClrLst/>
+    <dgm:txLinClrLst/>
+    <dgm:txFillClrLst meth="repeat">
+      <a:schemeClr val="dk1"/>
+    </dgm:txFillClrLst>
+    <dgm:txEffectClrLst/>
+  </dgm:styleLbl>
+  <dgm:styleLbl name="solidFgAcc1">
+    <dgm:fillClrLst meth="repeat">
+      <a:schemeClr val="lt1"/>
+    </dgm:fillClrLst>
+    <dgm:linClrLst>
+      <a:schemeClr val="accent2"/>
+      <a:schemeClr val="accent3"/>
+    </dgm:linClrLst>
+    <dgm:effectClrLst/>
+    <dgm:txLinClrLst/>
+    <dgm:txFillClrLst meth="repeat">
+      <a:schemeClr val="dk1"/>
+    </dgm:txFillClrLst>
+    <dgm:txEffectClrLst/>
+  </dgm:styleLbl>
+  <dgm:styleLbl name="solidAlignAcc1">
+    <dgm:fillClrLst meth="repeat">
+      <a:schemeClr val="lt1"/>
+    </dgm:fillClrLst>
+    <dgm:linClrLst>
+      <a:schemeClr val="accent2"/>
+      <a:schemeClr val="accent3"/>
+    </dgm:linClrLst>
+    <dgm:effectClrLst/>
+    <dgm:txLinClrLst/>
+    <dgm:txFillClrLst meth="repeat">
+      <a:schemeClr val="dk1"/>
+    </dgm:txFillClrLst>
+    <dgm:txEffectClrLst/>
+  </dgm:styleLbl>
+  <dgm:styleLbl name="solidBgAcc1">
+    <dgm:fillClrLst meth="repeat">
+      <a:schemeClr val="lt1"/>
+    </dgm:fillClrLst>
+    <dgm:linClrLst>
+      <a:schemeClr val="accent2"/>
+      <a:schemeClr val="accent3"/>
+    </dgm:linClrLst>
+    <dgm:effectClrLst/>
+    <dgm:txLinClrLst/>
+    <dgm:txFillClrLst meth="repeat">
+      <a:schemeClr val="dk1"/>
+    </dgm:txFillClrLst>
+    <dgm:txEffectClrLst/>
+  </dgm:styleLbl>
+  <dgm:styleLbl name="fgAccFollowNode1">
+    <dgm:fillClrLst>
+      <a:schemeClr val="accent2">
+        <a:tint val="40000"/>
+        <a:alpha val="90000"/>
+      </a:schemeClr>
+      <a:schemeClr val="accent3">
+        <a:tint val="40000"/>
+        <a:alpha val="90000"/>
+      </a:schemeClr>
+    </dgm:fillClrLst>
+    <dgm:linClrLst>
+      <a:schemeClr val="accent2">
+        <a:tint val="40000"/>
+        <a:alpha val="90000"/>
+      </a:schemeClr>
+      <a:schemeClr val="accent3">
+        <a:tint val="40000"/>
+        <a:alpha val="90000"/>
+      </a:schemeClr>
+    </dgm:linClrLst>
+    <dgm:effectClrLst/>
+    <dgm:txLinClrLst/>
+    <dgm:txFillClrLst meth="repeat">
+      <a:schemeClr val="dk1"/>
+    </dgm:txFillClrLst>
+    <dgm:txEffectClrLst/>
+  </dgm:styleLbl>
+  <dgm:styleLbl name="alignAccFollowNode1">
+    <dgm:fillClrLst>
+      <a:schemeClr val="accent2">
+        <a:tint val="40000"/>
+        <a:alpha val="90000"/>
+      </a:schemeClr>
+      <a:schemeClr val="accent3">
+        <a:tint val="40000"/>
+        <a:alpha val="90000"/>
+      </a:schemeClr>
+    </dgm:fillClrLst>
+    <dgm:linClrLst>
+      <a:schemeClr val="accent2">
+        <a:tint val="40000"/>
+        <a:alpha val="90000"/>
+      </a:schemeClr>
+      <a:schemeClr val="accent3">
+        <a:tint val="40000"/>
+        <a:alpha val="90000"/>
+      </a:schemeClr>
+    </dgm:linClrLst>
+    <dgm:effectClrLst/>
+    <dgm:txLinClrLst/>
+    <dgm:txFillClrLst meth="repeat">
+      <a:schemeClr val="dk1"/>
+    </dgm:txFillClrLst>
+    <dgm:txEffectClrLst/>
+  </dgm:styleLbl>
+  <dgm:styleLbl name="bgAccFollowNode1">
+    <dgm:fillClrLst>
+      <a:schemeClr val="accent2">
+        <a:tint val="40000"/>
+        <a:alpha val="90000"/>
+      </a:schemeClr>
+      <a:schemeClr val="accent3">
+        <a:tint val="40000"/>
+        <a:alpha val="90000"/>
+      </a:schemeClr>
+    </dgm:fillClrLst>
+    <dgm:linClrLst>
+      <a:schemeClr val="accent2">
+        <a:tint val="40000"/>
+        <a:alpha val="90000"/>
+      </a:schemeClr>
+      <a:schemeClr val="accent3">
+        <a:tint val="40000"/>
+        <a:alpha val="90000"/>
+      </a:schemeClr>
+    </dgm:linClrLst>
+    <dgm:effectClrLst/>
+    <dgm:txLinClrLst/>
+    <dgm:txFillClrLst meth="repeat">
+      <a:schemeClr val="dk1"/>
+    </dgm:txFillClrLst>
+    <dgm:txEffectClrLst/>
+  </dgm:styleLbl>
+  <dgm:styleLbl name="fgAcc0">
+    <dgm:fillClrLst meth="repeat">
+      <a:schemeClr val="lt1">
+        <a:alpha val="90000"/>
+      </a:schemeClr>
+    </dgm:fillClrLst>
+    <dgm:linClrLst>
+      <a:schemeClr val="accent1"/>
+    </dgm:linClrLst>
+    <dgm:effectClrLst/>
+    <dgm:txLinClrLst/>
+    <dgm:txFillClrLst meth="repeat">
+      <a:schemeClr val="dk1"/>
+    </dgm:txFillClrLst>
+    <dgm:txEffectClrLst/>
+  </dgm:styleLbl>
+  <dgm:styleLbl name="fgAcc2">
+    <dgm:fillClrLst meth="repeat">
+      <a:schemeClr val="lt1">
+        <a:alpha val="90000"/>
+      </a:schemeClr>
+    </dgm:fillClrLst>
+    <dgm:linClrLst>
+      <a:schemeClr val="accent3"/>
+    </dgm:linClrLst>
+    <dgm:effectClrLst/>
+    <dgm:txLinClrLst/>
+    <dgm:txFillClrLst meth="repeat">
+      <a:schemeClr val="dk1"/>
+    </dgm:txFillClrLst>
+    <dgm:txEffectClrLst/>
+  </dgm:styleLbl>
+  <dgm:styleLbl name="fgAcc3">
+    <dgm:fillClrLst meth="repeat">
+      <a:schemeClr val="lt1">
+        <a:alpha val="90000"/>
+      </a:schemeClr>
+    </dgm:fillClrLst>
+    <dgm:linClrLst>
+      <a:schemeClr val="accent4"/>
+    </dgm:linClrLst>
+    <dgm:effectClrLst/>
+    <dgm:txLinClrLst/>
+    <dgm:txFillClrLst meth="repeat">
+      <a:schemeClr val="dk1"/>
+    </dgm:txFillClrLst>
+    <dgm:txEffectClrLst/>
+  </dgm:styleLbl>
+  <dgm:styleLbl name="fgAcc4">
+    <dgm:fillClrLst meth="repeat">
+      <a:schemeClr val="lt1">
+        <a:alpha val="90000"/>
+      </a:schemeClr>
+    </dgm:fillClrLst>
+    <dgm:linClrLst>
+      <a:schemeClr val="accent5"/>
+    </dgm:linClrLst>
+    <dgm:effectClrLst/>
+    <dgm:txLinClrLst/>
+    <dgm:txFillClrLst meth="repeat">
+      <a:schemeClr val="dk1"/>
+    </dgm:txFillClrLst>
+    <dgm:txEffectClrLst/>
+  </dgm:styleLbl>
+  <dgm:styleLbl name="bgShp">
+    <dgm:fillClrLst meth="repeat">
+      <a:schemeClr val="accent2">
+        <a:tint val="40000"/>
+      </a:schemeClr>
+    </dgm:fillClrLst>
+    <dgm:linClrLst meth="repeat">
+      <a:schemeClr val="dk1"/>
+    </dgm:linClrLst>
+    <dgm:effectClrLst/>
+    <dgm:txLinClrLst/>
+    <dgm:txFillClrLst meth="repeat">
+      <a:schemeClr val="dk1"/>
+    </dgm:txFillClrLst>
+    <dgm:txEffectClrLst/>
+  </dgm:styleLbl>
+  <dgm:styleLbl name="dkBgShp">
+    <dgm:fillClrLst meth="repeat">
+      <a:schemeClr val="accent2">
+        <a:shade val="90000"/>
+      </a:schemeClr>
+    </dgm:fillClrLst>
+    <dgm:linClrLst meth="repeat">
+      <a:schemeClr val="dk1"/>
+    </dgm:linClrLst>
+    <dgm:effectClrLst/>
+    <dgm:txLinClrLst/>
+    <dgm:txFillClrLst meth="repeat">
+      <a:schemeClr val="lt1"/>
+    </dgm:txFillClrLst>
+    <dgm:txEffectClrLst/>
+  </dgm:styleLbl>
+  <dgm:styleLbl name="trBgShp">
+    <dgm:fillClrLst meth="repeat">
+      <a:schemeClr val="accent2">
+        <a:tint val="50000"/>
+        <a:alpha val="40000"/>
+      </a:schemeClr>
+    </dgm:fillClrLst>
+    <dgm:linClrLst meth="repeat">
+      <a:schemeClr val="accent2"/>
+    </dgm:linClrLst>
+    <dgm:effectClrLst/>
+    <dgm:txLinClrLst/>
+    <dgm:txFillClrLst meth="repeat">
+      <a:schemeClr val="lt1"/>
+    </dgm:txFillClrLst>
+    <dgm:txEffectClrLst/>
+  </dgm:styleLbl>
+  <dgm:styleLbl name="fgShp">
+    <dgm:fillClrLst meth="repeat">
+      <a:schemeClr val="accent2">
+        <a:tint val="40000"/>
+      </a:schemeClr>
+    </dgm:fillClrLst>
+    <dgm:linClrLst meth="repeat">
+      <a:schemeClr val="lt1"/>
+    </dgm:linClrLst>
+    <dgm:effectClrLst/>
+    <dgm:txLinClrLst/>
+    <dgm:txFillClrLst meth="repeat">
+      <a:schemeClr val="dk1"/>
+    </dgm:txFillClrLst>
+    <dgm:txEffectClrLst/>
+  </dgm:styleLbl>
+  <dgm:styleLbl name="revTx">
+    <dgm:fillClrLst meth="repeat">
+      <a:schemeClr val="lt1">
+        <a:alpha val="0"/>
+      </a:schemeClr>
+    </dgm:fillClrLst>
+    <dgm:linClrLst meth="repeat">
+      <a:schemeClr val="dk1">
+        <a:alpha val="0"/>
+      </a:schemeClr>
+    </dgm:linClrLst>
+    <dgm:effectClrLst/>
+    <dgm:txLinClrLst/>
+    <dgm:txFillClrLst meth="repeat">
+      <a:schemeClr val="tx1"/>
+    </dgm:txFillClrLst>
+    <dgm:txEffectClrLst/>
+  </dgm:styleLbl>
+</dgm:colorsDef>
+</file>
+
+<file path=ppt/diagrams/colors3.xml><?xml version="1.0" encoding="utf-8"?>
 <dgm:colorsDef xmlns:dgm="http://schemas.openxmlformats.org/drawingml/2006/diagram" xmlns:a="http://schemas.openxmlformats.org/drawingml/2006/main" uniqueId="urn:microsoft.com/office/officeart/2005/8/colors/colorful1">
   <dgm:title val=""/>
   <dgm:desc val=""/>
@@ -2639,6 +3422,230 @@
 </file>
 
 <file path=ppt/diagrams/data1.xml><?xml version="1.0" encoding="utf-8"?>
+<dgm:dataModel xmlns:dgm="http://schemas.openxmlformats.org/drawingml/2006/diagram" xmlns:a="http://schemas.openxmlformats.org/drawingml/2006/main">
+  <dgm:ptLst>
+    <dgm:pt modelId="{B640F469-DE27-4875-AA34-2EB8EB192D5E}" type="doc">
+      <dgm:prSet loTypeId="urn:microsoft.com/office/officeart/2008/layout/LinedList" loCatId="list" qsTypeId="urn:microsoft.com/office/officeart/2005/8/quickstyle/simple1" qsCatId="simple" csTypeId="urn:microsoft.com/office/officeart/2005/8/colors/colorful2" csCatId="colorful" phldr="1"/>
+      <dgm:spPr/>
+      <dgm:t>
+        <a:bodyPr/>
+        <a:lstStyle/>
+        <a:p>
+          <a:endParaRPr lang="en-US"/>
+        </a:p>
+      </dgm:t>
+    </dgm:pt>
+    <dgm:pt modelId="{5FB5CC6D-7747-4181-BD89-0611FE1491AC}">
+      <dgm:prSet/>
+      <dgm:spPr/>
+      <dgm:t>
+        <a:bodyPr/>
+        <a:lstStyle/>
+        <a:p>
+          <a:r>
+            <a:rPr lang="en-US" dirty="0"/>
+            <a:t>Philly.NET Curriculum Contributor</a:t>
+          </a:r>
+          <a:br>
+            <a:rPr lang="en-US" dirty="0"/>
+          </a:br>
+          <a:r>
+            <a:rPr lang="en-US" dirty="0">
+              <a:hlinkClick xmlns:r="http://schemas.openxmlformats.org/officeDocument/2006/relationships" r:id="rId1"/>
+            </a:rPr>
+            <a:t>https://youtube.com/phillydotnet</a:t>
+          </a:r>
+          <a:endParaRPr lang="en-US" dirty="0"/>
+        </a:p>
+      </dgm:t>
+    </dgm:pt>
+    <dgm:pt modelId="{44DA7604-173A-4F89-89B5-C986C18C9274}" type="parTrans" cxnId="{3F818646-8CD6-4348-8CD9-8277E9DA3662}">
+      <dgm:prSet/>
+      <dgm:spPr/>
+      <dgm:t>
+        <a:bodyPr/>
+        <a:lstStyle/>
+        <a:p>
+          <a:endParaRPr lang="en-US"/>
+        </a:p>
+      </dgm:t>
+    </dgm:pt>
+    <dgm:pt modelId="{E8D719EC-4876-4111-A76E-BB15BB544C0A}" type="sibTrans" cxnId="{3F818646-8CD6-4348-8CD9-8277E9DA3662}">
+      <dgm:prSet/>
+      <dgm:spPr/>
+      <dgm:t>
+        <a:bodyPr/>
+        <a:lstStyle/>
+        <a:p>
+          <a:endParaRPr lang="en-US"/>
+        </a:p>
+      </dgm:t>
+    </dgm:pt>
+    <dgm:pt modelId="{23C53E95-E199-4F76-A132-B312C9830048}">
+      <dgm:prSet/>
+      <dgm:spPr/>
+      <dgm:t>
+        <a:bodyPr/>
+        <a:lstStyle/>
+        <a:p>
+          <a:r>
+            <a:rPr lang="en-US" dirty="0"/>
+            <a:t>Co-Host of </a:t>
+          </a:r>
+          <a:r>
+            <a:rPr lang="en-US" dirty="0" err="1"/>
+            <a:t>TheDevTalkShow</a:t>
+          </a:r>
+          <a:br>
+            <a:rPr lang="en-US" dirty="0"/>
+          </a:br>
+          <a:r>
+            <a:rPr lang="en-US" dirty="0"/>
+            <a:t>Wednesday Nights: 8:30PM US Eastern</a:t>
+          </a:r>
+          <a:br>
+            <a:rPr lang="en-US" dirty="0"/>
+          </a:br>
+          <a:r>
+            <a:rPr lang="en-US" dirty="0">
+              <a:hlinkClick xmlns:r="http://schemas.openxmlformats.org/officeDocument/2006/relationships" r:id="rId2"/>
+            </a:rPr>
+            <a:t>video.thedevtalkshow.com</a:t>
+          </a:r>
+          <a:endParaRPr lang="en-US" dirty="0"/>
+        </a:p>
+        <a:p>
+          <a:endParaRPr lang="en-US" dirty="0"/>
+        </a:p>
+        <a:p>
+          <a:r>
+            <a:rPr lang="en-US" dirty="0"/>
+            <a:t>Streamed LIVE.  Join the chat on</a:t>
+          </a:r>
+        </a:p>
+        <a:p>
+          <a:r>
+            <a:rPr lang="en-US" dirty="0">
+              <a:hlinkClick xmlns:r="http://schemas.openxmlformats.org/officeDocument/2006/relationships" r:id="rId3"/>
+            </a:rPr>
+            <a:t>Mixer.com/</a:t>
+          </a:r>
+          <a:r>
+            <a:rPr lang="en-US" dirty="0" err="1">
+              <a:hlinkClick xmlns:r="http://schemas.openxmlformats.org/officeDocument/2006/relationships" r:id="rId3"/>
+            </a:rPr>
+            <a:t>thedevtalkshow</a:t>
+          </a:r>
+          <a:endParaRPr lang="en-US" dirty="0"/>
+        </a:p>
+        <a:p>
+          <a:r>
+            <a:rPr lang="en-US" dirty="0">
+              <a:hlinkClick xmlns:r="http://schemas.openxmlformats.org/officeDocument/2006/relationships" r:id="rId4"/>
+            </a:rPr>
+            <a:t>Twitch.tv/</a:t>
+          </a:r>
+          <a:r>
+            <a:rPr lang="en-US" dirty="0" err="1">
+              <a:hlinkClick xmlns:r="http://schemas.openxmlformats.org/officeDocument/2006/relationships" r:id="rId4"/>
+            </a:rPr>
+            <a:t>thedevtalkshow</a:t>
+          </a:r>
+          <a:endParaRPr lang="en-US" dirty="0"/>
+        </a:p>
+      </dgm:t>
+    </dgm:pt>
+    <dgm:pt modelId="{7654FB96-8729-4DA9-ADD8-9EF00096DF3A}" type="parTrans" cxnId="{CDAAC5C4-F132-4225-9EE6-5EFB97871C82}">
+      <dgm:prSet/>
+      <dgm:spPr/>
+      <dgm:t>
+        <a:bodyPr/>
+        <a:lstStyle/>
+        <a:p>
+          <a:endParaRPr lang="en-US"/>
+        </a:p>
+      </dgm:t>
+    </dgm:pt>
+    <dgm:pt modelId="{6CC2D90D-1871-401A-B8E6-70BF6885CE67}" type="sibTrans" cxnId="{CDAAC5C4-F132-4225-9EE6-5EFB97871C82}">
+      <dgm:prSet/>
+      <dgm:spPr/>
+      <dgm:t>
+        <a:bodyPr/>
+        <a:lstStyle/>
+        <a:p>
+          <a:endParaRPr lang="en-US"/>
+        </a:p>
+      </dgm:t>
+    </dgm:pt>
+    <dgm:pt modelId="{29F83C83-0D1F-4C8F-A0ED-0C7F3082E426}" type="pres">
+      <dgm:prSet presAssocID="{B640F469-DE27-4875-AA34-2EB8EB192D5E}" presName="vert0" presStyleCnt="0">
+        <dgm:presLayoutVars>
+          <dgm:dir/>
+          <dgm:animOne val="branch"/>
+          <dgm:animLvl val="lvl"/>
+        </dgm:presLayoutVars>
+      </dgm:prSet>
+      <dgm:spPr/>
+    </dgm:pt>
+    <dgm:pt modelId="{47B35DEC-E38C-4D38-B077-DE030BB437FD}" type="pres">
+      <dgm:prSet presAssocID="{5FB5CC6D-7747-4181-BD89-0611FE1491AC}" presName="thickLine" presStyleLbl="alignNode1" presStyleIdx="0" presStyleCnt="2"/>
+      <dgm:spPr/>
+    </dgm:pt>
+    <dgm:pt modelId="{A60DAF50-3468-405F-A777-3BCE9AD926C4}" type="pres">
+      <dgm:prSet presAssocID="{5FB5CC6D-7747-4181-BD89-0611FE1491AC}" presName="horz1" presStyleCnt="0"/>
+      <dgm:spPr/>
+    </dgm:pt>
+    <dgm:pt modelId="{DFB9EBAD-60A5-4636-A2B3-FEFBF30A3C8D}" type="pres">
+      <dgm:prSet presAssocID="{5FB5CC6D-7747-4181-BD89-0611FE1491AC}" presName="tx1" presStyleLbl="revTx" presStyleIdx="0" presStyleCnt="2"/>
+      <dgm:spPr/>
+    </dgm:pt>
+    <dgm:pt modelId="{7E80BA03-68D1-4B1B-B552-F045E9F448B8}" type="pres">
+      <dgm:prSet presAssocID="{5FB5CC6D-7747-4181-BD89-0611FE1491AC}" presName="vert1" presStyleCnt="0"/>
+      <dgm:spPr/>
+    </dgm:pt>
+    <dgm:pt modelId="{27AE7CA5-C722-4C31-B776-599DA3EAEF7D}" type="pres">
+      <dgm:prSet presAssocID="{23C53E95-E199-4F76-A132-B312C9830048}" presName="thickLine" presStyleLbl="alignNode1" presStyleIdx="1" presStyleCnt="2"/>
+      <dgm:spPr/>
+    </dgm:pt>
+    <dgm:pt modelId="{EA4668F4-719B-4B1F-8D5D-05E1BEBB0413}" type="pres">
+      <dgm:prSet presAssocID="{23C53E95-E199-4F76-A132-B312C9830048}" presName="horz1" presStyleCnt="0"/>
+      <dgm:spPr/>
+    </dgm:pt>
+    <dgm:pt modelId="{A27A6D34-0F35-43F3-9BD2-E6EE73DBE54D}" type="pres">
+      <dgm:prSet presAssocID="{23C53E95-E199-4F76-A132-B312C9830048}" presName="tx1" presStyleLbl="revTx" presStyleIdx="1" presStyleCnt="2" custScaleY="264906"/>
+      <dgm:spPr/>
+    </dgm:pt>
+    <dgm:pt modelId="{10852471-CAA3-4CB2-BE2B-DA968BC608EC}" type="pres">
+      <dgm:prSet presAssocID="{23C53E95-E199-4F76-A132-B312C9830048}" presName="vert1" presStyleCnt="0"/>
+      <dgm:spPr/>
+    </dgm:pt>
+  </dgm:ptLst>
+  <dgm:cxnLst>
+    <dgm:cxn modelId="{1C804600-6ABD-414F-B0AA-94EB782DD059}" type="presOf" srcId="{B640F469-DE27-4875-AA34-2EB8EB192D5E}" destId="{29F83C83-0D1F-4C8F-A0ED-0C7F3082E426}" srcOrd="0" destOrd="0" presId="urn:microsoft.com/office/officeart/2008/layout/LinedList"/>
+    <dgm:cxn modelId="{E711AF64-F2DF-41C9-B593-50E7B9F25E90}" type="presOf" srcId="{5FB5CC6D-7747-4181-BD89-0611FE1491AC}" destId="{DFB9EBAD-60A5-4636-A2B3-FEFBF30A3C8D}" srcOrd="0" destOrd="0" presId="urn:microsoft.com/office/officeart/2008/layout/LinedList"/>
+    <dgm:cxn modelId="{3F818646-8CD6-4348-8CD9-8277E9DA3662}" srcId="{B640F469-DE27-4875-AA34-2EB8EB192D5E}" destId="{5FB5CC6D-7747-4181-BD89-0611FE1491AC}" srcOrd="0" destOrd="0" parTransId="{44DA7604-173A-4F89-89B5-C986C18C9274}" sibTransId="{E8D719EC-4876-4111-A76E-BB15BB544C0A}"/>
+    <dgm:cxn modelId="{037D73BB-28BE-4313-B4B0-D5A630ACFFDF}" type="presOf" srcId="{23C53E95-E199-4F76-A132-B312C9830048}" destId="{A27A6D34-0F35-43F3-9BD2-E6EE73DBE54D}" srcOrd="0" destOrd="0" presId="urn:microsoft.com/office/officeart/2008/layout/LinedList"/>
+    <dgm:cxn modelId="{CDAAC5C4-F132-4225-9EE6-5EFB97871C82}" srcId="{B640F469-DE27-4875-AA34-2EB8EB192D5E}" destId="{23C53E95-E199-4F76-A132-B312C9830048}" srcOrd="1" destOrd="0" parTransId="{7654FB96-8729-4DA9-ADD8-9EF00096DF3A}" sibTransId="{6CC2D90D-1871-401A-B8E6-70BF6885CE67}"/>
+    <dgm:cxn modelId="{C1E4B1F4-5D51-4E56-835A-F2D46EFA123C}" type="presParOf" srcId="{29F83C83-0D1F-4C8F-A0ED-0C7F3082E426}" destId="{47B35DEC-E38C-4D38-B077-DE030BB437FD}" srcOrd="0" destOrd="0" presId="urn:microsoft.com/office/officeart/2008/layout/LinedList"/>
+    <dgm:cxn modelId="{85FB3204-FDFD-470B-BC10-D478E35ADC94}" type="presParOf" srcId="{29F83C83-0D1F-4C8F-A0ED-0C7F3082E426}" destId="{A60DAF50-3468-405F-A777-3BCE9AD926C4}" srcOrd="1" destOrd="0" presId="urn:microsoft.com/office/officeart/2008/layout/LinedList"/>
+    <dgm:cxn modelId="{7105B984-0307-449D-AAF1-C015FE10D2BC}" type="presParOf" srcId="{A60DAF50-3468-405F-A777-3BCE9AD926C4}" destId="{DFB9EBAD-60A5-4636-A2B3-FEFBF30A3C8D}" srcOrd="0" destOrd="0" presId="urn:microsoft.com/office/officeart/2008/layout/LinedList"/>
+    <dgm:cxn modelId="{44B7D34E-4E48-47B5-80A7-5B234B9D7F58}" type="presParOf" srcId="{A60DAF50-3468-405F-A777-3BCE9AD926C4}" destId="{7E80BA03-68D1-4B1B-B552-F045E9F448B8}" srcOrd="1" destOrd="0" presId="urn:microsoft.com/office/officeart/2008/layout/LinedList"/>
+    <dgm:cxn modelId="{52A8DEFE-3C17-49A6-903F-3E76E11666A3}" type="presParOf" srcId="{29F83C83-0D1F-4C8F-A0ED-0C7F3082E426}" destId="{27AE7CA5-C722-4C31-B776-599DA3EAEF7D}" srcOrd="2" destOrd="0" presId="urn:microsoft.com/office/officeart/2008/layout/LinedList"/>
+    <dgm:cxn modelId="{4DBB6DE2-EB9E-4779-8174-F5182C12A07F}" type="presParOf" srcId="{29F83C83-0D1F-4C8F-A0ED-0C7F3082E426}" destId="{EA4668F4-719B-4B1F-8D5D-05E1BEBB0413}" srcOrd="3" destOrd="0" presId="urn:microsoft.com/office/officeart/2008/layout/LinedList"/>
+    <dgm:cxn modelId="{4F3C4983-F945-4FDB-9029-75AB12657B42}" type="presParOf" srcId="{EA4668F4-719B-4B1F-8D5D-05E1BEBB0413}" destId="{A27A6D34-0F35-43F3-9BD2-E6EE73DBE54D}" srcOrd="0" destOrd="0" presId="urn:microsoft.com/office/officeart/2008/layout/LinedList"/>
+    <dgm:cxn modelId="{5001E948-FD3C-4E9E-8929-B41BB66D42C2}" type="presParOf" srcId="{EA4668F4-719B-4B1F-8D5D-05E1BEBB0413}" destId="{10852471-CAA3-4CB2-BE2B-DA968BC608EC}" srcOrd="1" destOrd="0" presId="urn:microsoft.com/office/officeart/2008/layout/LinedList"/>
+  </dgm:cxnLst>
+  <dgm:bg/>
+  <dgm:whole/>
+  <dgm:extLst>
+    <a:ext uri="http://schemas.microsoft.com/office/drawing/2008/diagram">
+      <dsp:dataModelExt xmlns:dsp="http://schemas.microsoft.com/office/drawing/2008/diagram" relId="rId7" minVer="http://schemas.openxmlformats.org/drawingml/2006/diagram"/>
+    </a:ext>
+  </dgm:extLst>
+</dgm:dataModel>
+</file>
+
+<file path=ppt/diagrams/data2.xml><?xml version="1.0" encoding="utf-8"?>
 <dgm:dataModel xmlns:dgm="http://schemas.openxmlformats.org/drawingml/2006/diagram" xmlns:a="http://schemas.openxmlformats.org/drawingml/2006/main">
   <dgm:ptLst>
     <dgm:pt modelId="{B640F469-DE27-4875-AA34-2EB8EB192D5E}" type="doc">
@@ -3024,7 +4031,7 @@
 </dgm:dataModel>
 </file>
 
-<file path=ppt/diagrams/data2.xml><?xml version="1.0" encoding="utf-8"?>
+<file path=ppt/diagrams/data3.xml><?xml version="1.0" encoding="utf-8"?>
 <dgm:dataModel xmlns:dgm="http://schemas.openxmlformats.org/drawingml/2006/diagram" xmlns:a="http://schemas.openxmlformats.org/drawingml/2006/main">
   <dgm:ptLst>
     <dgm:pt modelId="{5557DEDC-9A1A-4E22-A90C-536AB7E5EB24}" type="doc">
@@ -3295,6 +4302,354 @@
 </file>
 
 <file path=ppt/diagrams/drawing1.xml><?xml version="1.0" encoding="utf-8"?>
+<dsp:drawing xmlns:dgm="http://schemas.openxmlformats.org/drawingml/2006/diagram" xmlns:dsp="http://schemas.microsoft.com/office/drawing/2008/diagram" xmlns:a="http://schemas.openxmlformats.org/drawingml/2006/main">
+  <dsp:spTree>
+    <dsp:nvGrpSpPr>
+      <dsp:cNvPr id="0" name=""/>
+      <dsp:cNvGrpSpPr/>
+    </dsp:nvGrpSpPr>
+    <dsp:grpSpPr/>
+    <dsp:sp modelId="{47B35DEC-E38C-4D38-B077-DE030BB437FD}">
+      <dsp:nvSpPr>
+        <dsp:cNvPr id="0" name=""/>
+        <dsp:cNvSpPr/>
+      </dsp:nvSpPr>
+      <dsp:spPr>
+        <a:xfrm>
+          <a:off x="0" y="1093"/>
+          <a:ext cx="6492875" cy="0"/>
+        </a:xfrm>
+        <a:prstGeom prst="line">
+          <a:avLst/>
+        </a:prstGeom>
+        <a:solidFill>
+          <a:schemeClr val="accent2">
+            <a:hueOff val="0"/>
+            <a:satOff val="0"/>
+            <a:lumOff val="0"/>
+            <a:alphaOff val="0"/>
+          </a:schemeClr>
+        </a:solidFill>
+        <a:ln w="15875" cap="rnd" cmpd="sng" algn="ctr">
+          <a:solidFill>
+            <a:schemeClr val="accent2">
+              <a:hueOff val="0"/>
+              <a:satOff val="0"/>
+              <a:lumOff val="0"/>
+              <a:alphaOff val="0"/>
+            </a:schemeClr>
+          </a:solidFill>
+          <a:prstDash val="solid"/>
+        </a:ln>
+        <a:effectLst/>
+      </dsp:spPr>
+      <dsp:style>
+        <a:lnRef idx="2">
+          <a:scrgbClr r="0" g="0" b="0"/>
+        </a:lnRef>
+        <a:fillRef idx="1">
+          <a:scrgbClr r="0" g="0" b="0"/>
+        </a:fillRef>
+        <a:effectRef idx="0">
+          <a:scrgbClr r="0" g="0" b="0"/>
+        </a:effectRef>
+        <a:fontRef idx="minor">
+          <a:schemeClr val="lt1"/>
+        </a:fontRef>
+      </dsp:style>
+    </dsp:sp>
+    <dsp:sp modelId="{DFB9EBAD-60A5-4636-A2B3-FEFBF30A3C8D}">
+      <dsp:nvSpPr>
+        <dsp:cNvPr id="0" name=""/>
+        <dsp:cNvSpPr/>
+      </dsp:nvSpPr>
+      <dsp:spPr>
+        <a:xfrm>
+          <a:off x="0" y="1093"/>
+          <a:ext cx="6492875" cy="1398500"/>
+        </a:xfrm>
+        <a:prstGeom prst="rect">
+          <a:avLst/>
+        </a:prstGeom>
+        <a:noFill/>
+        <a:ln>
+          <a:noFill/>
+        </a:ln>
+        <a:effectLst/>
+      </dsp:spPr>
+      <dsp:style>
+        <a:lnRef idx="0">
+          <a:scrgbClr r="0" g="0" b="0"/>
+        </a:lnRef>
+        <a:fillRef idx="0">
+          <a:scrgbClr r="0" g="0" b="0"/>
+        </a:fillRef>
+        <a:effectRef idx="0">
+          <a:scrgbClr r="0" g="0" b="0"/>
+        </a:effectRef>
+        <a:fontRef idx="minor"/>
+      </dsp:style>
+      <dsp:txBody>
+        <a:bodyPr spcFirstLastPara="0" vert="horz" wrap="square" lIns="110490" tIns="110490" rIns="110490" bIns="110490" numCol="1" spcCol="1270" anchor="t" anchorCtr="0">
+          <a:noAutofit/>
+        </a:bodyPr>
+        <a:lstStyle/>
+        <a:p>
+          <a:pPr marL="0" lvl="0" indent="0" algn="l" defTabSz="1289050">
+            <a:lnSpc>
+              <a:spcPct val="90000"/>
+            </a:lnSpc>
+            <a:spcBef>
+              <a:spcPct val="0"/>
+            </a:spcBef>
+            <a:spcAft>
+              <a:spcPct val="35000"/>
+            </a:spcAft>
+            <a:buNone/>
+          </a:pPr>
+          <a:r>
+            <a:rPr lang="en-US" sz="2900" kern="1200" dirty="0"/>
+            <a:t>Philly.NET Curriculum Contributor</a:t>
+          </a:r>
+          <a:br>
+            <a:rPr lang="en-US" sz="2900" kern="1200" dirty="0"/>
+          </a:br>
+          <a:r>
+            <a:rPr lang="en-US" sz="2900" kern="1200" dirty="0">
+              <a:hlinkClick xmlns:r="http://schemas.openxmlformats.org/officeDocument/2006/relationships" r:id="rId1"/>
+            </a:rPr>
+            <a:t>https://youtube.com/phillydotnet</a:t>
+          </a:r>
+          <a:endParaRPr lang="en-US" sz="2900" kern="1200" dirty="0"/>
+        </a:p>
+      </dsp:txBody>
+      <dsp:txXfrm>
+        <a:off x="0" y="1093"/>
+        <a:ext cx="6492875" cy="1398500"/>
+      </dsp:txXfrm>
+    </dsp:sp>
+    <dsp:sp modelId="{27AE7CA5-C722-4C31-B776-599DA3EAEF7D}">
+      <dsp:nvSpPr>
+        <dsp:cNvPr id="0" name=""/>
+        <dsp:cNvSpPr/>
+      </dsp:nvSpPr>
+      <dsp:spPr>
+        <a:xfrm>
+          <a:off x="0" y="1399594"/>
+          <a:ext cx="6492875" cy="0"/>
+        </a:xfrm>
+        <a:prstGeom prst="line">
+          <a:avLst/>
+        </a:prstGeom>
+        <a:solidFill>
+          <a:schemeClr val="accent2">
+            <a:hueOff val="1160647"/>
+            <a:satOff val="-10343"/>
+            <a:lumOff val="-2157"/>
+            <a:alphaOff val="0"/>
+          </a:schemeClr>
+        </a:solidFill>
+        <a:ln w="15875" cap="rnd" cmpd="sng" algn="ctr">
+          <a:solidFill>
+            <a:schemeClr val="accent2">
+              <a:hueOff val="1160647"/>
+              <a:satOff val="-10343"/>
+              <a:lumOff val="-2157"/>
+              <a:alphaOff val="0"/>
+            </a:schemeClr>
+          </a:solidFill>
+          <a:prstDash val="solid"/>
+        </a:ln>
+        <a:effectLst/>
+      </dsp:spPr>
+      <dsp:style>
+        <a:lnRef idx="2">
+          <a:scrgbClr r="0" g="0" b="0"/>
+        </a:lnRef>
+        <a:fillRef idx="1">
+          <a:scrgbClr r="0" g="0" b="0"/>
+        </a:fillRef>
+        <a:effectRef idx="0">
+          <a:scrgbClr r="0" g="0" b="0"/>
+        </a:effectRef>
+        <a:fontRef idx="minor">
+          <a:schemeClr val="lt1"/>
+        </a:fontRef>
+      </dsp:style>
+    </dsp:sp>
+    <dsp:sp modelId="{A27A6D34-0F35-43F3-9BD2-E6EE73DBE54D}">
+      <dsp:nvSpPr>
+        <dsp:cNvPr id="0" name=""/>
+        <dsp:cNvSpPr/>
+      </dsp:nvSpPr>
+      <dsp:spPr>
+        <a:xfrm>
+          <a:off x="0" y="1399594"/>
+          <a:ext cx="6486534" cy="3704712"/>
+        </a:xfrm>
+        <a:prstGeom prst="rect">
+          <a:avLst/>
+        </a:prstGeom>
+        <a:noFill/>
+        <a:ln>
+          <a:noFill/>
+        </a:ln>
+        <a:effectLst/>
+      </dsp:spPr>
+      <dsp:style>
+        <a:lnRef idx="0">
+          <a:scrgbClr r="0" g="0" b="0"/>
+        </a:lnRef>
+        <a:fillRef idx="0">
+          <a:scrgbClr r="0" g="0" b="0"/>
+        </a:fillRef>
+        <a:effectRef idx="0">
+          <a:scrgbClr r="0" g="0" b="0"/>
+        </a:effectRef>
+        <a:fontRef idx="minor"/>
+      </dsp:style>
+      <dsp:txBody>
+        <a:bodyPr spcFirstLastPara="0" vert="horz" wrap="square" lIns="110490" tIns="110490" rIns="110490" bIns="110490" numCol="1" spcCol="1270" anchor="t" anchorCtr="0">
+          <a:noAutofit/>
+        </a:bodyPr>
+        <a:lstStyle/>
+        <a:p>
+          <a:pPr marL="0" lvl="0" indent="0" algn="l" defTabSz="1289050">
+            <a:lnSpc>
+              <a:spcPct val="90000"/>
+            </a:lnSpc>
+            <a:spcBef>
+              <a:spcPct val="0"/>
+            </a:spcBef>
+            <a:spcAft>
+              <a:spcPct val="35000"/>
+            </a:spcAft>
+            <a:buNone/>
+          </a:pPr>
+          <a:r>
+            <a:rPr lang="en-US" sz="2900" kern="1200" dirty="0"/>
+            <a:t>Co-Host of </a:t>
+          </a:r>
+          <a:r>
+            <a:rPr lang="en-US" sz="2900" kern="1200" dirty="0" err="1"/>
+            <a:t>TheDevTalkShow</a:t>
+          </a:r>
+          <a:br>
+            <a:rPr lang="en-US" sz="2900" kern="1200" dirty="0"/>
+          </a:br>
+          <a:r>
+            <a:rPr lang="en-US" sz="2900" kern="1200" dirty="0"/>
+            <a:t>Wednesday Nights: 8:30PM US Eastern</a:t>
+          </a:r>
+          <a:br>
+            <a:rPr lang="en-US" sz="2900" kern="1200" dirty="0"/>
+          </a:br>
+          <a:r>
+            <a:rPr lang="en-US" sz="2900" kern="1200" dirty="0">
+              <a:hlinkClick xmlns:r="http://schemas.openxmlformats.org/officeDocument/2006/relationships" r:id="rId2"/>
+            </a:rPr>
+            <a:t>video.thedevtalkshow.com</a:t>
+          </a:r>
+          <a:endParaRPr lang="en-US" sz="2900" kern="1200" dirty="0"/>
+        </a:p>
+        <a:p>
+          <a:pPr marL="0" lvl="0" indent="0" algn="l" defTabSz="1289050">
+            <a:lnSpc>
+              <a:spcPct val="90000"/>
+            </a:lnSpc>
+            <a:spcBef>
+              <a:spcPct val="0"/>
+            </a:spcBef>
+            <a:spcAft>
+              <a:spcPct val="35000"/>
+            </a:spcAft>
+            <a:buNone/>
+          </a:pPr>
+          <a:endParaRPr lang="en-US" sz="2900" kern="1200" dirty="0"/>
+        </a:p>
+        <a:p>
+          <a:pPr marL="0" lvl="0" indent="0" algn="l" defTabSz="1289050">
+            <a:lnSpc>
+              <a:spcPct val="90000"/>
+            </a:lnSpc>
+            <a:spcBef>
+              <a:spcPct val="0"/>
+            </a:spcBef>
+            <a:spcAft>
+              <a:spcPct val="35000"/>
+            </a:spcAft>
+            <a:buNone/>
+          </a:pPr>
+          <a:r>
+            <a:rPr lang="en-US" sz="2900" kern="1200" dirty="0"/>
+            <a:t>Streamed LIVE.  Join the chat on</a:t>
+          </a:r>
+        </a:p>
+        <a:p>
+          <a:pPr marL="0" lvl="0" indent="0" algn="l" defTabSz="1289050">
+            <a:lnSpc>
+              <a:spcPct val="90000"/>
+            </a:lnSpc>
+            <a:spcBef>
+              <a:spcPct val="0"/>
+            </a:spcBef>
+            <a:spcAft>
+              <a:spcPct val="35000"/>
+            </a:spcAft>
+            <a:buNone/>
+          </a:pPr>
+          <a:r>
+            <a:rPr lang="en-US" sz="2900" kern="1200" dirty="0">
+              <a:hlinkClick xmlns:r="http://schemas.openxmlformats.org/officeDocument/2006/relationships" r:id="rId3"/>
+            </a:rPr>
+            <a:t>Mixer.com/</a:t>
+          </a:r>
+          <a:r>
+            <a:rPr lang="en-US" sz="2900" kern="1200" dirty="0" err="1">
+              <a:hlinkClick xmlns:r="http://schemas.openxmlformats.org/officeDocument/2006/relationships" r:id="rId3"/>
+            </a:rPr>
+            <a:t>thedevtalkshow</a:t>
+          </a:r>
+          <a:endParaRPr lang="en-US" sz="2900" kern="1200" dirty="0"/>
+        </a:p>
+        <a:p>
+          <a:pPr marL="0" lvl="0" indent="0" algn="l" defTabSz="1289050">
+            <a:lnSpc>
+              <a:spcPct val="90000"/>
+            </a:lnSpc>
+            <a:spcBef>
+              <a:spcPct val="0"/>
+            </a:spcBef>
+            <a:spcAft>
+              <a:spcPct val="35000"/>
+            </a:spcAft>
+            <a:buNone/>
+          </a:pPr>
+          <a:r>
+            <a:rPr lang="en-US" sz="2900" kern="1200" dirty="0">
+              <a:hlinkClick xmlns:r="http://schemas.openxmlformats.org/officeDocument/2006/relationships" r:id="rId4"/>
+            </a:rPr>
+            <a:t>Twitch.tv/</a:t>
+          </a:r>
+          <a:r>
+            <a:rPr lang="en-US" sz="2900" kern="1200" dirty="0" err="1">
+              <a:hlinkClick xmlns:r="http://schemas.openxmlformats.org/officeDocument/2006/relationships" r:id="rId4"/>
+            </a:rPr>
+            <a:t>thedevtalkshow</a:t>
+          </a:r>
+          <a:endParaRPr lang="en-US" sz="2900" kern="1200" dirty="0"/>
+        </a:p>
+      </dsp:txBody>
+      <dsp:txXfrm>
+        <a:off x="0" y="1399594"/>
+        <a:ext cx="6486534" cy="3704712"/>
+      </dsp:txXfrm>
+    </dsp:sp>
+  </dsp:spTree>
+</dsp:drawing>
+</file>
+
+<file path=ppt/diagrams/drawing2.xml><?xml version="1.0" encoding="utf-8"?>
 <dsp:drawing xmlns:dgm="http://schemas.openxmlformats.org/drawingml/2006/diagram" xmlns:dsp="http://schemas.microsoft.com/office/drawing/2008/diagram" xmlns:a="http://schemas.openxmlformats.org/drawingml/2006/main">
   <dsp:spTree>
     <dsp:nvGrpSpPr>
@@ -3960,7 +5315,7 @@
 </dsp:drawing>
 </file>
 
-<file path=ppt/diagrams/drawing2.xml><?xml version="1.0" encoding="utf-8"?>
+<file path=ppt/diagrams/drawing3.xml><?xml version="1.0" encoding="utf-8"?>
 <dsp:drawing xmlns:dgm="http://schemas.openxmlformats.org/drawingml/2006/diagram" xmlns:dsp="http://schemas.microsoft.com/office/drawing/2008/diagram" xmlns:a="http://schemas.openxmlformats.org/drawingml/2006/main">
   <dsp:spTree>
     <dsp:nvGrpSpPr>
@@ -5340,6 +6695,472 @@
 </dgm:layoutDef>
 </file>
 
+<file path=ppt/diagrams/layout3.xml><?xml version="1.0" encoding="utf-8"?>
+<dgm:layoutDef xmlns:dgm="http://schemas.openxmlformats.org/drawingml/2006/diagram" xmlns:a="http://schemas.openxmlformats.org/drawingml/2006/main" uniqueId="urn:microsoft.com/office/officeart/2008/layout/LinedList">
+  <dgm:title val=""/>
+  <dgm:desc val=""/>
+  <dgm:catLst>
+    <dgm:cat type="hierarchy" pri="8000"/>
+    <dgm:cat type="list" pri="2500"/>
+  </dgm:catLst>
+  <dgm:sampData>
+    <dgm:dataModel>
+      <dgm:ptLst>
+        <dgm:pt modelId="0" type="doc"/>
+        <dgm:pt modelId="1">
+          <dgm:prSet phldr="1"/>
+        </dgm:pt>
+        <dgm:pt modelId="11">
+          <dgm:prSet phldr="1"/>
+        </dgm:pt>
+        <dgm:pt modelId="12">
+          <dgm:prSet phldr="1"/>
+        </dgm:pt>
+        <dgm:pt modelId="13">
+          <dgm:prSet phldr="1"/>
+        </dgm:pt>
+      </dgm:ptLst>
+      <dgm:cxnLst>
+        <dgm:cxn modelId="2" srcId="0" destId="1" srcOrd="0" destOrd="0"/>
+        <dgm:cxn modelId="3" srcId="1" destId="11" srcOrd="0" destOrd="0"/>
+        <dgm:cxn modelId="4" srcId="1" destId="12" srcOrd="1" destOrd="0"/>
+        <dgm:cxn modelId="5" srcId="1" destId="13" srcOrd="2" destOrd="0"/>
+      </dgm:cxnLst>
+      <dgm:bg/>
+      <dgm:whole/>
+    </dgm:dataModel>
+  </dgm:sampData>
+  <dgm:styleData>
+    <dgm:dataModel>
+      <dgm:ptLst>
+        <dgm:pt modelId="0" type="doc"/>
+        <dgm:pt modelId="1">
+          <dgm:prSet phldr="1"/>
+        </dgm:pt>
+        <dgm:pt modelId="11">
+          <dgm:prSet phldr="1"/>
+        </dgm:pt>
+        <dgm:pt modelId="12">
+          <dgm:prSet phldr="1"/>
+        </dgm:pt>
+      </dgm:ptLst>
+      <dgm:cxnLst>
+        <dgm:cxn modelId="2" srcId="0" destId="1" srcOrd="0" destOrd="0"/>
+        <dgm:cxn modelId="3" srcId="1" destId="11" srcOrd="0" destOrd="0"/>
+        <dgm:cxn modelId="4" srcId="1" destId="12" srcOrd="1" destOrd="0"/>
+      </dgm:cxnLst>
+      <dgm:bg/>
+      <dgm:whole/>
+    </dgm:dataModel>
+  </dgm:styleData>
+  <dgm:clrData>
+    <dgm:dataModel>
+      <dgm:ptLst>
+        <dgm:pt modelId="0" type="doc"/>
+        <dgm:pt modelId="1">
+          <dgm:prSet phldr="1"/>
+        </dgm:pt>
+        <dgm:pt modelId="11">
+          <dgm:prSet phldr="1"/>
+        </dgm:pt>
+        <dgm:pt modelId="12">
+          <dgm:prSet phldr="1"/>
+        </dgm:pt>
+      </dgm:ptLst>
+      <dgm:cxnLst>
+        <dgm:cxn modelId="2" srcId="0" destId="1" srcOrd="0" destOrd="0"/>
+        <dgm:cxn modelId="3" srcId="1" destId="11" srcOrd="0" destOrd="0"/>
+        <dgm:cxn modelId="4" srcId="1" destId="12" srcOrd="1" destOrd="0"/>
+      </dgm:cxnLst>
+      <dgm:bg/>
+      <dgm:whole/>
+    </dgm:dataModel>
+  </dgm:clrData>
+  <dgm:layoutNode name="vert0">
+    <dgm:varLst>
+      <dgm:dir/>
+      <dgm:animOne val="branch"/>
+      <dgm:animLvl val="lvl"/>
+    </dgm:varLst>
+    <dgm:choose name="Name0">
+      <dgm:if name="Name1" func="var" arg="dir" op="equ" val="norm">
+        <dgm:alg type="lin">
+          <dgm:param type="linDir" val="fromT"/>
+          <dgm:param type="nodeHorzAlign" val="l"/>
+        </dgm:alg>
+      </dgm:if>
+      <dgm:else name="Name2">
+        <dgm:alg type="lin">
+          <dgm:param type="linDir" val="fromT"/>
+          <dgm:param type="nodeHorzAlign" val="r"/>
+        </dgm:alg>
+      </dgm:else>
+    </dgm:choose>
+    <dgm:shape xmlns:r="http://schemas.openxmlformats.org/officeDocument/2006/relationships" r:blip="">
+      <dgm:adjLst/>
+    </dgm:shape>
+    <dgm:presOf/>
+    <dgm:constrLst>
+      <dgm:constr type="w" for="ch" forName="horz1" refType="w"/>
+      <dgm:constr type="h" for="ch" forName="horz1" refType="h"/>
+      <dgm:constr type="h" for="des" forName="vert1" refType="h"/>
+      <dgm:constr type="h" for="des" forName="tx1" refType="h"/>
+      <dgm:constr type="h" for="des" forName="horz2" refType="h"/>
+      <dgm:constr type="h" for="des" forName="vert2" refType="h"/>
+      <dgm:constr type="h" for="des" forName="horz3" refType="h"/>
+      <dgm:constr type="h" for="des" forName="vert3" refType="h"/>
+      <dgm:constr type="h" for="des" forName="horz4" refType="h"/>
+      <dgm:constr type="h" for="des" ptType="node" refType="h"/>
+      <dgm:constr type="primFontSz" for="des" forName="tx1" op="equ" val="65"/>
+      <dgm:constr type="primFontSz" for="des" forName="tx2" op="equ" val="65"/>
+      <dgm:constr type="primFontSz" for="des" forName="tx3" op="equ" val="65"/>
+      <dgm:constr type="primFontSz" for="des" forName="tx4" op="equ" val="65"/>
+      <dgm:constr type="w" for="des" forName="thickLine" refType="w"/>
+      <dgm:constr type="h" for="des" forName="thickLine"/>
+      <dgm:constr type="h" for="des" forName="thinLine1"/>
+      <dgm:constr type="h" for="des" forName="thinLine2b"/>
+      <dgm:constr type="h" for="des" forName="thinLine3"/>
+      <dgm:constr type="h" for="des" forName="vertSpace2a" refType="h" fact="0.05"/>
+      <dgm:constr type="h" for="des" forName="vertSpace2b" refType="h" refFor="des" refForName="vertSpace2a"/>
+    </dgm:constrLst>
+    <dgm:forEach name="Name3" axis="ch" ptType="node">
+      <dgm:layoutNode name="thickLine" styleLbl="alignNode1">
+        <dgm:alg type="sp"/>
+        <dgm:shape xmlns:r="http://schemas.openxmlformats.org/officeDocument/2006/relationships" type="line" r:blip="">
+          <dgm:adjLst/>
+        </dgm:shape>
+        <dgm:presOf/>
+      </dgm:layoutNode>
+      <dgm:layoutNode name="horz1">
+        <dgm:choose name="Name4">
+          <dgm:if name="Name5" func="var" arg="dir" op="equ" val="norm">
+            <dgm:alg type="lin">
+              <dgm:param type="linDir" val="fromL"/>
+              <dgm:param type="nodeVertAlign" val="t"/>
+            </dgm:alg>
+          </dgm:if>
+          <dgm:else name="Name6">
+            <dgm:alg type="lin">
+              <dgm:param type="linDir" val="fromR"/>
+              <dgm:param type="nodeVertAlign" val="t"/>
+            </dgm:alg>
+          </dgm:else>
+        </dgm:choose>
+        <dgm:shape xmlns:r="http://schemas.openxmlformats.org/officeDocument/2006/relationships" r:blip="">
+          <dgm:adjLst/>
+        </dgm:shape>
+        <dgm:presOf/>
+        <dgm:choose name="Name7">
+          <dgm:if name="Name8" axis="root des" func="maxDepth" op="equ" val="1">
+            <dgm:constrLst>
+              <dgm:constr type="w" for="ch" forName="tx1" refType="w"/>
+            </dgm:constrLst>
+          </dgm:if>
+          <dgm:if name="Name9" axis="root des" func="maxDepth" op="equ" val="2">
+            <dgm:constrLst>
+              <dgm:constr type="w" for="ch" forName="tx1" refType="w" fact="0.2"/>
+              <dgm:constr type="w" for="des" forName="tx2" refType="w" fact="0.785"/>
+              <dgm:constr type="w" for="des" forName="horzSpace2" refType="w" fact="0.015"/>
+              <dgm:constr type="w" for="des" forName="thinLine2b" refType="w" fact="0.8"/>
+            </dgm:constrLst>
+          </dgm:if>
+          <dgm:if name="Name10" axis="root des" func="maxDepth" op="equ" val="3">
+            <dgm:constrLst>
+              <dgm:constr type="w" for="ch" forName="tx1" refType="w" fact="0.2"/>
+              <dgm:constr type="w" for="des" forName="tx2" refType="w" fact="0.385"/>
+              <dgm:constr type="w" for="des" forName="tx3" refType="w" fact="0.385"/>
+              <dgm:constr type="w" for="des" forName="horzSpace2" refType="w" fact="0.015"/>
+              <dgm:constr type="w" for="des" forName="horzSpace3" refType="w" fact="0.015"/>
+              <dgm:constr type="w" for="des" forName="thinLine2b" refType="w" fact="0.8"/>
+              <dgm:constr type="w" for="des" forName="thinLine3" refType="w" fact="0.385"/>
+            </dgm:constrLst>
+          </dgm:if>
+          <dgm:if name="Name11" axis="root des" func="maxDepth" op="gte" val="4">
+            <dgm:constrLst>
+              <dgm:constr type="w" for="ch" forName="tx1" refType="w" fact="0.2"/>
+              <dgm:constr type="w" for="des" forName="tx2" refType="w" fact="0.2516"/>
+              <dgm:constr type="w" for="des" forName="tx3" refType="w" fact="0.2516"/>
+              <dgm:constr type="w" for="des" forName="tx4" refType="w" fact="0.2516"/>
+              <dgm:constr type="w" for="des" forName="horzSpace2" refType="w" fact="0.015"/>
+              <dgm:constr type="w" for="des" forName="horzSpace3" refType="w" fact="0.015"/>
+              <dgm:constr type="w" for="des" forName="horzSpace4" refType="w" fact="0.015"/>
+              <dgm:constr type="w" for="des" forName="thinLine2b" refType="w" fact="0.8"/>
+              <dgm:constr type="w" for="des" forName="thinLine3" refType="w" fact="0.5332"/>
+            </dgm:constrLst>
+          </dgm:if>
+          <dgm:else name="Name12"/>
+        </dgm:choose>
+        <dgm:layoutNode name="tx1" styleLbl="revTx">
+          <dgm:alg type="tx">
+            <dgm:param type="parTxLTRAlign" val="l"/>
+            <dgm:param type="parTxRTLAlign" val="r"/>
+            <dgm:param type="txAnchorVert" val="t"/>
+          </dgm:alg>
+          <dgm:shape xmlns:r="http://schemas.openxmlformats.org/officeDocument/2006/relationships" type="rect" r:blip="">
+            <dgm:adjLst/>
+          </dgm:shape>
+          <dgm:presOf axis="self"/>
+          <dgm:constrLst>
+            <dgm:constr type="tMarg" refType="primFontSz" fact="0.3"/>
+            <dgm:constr type="bMarg" refType="primFontSz" fact="0.3"/>
+            <dgm:constr type="lMarg" refType="primFontSz" fact="0.3"/>
+            <dgm:constr type="rMarg" refType="primFontSz" fact="0.3"/>
+          </dgm:constrLst>
+          <dgm:ruleLst>
+            <dgm:rule type="primFontSz" val="5" fact="NaN" max="NaN"/>
+          </dgm:ruleLst>
+        </dgm:layoutNode>
+        <dgm:layoutNode name="vert1">
+          <dgm:choose name="Name13">
+            <dgm:if name="Name14" func="var" arg="dir" op="equ" val="norm">
+              <dgm:alg type="lin">
+                <dgm:param type="linDir" val="fromT"/>
+                <dgm:param type="nodeHorzAlign" val="l"/>
+              </dgm:alg>
+            </dgm:if>
+            <dgm:else name="Name15">
+              <dgm:alg type="lin">
+                <dgm:param type="linDir" val="fromT"/>
+                <dgm:param type="nodeHorzAlign" val="r"/>
+              </dgm:alg>
+            </dgm:else>
+          </dgm:choose>
+          <dgm:shape xmlns:r="http://schemas.openxmlformats.org/officeDocument/2006/relationships" r:blip="">
+            <dgm:adjLst/>
+          </dgm:shape>
+          <dgm:presOf/>
+          <dgm:forEach name="Name16" axis="ch" ptType="node">
+            <dgm:choose name="Name17">
+              <dgm:if name="Name18" axis="self" ptType="node" func="pos" op="equ" val="1">
+                <dgm:layoutNode name="vertSpace2a">
+                  <dgm:alg type="sp"/>
+                  <dgm:shape xmlns:r="http://schemas.openxmlformats.org/officeDocument/2006/relationships" r:blip="">
+                    <dgm:adjLst/>
+                  </dgm:shape>
+                  <dgm:presOf/>
+                </dgm:layoutNode>
+              </dgm:if>
+              <dgm:else name="Name19"/>
+            </dgm:choose>
+            <dgm:layoutNode name="horz2">
+              <dgm:choose name="Name20">
+                <dgm:if name="Name21" func="var" arg="dir" op="equ" val="norm">
+                  <dgm:alg type="lin">
+                    <dgm:param type="linDir" val="fromL"/>
+                    <dgm:param type="nodeVertAlign" val="t"/>
+                  </dgm:alg>
+                </dgm:if>
+                <dgm:else name="Name22">
+                  <dgm:alg type="lin">
+                    <dgm:param type="linDir" val="fromR"/>
+                    <dgm:param type="nodeVertAlign" val="t"/>
+                  </dgm:alg>
+                </dgm:else>
+              </dgm:choose>
+              <dgm:shape xmlns:r="http://schemas.openxmlformats.org/officeDocument/2006/relationships" r:blip="">
+                <dgm:adjLst/>
+              </dgm:shape>
+              <dgm:presOf/>
+              <dgm:layoutNode name="horzSpace2">
+                <dgm:alg type="sp"/>
+                <dgm:shape xmlns:r="http://schemas.openxmlformats.org/officeDocument/2006/relationships" r:blip="">
+                  <dgm:adjLst/>
+                </dgm:shape>
+                <dgm:presOf/>
+              </dgm:layoutNode>
+              <dgm:layoutNode name="tx2" styleLbl="revTx">
+                <dgm:alg type="tx">
+                  <dgm:param type="parTxLTRAlign" val="l"/>
+                  <dgm:param type="parTxRTLAlign" val="r"/>
+                  <dgm:param type="txAnchorVert" val="t"/>
+                </dgm:alg>
+                <dgm:shape xmlns:r="http://schemas.openxmlformats.org/officeDocument/2006/relationships" type="rect" r:blip="">
+                  <dgm:adjLst/>
+                </dgm:shape>
+                <dgm:presOf axis="self"/>
+                <dgm:constrLst>
+                  <dgm:constr type="tMarg" refType="primFontSz" fact="0.3"/>
+                  <dgm:constr type="bMarg" refType="primFontSz" fact="0.3"/>
+                  <dgm:constr type="lMarg" refType="primFontSz" fact="0.3"/>
+                  <dgm:constr type="rMarg" refType="primFontSz" fact="0.3"/>
+                </dgm:constrLst>
+                <dgm:ruleLst>
+                  <dgm:rule type="primFontSz" val="5" fact="NaN" max="NaN"/>
+                </dgm:ruleLst>
+              </dgm:layoutNode>
+              <dgm:layoutNode name="vert2">
+                <dgm:choose name="Name23">
+                  <dgm:if name="Name24" func="var" arg="dir" op="equ" val="norm">
+                    <dgm:alg type="lin">
+                      <dgm:param type="linDir" val="fromT"/>
+                      <dgm:param type="nodeHorzAlign" val="l"/>
+                    </dgm:alg>
+                  </dgm:if>
+                  <dgm:else name="Name25">
+                    <dgm:alg type="lin">
+                      <dgm:param type="linDir" val="fromT"/>
+                      <dgm:param type="nodeHorzAlign" val="r"/>
+                    </dgm:alg>
+                  </dgm:else>
+                </dgm:choose>
+                <dgm:shape xmlns:r="http://schemas.openxmlformats.org/officeDocument/2006/relationships" r:blip="">
+                  <dgm:adjLst/>
+                </dgm:shape>
+                <dgm:presOf/>
+                <dgm:forEach name="Name26" axis="ch" ptType="node">
+                  <dgm:layoutNode name="horz3">
+                    <dgm:choose name="Name27">
+                      <dgm:if name="Name28" func="var" arg="dir" op="equ" val="norm">
+                        <dgm:alg type="lin">
+                          <dgm:param type="linDir" val="fromL"/>
+                          <dgm:param type="nodeVertAlign" val="t"/>
+                        </dgm:alg>
+                      </dgm:if>
+                      <dgm:else name="Name29">
+                        <dgm:alg type="lin">
+                          <dgm:param type="linDir" val="fromR"/>
+                          <dgm:param type="nodeVertAlign" val="t"/>
+                        </dgm:alg>
+                      </dgm:else>
+                    </dgm:choose>
+                    <dgm:shape xmlns:r="http://schemas.openxmlformats.org/officeDocument/2006/relationships" r:blip="">
+                      <dgm:adjLst/>
+                    </dgm:shape>
+                    <dgm:presOf/>
+                    <dgm:layoutNode name="horzSpace3">
+                      <dgm:alg type="sp"/>
+                      <dgm:shape xmlns:r="http://schemas.openxmlformats.org/officeDocument/2006/relationships" r:blip="">
+                        <dgm:adjLst/>
+                      </dgm:shape>
+                      <dgm:presOf/>
+                    </dgm:layoutNode>
+                    <dgm:layoutNode name="tx3" styleLbl="revTx">
+                      <dgm:alg type="tx">
+                        <dgm:param type="parTxLTRAlign" val="l"/>
+                        <dgm:param type="parTxRTLAlign" val="r"/>
+                        <dgm:param type="txAnchorVert" val="t"/>
+                      </dgm:alg>
+                      <dgm:shape xmlns:r="http://schemas.openxmlformats.org/officeDocument/2006/relationships" type="rect" r:blip="">
+                        <dgm:adjLst/>
+                      </dgm:shape>
+                      <dgm:presOf axis="self"/>
+                      <dgm:constrLst>
+                        <dgm:constr type="tMarg" refType="primFontSz" fact="0.3"/>
+                        <dgm:constr type="bMarg" refType="primFontSz" fact="0.3"/>
+                        <dgm:constr type="lMarg" refType="primFontSz" fact="0.3"/>
+                        <dgm:constr type="rMarg" refType="primFontSz" fact="0.3"/>
+                      </dgm:constrLst>
+                      <dgm:ruleLst>
+                        <dgm:rule type="primFontSz" val="5" fact="NaN" max="NaN"/>
+                      </dgm:ruleLst>
+                    </dgm:layoutNode>
+                    <dgm:layoutNode name="vert3">
+                      <dgm:choose name="Name30">
+                        <dgm:if name="Name31" func="var" arg="dir" op="equ" val="norm">
+                          <dgm:alg type="lin">
+                            <dgm:param type="linDir" val="fromT"/>
+                            <dgm:param type="nodeHorzAlign" val="l"/>
+                          </dgm:alg>
+                        </dgm:if>
+                        <dgm:else name="Name32">
+                          <dgm:alg type="lin">
+                            <dgm:param type="linDir" val="fromT"/>
+                            <dgm:param type="nodeHorzAlign" val="r"/>
+                          </dgm:alg>
+                        </dgm:else>
+                      </dgm:choose>
+                      <dgm:shape xmlns:r="http://schemas.openxmlformats.org/officeDocument/2006/relationships" r:blip="">
+                        <dgm:adjLst/>
+                      </dgm:shape>
+                      <dgm:presOf/>
+                      <dgm:forEach name="Name33" axis="ch" ptType="node">
+                        <dgm:layoutNode name="horz4">
+                          <dgm:choose name="Name34">
+                            <dgm:if name="Name35" func="var" arg="dir" op="equ" val="norm">
+                              <dgm:alg type="lin">
+                                <dgm:param type="linDir" val="fromL"/>
+                                <dgm:param type="nodeVertAlign" val="t"/>
+                              </dgm:alg>
+                            </dgm:if>
+                            <dgm:else name="Name36">
+                              <dgm:alg type="lin">
+                                <dgm:param type="linDir" val="fromR"/>
+                                <dgm:param type="nodeVertAlign" val="t"/>
+                              </dgm:alg>
+                            </dgm:else>
+                          </dgm:choose>
+                          <dgm:shape xmlns:r="http://schemas.openxmlformats.org/officeDocument/2006/relationships" r:blip="">
+                            <dgm:adjLst/>
+                          </dgm:shape>
+                          <dgm:presOf/>
+                          <dgm:layoutNode name="horzSpace4">
+                            <dgm:alg type="sp"/>
+                            <dgm:shape xmlns:r="http://schemas.openxmlformats.org/officeDocument/2006/relationships" r:blip="">
+                              <dgm:adjLst/>
+                            </dgm:shape>
+                            <dgm:presOf/>
+                          </dgm:layoutNode>
+                          <dgm:layoutNode name="tx4" styleLbl="revTx">
+                            <dgm:varLst>
+                              <dgm:bulletEnabled val="1"/>
+                            </dgm:varLst>
+                            <dgm:alg type="tx">
+                              <dgm:param type="parTxLTRAlign" val="l"/>
+                              <dgm:param type="parTxRTLAlign" val="r"/>
+                              <dgm:param type="txAnchorVert" val="t"/>
+                            </dgm:alg>
+                            <dgm:shape xmlns:r="http://schemas.openxmlformats.org/officeDocument/2006/relationships" type="rect" r:blip="">
+                              <dgm:adjLst/>
+                            </dgm:shape>
+                            <dgm:presOf axis="desOrSelf" ptType="node"/>
+                            <dgm:constrLst>
+                              <dgm:constr type="tMarg" refType="primFontSz" fact="0.3"/>
+                              <dgm:constr type="bMarg" refType="primFontSz" fact="0.3"/>
+                              <dgm:constr type="lMarg" refType="primFontSz" fact="0.3"/>
+                              <dgm:constr type="rMarg" refType="primFontSz" fact="0.3"/>
+                            </dgm:constrLst>
+                            <dgm:ruleLst>
+                              <dgm:rule type="primFontSz" val="5" fact="NaN" max="NaN"/>
+                            </dgm:ruleLst>
+                          </dgm:layoutNode>
+                        </dgm:layoutNode>
+                      </dgm:forEach>
+                    </dgm:layoutNode>
+                  </dgm:layoutNode>
+                  <dgm:forEach name="Name37" axis="followSib" ptType="sibTrans" cnt="1">
+                    <dgm:layoutNode name="thinLine3" styleLbl="callout">
+                      <dgm:alg type="sp"/>
+                      <dgm:shape xmlns:r="http://schemas.openxmlformats.org/officeDocument/2006/relationships" type="line" r:blip="">
+                        <dgm:adjLst/>
+                      </dgm:shape>
+                      <dgm:presOf/>
+                    </dgm:layoutNode>
+                  </dgm:forEach>
+                </dgm:forEach>
+              </dgm:layoutNode>
+            </dgm:layoutNode>
+            <dgm:layoutNode name="thinLine2b" styleLbl="callout">
+              <dgm:alg type="sp"/>
+              <dgm:shape xmlns:r="http://schemas.openxmlformats.org/officeDocument/2006/relationships" type="line" r:blip="">
+                <dgm:adjLst/>
+              </dgm:shape>
+              <dgm:presOf/>
+            </dgm:layoutNode>
+            <dgm:layoutNode name="vertSpace2b">
+              <dgm:alg type="sp"/>
+              <dgm:shape xmlns:r="http://schemas.openxmlformats.org/officeDocument/2006/relationships" r:blip="">
+                <dgm:adjLst/>
+              </dgm:shape>
+              <dgm:presOf/>
+            </dgm:layoutNode>
+          </dgm:forEach>
+        </dgm:layoutNode>
+      </dgm:layoutNode>
+    </dgm:forEach>
+  </dgm:layoutNode>
+</dgm:layoutDef>
+</file>
+
 <file path=ppt/diagrams/quickStyle1.xml><?xml version="1.0" encoding="utf-8"?>
 <dgm:styleDef xmlns:dgm="http://schemas.openxmlformats.org/drawingml/2006/diagram" xmlns:a="http://schemas.openxmlformats.org/drawingml/2006/main" uniqueId="urn:microsoft.com/office/officeart/2005/8/quickstyle/simple1">
   <dgm:title val=""/>
@@ -6375,6 +8196,1040 @@
 </file>
 
 <file path=ppt/diagrams/quickStyle2.xml><?xml version="1.0" encoding="utf-8"?>
+<dgm:styleDef xmlns:dgm="http://schemas.openxmlformats.org/drawingml/2006/diagram" xmlns:a="http://schemas.openxmlformats.org/drawingml/2006/main" uniqueId="urn:microsoft.com/office/officeart/2005/8/quickstyle/simple1">
+  <dgm:title val=""/>
+  <dgm:desc val=""/>
+  <dgm:catLst>
+    <dgm:cat type="simple" pri="10100"/>
+  </dgm:catLst>
+  <dgm:scene3d>
+    <a:camera prst="orthographicFront"/>
+    <a:lightRig rig="threePt" dir="t"/>
+  </dgm:scene3d>
+  <dgm:styleLbl name="node0">
+    <dgm:scene3d>
+      <a:camera prst="orthographicFront"/>
+      <a:lightRig rig="threePt" dir="t"/>
+    </dgm:scene3d>
+    <dgm:sp3d/>
+    <dgm:txPr/>
+    <dgm:style>
+      <a:lnRef idx="2">
+        <a:scrgbClr r="0" g="0" b="0"/>
+      </a:lnRef>
+      <a:fillRef idx="1">
+        <a:scrgbClr r="0" g="0" b="0"/>
+      </a:fillRef>
+      <a:effectRef idx="0">
+        <a:scrgbClr r="0" g="0" b="0"/>
+      </a:effectRef>
+      <a:fontRef idx="minor">
+        <a:schemeClr val="lt1"/>
+      </a:fontRef>
+    </dgm:style>
+  </dgm:styleLbl>
+  <dgm:styleLbl name="lnNode1">
+    <dgm:scene3d>
+      <a:camera prst="orthographicFront"/>
+      <a:lightRig rig="threePt" dir="t"/>
+    </dgm:scene3d>
+    <dgm:sp3d/>
+    <dgm:txPr/>
+    <dgm:style>
+      <a:lnRef idx="2">
+        <a:scrgbClr r="0" g="0" b="0"/>
+      </a:lnRef>
+      <a:fillRef idx="1">
+        <a:scrgbClr r="0" g="0" b="0"/>
+      </a:fillRef>
+      <a:effectRef idx="0">
+        <a:scrgbClr r="0" g="0" b="0"/>
+      </a:effectRef>
+      <a:fontRef idx="minor">
+        <a:schemeClr val="lt1"/>
+      </a:fontRef>
+    </dgm:style>
+  </dgm:styleLbl>
+  <dgm:styleLbl name="vennNode1">
+    <dgm:scene3d>
+      <a:camera prst="orthographicFront"/>
+      <a:lightRig rig="threePt" dir="t"/>
+    </dgm:scene3d>
+    <dgm:sp3d/>
+    <dgm:txPr/>
+    <dgm:style>
+      <a:lnRef idx="2">
+        <a:scrgbClr r="0" g="0" b="0"/>
+      </a:lnRef>
+      <a:fillRef idx="1">
+        <a:scrgbClr r="0" g="0" b="0"/>
+      </a:fillRef>
+      <a:effectRef idx="0">
+        <a:scrgbClr r="0" g="0" b="0"/>
+      </a:effectRef>
+      <a:fontRef idx="minor">
+        <a:schemeClr val="tx1"/>
+      </a:fontRef>
+    </dgm:style>
+  </dgm:styleLbl>
+  <dgm:styleLbl name="alignNode1">
+    <dgm:scene3d>
+      <a:camera prst="orthographicFront"/>
+      <a:lightRig rig="threePt" dir="t"/>
+    </dgm:scene3d>
+    <dgm:sp3d/>
+    <dgm:txPr/>
+    <dgm:style>
+      <a:lnRef idx="2">
+        <a:scrgbClr r="0" g="0" b="0"/>
+      </a:lnRef>
+      <a:fillRef idx="1">
+        <a:scrgbClr r="0" g="0" b="0"/>
+      </a:fillRef>
+      <a:effectRef idx="0">
+        <a:scrgbClr r="0" g="0" b="0"/>
+      </a:effectRef>
+      <a:fontRef idx="minor">
+        <a:schemeClr val="lt1"/>
+      </a:fontRef>
+    </dgm:style>
+  </dgm:styleLbl>
+  <dgm:styleLbl name="node1">
+    <dgm:scene3d>
+      <a:camera prst="orthographicFront"/>
+      <a:lightRig rig="threePt" dir="t"/>
+    </dgm:scene3d>
+    <dgm:sp3d/>
+    <dgm:txPr/>
+    <dgm:style>
+      <a:lnRef idx="2">
+        <a:scrgbClr r="0" g="0" b="0"/>
+      </a:lnRef>
+      <a:fillRef idx="1">
+        <a:scrgbClr r="0" g="0" b="0"/>
+      </a:fillRef>
+      <a:effectRef idx="0">
+        <a:scrgbClr r="0" g="0" b="0"/>
+      </a:effectRef>
+      <a:fontRef idx="minor">
+        <a:schemeClr val="lt1"/>
+      </a:fontRef>
+    </dgm:style>
+  </dgm:styleLbl>
+  <dgm:styleLbl name="node2">
+    <dgm:scene3d>
+      <a:camera prst="orthographicFront"/>
+      <a:lightRig rig="threePt" dir="t"/>
+    </dgm:scene3d>
+    <dgm:sp3d/>
+    <dgm:txPr/>
+    <dgm:style>
+      <a:lnRef idx="2">
+        <a:scrgbClr r="0" g="0" b="0"/>
+      </a:lnRef>
+      <a:fillRef idx="1">
+        <a:scrgbClr r="0" g="0" b="0"/>
+      </a:fillRef>
+      <a:effectRef idx="0">
+        <a:scrgbClr r="0" g="0" b="0"/>
+      </a:effectRef>
+      <a:fontRef idx="minor">
+        <a:schemeClr val="lt1"/>
+      </a:fontRef>
+    </dgm:style>
+  </dgm:styleLbl>
+  <dgm:styleLbl name="node3">
+    <dgm:scene3d>
+      <a:camera prst="orthographicFront"/>
+      <a:lightRig rig="threePt" dir="t"/>
+    </dgm:scene3d>
+    <dgm:sp3d/>
+    <dgm:txPr/>
+    <dgm:style>
+      <a:lnRef idx="2">
+        <a:scrgbClr r="0" g="0" b="0"/>
+      </a:lnRef>
+      <a:fillRef idx="1">
+        <a:scrgbClr r="0" g="0" b="0"/>
+      </a:fillRef>
+      <a:effectRef idx="0">
+        <a:scrgbClr r="0" g="0" b="0"/>
+      </a:effectRef>
+      <a:fontRef idx="minor">
+        <a:schemeClr val="lt1"/>
+      </a:fontRef>
+    </dgm:style>
+  </dgm:styleLbl>
+  <dgm:styleLbl name="node4">
+    <dgm:scene3d>
+      <a:camera prst="orthographicFront"/>
+      <a:lightRig rig="threePt" dir="t"/>
+    </dgm:scene3d>
+    <dgm:sp3d/>
+    <dgm:txPr/>
+    <dgm:style>
+      <a:lnRef idx="2">
+        <a:scrgbClr r="0" g="0" b="0"/>
+      </a:lnRef>
+      <a:fillRef idx="1">
+        <a:scrgbClr r="0" g="0" b="0"/>
+      </a:fillRef>
+      <a:effectRef idx="0">
+        <a:scrgbClr r="0" g="0" b="0"/>
+      </a:effectRef>
+      <a:fontRef idx="minor">
+        <a:schemeClr val="lt1"/>
+      </a:fontRef>
+    </dgm:style>
+  </dgm:styleLbl>
+  <dgm:styleLbl name="fgImgPlace1">
+    <dgm:scene3d>
+      <a:camera prst="orthographicFront"/>
+      <a:lightRig rig="threePt" dir="t"/>
+    </dgm:scene3d>
+    <dgm:sp3d/>
+    <dgm:txPr/>
+    <dgm:style>
+      <a:lnRef idx="2">
+        <a:scrgbClr r="0" g="0" b="0"/>
+      </a:lnRef>
+      <a:fillRef idx="1">
+        <a:scrgbClr r="0" g="0" b="0"/>
+      </a:fillRef>
+      <a:effectRef idx="0">
+        <a:scrgbClr r="0" g="0" b="0"/>
+      </a:effectRef>
+      <a:fontRef idx="minor"/>
+    </dgm:style>
+  </dgm:styleLbl>
+  <dgm:styleLbl name="alignImgPlace1">
+    <dgm:scene3d>
+      <a:camera prst="orthographicFront"/>
+      <a:lightRig rig="threePt" dir="t"/>
+    </dgm:scene3d>
+    <dgm:sp3d/>
+    <dgm:txPr/>
+    <dgm:style>
+      <a:lnRef idx="2">
+        <a:scrgbClr r="0" g="0" b="0"/>
+      </a:lnRef>
+      <a:fillRef idx="1">
+        <a:scrgbClr r="0" g="0" b="0"/>
+      </a:fillRef>
+      <a:effectRef idx="0">
+        <a:scrgbClr r="0" g="0" b="0"/>
+      </a:effectRef>
+      <a:fontRef idx="minor"/>
+    </dgm:style>
+  </dgm:styleLbl>
+  <dgm:styleLbl name="bgImgPlace1">
+    <dgm:scene3d>
+      <a:camera prst="orthographicFront"/>
+      <a:lightRig rig="threePt" dir="t"/>
+    </dgm:scene3d>
+    <dgm:sp3d/>
+    <dgm:txPr/>
+    <dgm:style>
+      <a:lnRef idx="2">
+        <a:scrgbClr r="0" g="0" b="0"/>
+      </a:lnRef>
+      <a:fillRef idx="1">
+        <a:scrgbClr r="0" g="0" b="0"/>
+      </a:fillRef>
+      <a:effectRef idx="0">
+        <a:scrgbClr r="0" g="0" b="0"/>
+      </a:effectRef>
+      <a:fontRef idx="minor"/>
+    </dgm:style>
+  </dgm:styleLbl>
+  <dgm:styleLbl name="sibTrans2D1">
+    <dgm:scene3d>
+      <a:camera prst="orthographicFront"/>
+      <a:lightRig rig="threePt" dir="t"/>
+    </dgm:scene3d>
+    <dgm:sp3d/>
+    <dgm:txPr/>
+    <dgm:style>
+      <a:lnRef idx="0">
+        <a:scrgbClr r="0" g="0" b="0"/>
+      </a:lnRef>
+      <a:fillRef idx="1">
+        <a:scrgbClr r="0" g="0" b="0"/>
+      </a:fillRef>
+      <a:effectRef idx="0">
+        <a:scrgbClr r="0" g="0" b="0"/>
+      </a:effectRef>
+      <a:fontRef idx="minor">
+        <a:schemeClr val="lt1"/>
+      </a:fontRef>
+    </dgm:style>
+  </dgm:styleLbl>
+  <dgm:styleLbl name="fgSibTrans2D1">
+    <dgm:scene3d>
+      <a:camera prst="orthographicFront"/>
+      <a:lightRig rig="threePt" dir="t"/>
+    </dgm:scene3d>
+    <dgm:sp3d/>
+    <dgm:txPr/>
+    <dgm:style>
+      <a:lnRef idx="0">
+        <a:scrgbClr r="0" g="0" b="0"/>
+      </a:lnRef>
+      <a:fillRef idx="1">
+        <a:scrgbClr r="0" g="0" b="0"/>
+      </a:fillRef>
+      <a:effectRef idx="0">
+        <a:scrgbClr r="0" g="0" b="0"/>
+      </a:effectRef>
+      <a:fontRef idx="minor">
+        <a:schemeClr val="lt1"/>
+      </a:fontRef>
+    </dgm:style>
+  </dgm:styleLbl>
+  <dgm:styleLbl name="bgSibTrans2D1">
+    <dgm:scene3d>
+      <a:camera prst="orthographicFront"/>
+      <a:lightRig rig="threePt" dir="t"/>
+    </dgm:scene3d>
+    <dgm:sp3d/>
+    <dgm:txPr/>
+    <dgm:style>
+      <a:lnRef idx="0">
+        <a:scrgbClr r="0" g="0" b="0"/>
+      </a:lnRef>
+      <a:fillRef idx="1">
+        <a:scrgbClr r="0" g="0" b="0"/>
+      </a:fillRef>
+      <a:effectRef idx="0">
+        <a:scrgbClr r="0" g="0" b="0"/>
+      </a:effectRef>
+      <a:fontRef idx="minor">
+        <a:schemeClr val="lt1"/>
+      </a:fontRef>
+    </dgm:style>
+  </dgm:styleLbl>
+  <dgm:styleLbl name="sibTrans1D1">
+    <dgm:scene3d>
+      <a:camera prst="orthographicFront"/>
+      <a:lightRig rig="threePt" dir="t"/>
+    </dgm:scene3d>
+    <dgm:sp3d/>
+    <dgm:txPr/>
+    <dgm:style>
+      <a:lnRef idx="1">
+        <a:scrgbClr r="0" g="0" b="0"/>
+      </a:lnRef>
+      <a:fillRef idx="0">
+        <a:scrgbClr r="0" g="0" b="0"/>
+      </a:fillRef>
+      <a:effectRef idx="0">
+        <a:scrgbClr r="0" g="0" b="0"/>
+      </a:effectRef>
+      <a:fontRef idx="minor"/>
+    </dgm:style>
+  </dgm:styleLbl>
+  <dgm:styleLbl name="callout">
+    <dgm:scene3d>
+      <a:camera prst="orthographicFront"/>
+      <a:lightRig rig="threePt" dir="t"/>
+    </dgm:scene3d>
+    <dgm:sp3d/>
+    <dgm:txPr/>
+    <dgm:style>
+      <a:lnRef idx="2">
+        <a:scrgbClr r="0" g="0" b="0"/>
+      </a:lnRef>
+      <a:fillRef idx="1">
+        <a:scrgbClr r="0" g="0" b="0"/>
+      </a:fillRef>
+      <a:effectRef idx="0">
+        <a:scrgbClr r="0" g="0" b="0"/>
+      </a:effectRef>
+      <a:fontRef idx="minor"/>
+    </dgm:style>
+  </dgm:styleLbl>
+  <dgm:styleLbl name="asst0">
+    <dgm:scene3d>
+      <a:camera prst="orthographicFront"/>
+      <a:lightRig rig="threePt" dir="t"/>
+    </dgm:scene3d>
+    <dgm:sp3d/>
+    <dgm:txPr/>
+    <dgm:style>
+      <a:lnRef idx="2">
+        <a:scrgbClr r="0" g="0" b="0"/>
+      </a:lnRef>
+      <a:fillRef idx="1">
+        <a:scrgbClr r="0" g="0" b="0"/>
+      </a:fillRef>
+      <a:effectRef idx="0">
+        <a:scrgbClr r="0" g="0" b="0"/>
+      </a:effectRef>
+      <a:fontRef idx="minor">
+        <a:schemeClr val="lt1"/>
+      </a:fontRef>
+    </dgm:style>
+  </dgm:styleLbl>
+  <dgm:styleLbl name="asst1">
+    <dgm:scene3d>
+      <a:camera prst="orthographicFront"/>
+      <a:lightRig rig="threePt" dir="t"/>
+    </dgm:scene3d>
+    <dgm:sp3d/>
+    <dgm:txPr/>
+    <dgm:style>
+      <a:lnRef idx="2">
+        <a:scrgbClr r="0" g="0" b="0"/>
+      </a:lnRef>
+      <a:fillRef idx="1">
+        <a:scrgbClr r="0" g="0" b="0"/>
+      </a:fillRef>
+      <a:effectRef idx="0">
+        <a:scrgbClr r="0" g="0" b="0"/>
+      </a:effectRef>
+      <a:fontRef idx="minor">
+        <a:schemeClr val="lt1"/>
+      </a:fontRef>
+    </dgm:style>
+  </dgm:styleLbl>
+  <dgm:styleLbl name="asst2">
+    <dgm:scene3d>
+      <a:camera prst="orthographicFront"/>
+      <a:lightRig rig="threePt" dir="t"/>
+    </dgm:scene3d>
+    <dgm:sp3d/>
+    <dgm:txPr/>
+    <dgm:style>
+      <a:lnRef idx="2">
+        <a:scrgbClr r="0" g="0" b="0"/>
+      </a:lnRef>
+      <a:fillRef idx="1">
+        <a:scrgbClr r="0" g="0" b="0"/>
+      </a:fillRef>
+      <a:effectRef idx="0">
+        <a:scrgbClr r="0" g="0" b="0"/>
+      </a:effectRef>
+      <a:fontRef idx="minor">
+        <a:schemeClr val="lt1"/>
+      </a:fontRef>
+    </dgm:style>
+  </dgm:styleLbl>
+  <dgm:styleLbl name="asst3">
+    <dgm:scene3d>
+      <a:camera prst="orthographicFront"/>
+      <a:lightRig rig="threePt" dir="t"/>
+    </dgm:scene3d>
+    <dgm:sp3d/>
+    <dgm:txPr/>
+    <dgm:style>
+      <a:lnRef idx="2">
+        <a:scrgbClr r="0" g="0" b="0"/>
+      </a:lnRef>
+      <a:fillRef idx="1">
+        <a:scrgbClr r="0" g="0" b="0"/>
+      </a:fillRef>
+      <a:effectRef idx="0">
+        <a:scrgbClr r="0" g="0" b="0"/>
+      </a:effectRef>
+      <a:fontRef idx="minor">
+        <a:schemeClr val="lt1"/>
+      </a:fontRef>
+    </dgm:style>
+  </dgm:styleLbl>
+  <dgm:styleLbl name="asst4">
+    <dgm:scene3d>
+      <a:camera prst="orthographicFront"/>
+      <a:lightRig rig="threePt" dir="t"/>
+    </dgm:scene3d>
+    <dgm:sp3d/>
+    <dgm:txPr/>
+    <dgm:style>
+      <a:lnRef idx="2">
+        <a:scrgbClr r="0" g="0" b="0"/>
+      </a:lnRef>
+      <a:fillRef idx="1">
+        <a:scrgbClr r="0" g="0" b="0"/>
+      </a:fillRef>
+      <a:effectRef idx="0">
+        <a:scrgbClr r="0" g="0" b="0"/>
+      </a:effectRef>
+      <a:fontRef idx="minor">
+        <a:schemeClr val="lt1"/>
+      </a:fontRef>
+    </dgm:style>
+  </dgm:styleLbl>
+  <dgm:styleLbl name="parChTrans2D1">
+    <dgm:scene3d>
+      <a:camera prst="orthographicFront"/>
+      <a:lightRig rig="threePt" dir="t"/>
+    </dgm:scene3d>
+    <dgm:sp3d/>
+    <dgm:txPr/>
+    <dgm:style>
+      <a:lnRef idx="2">
+        <a:scrgbClr r="0" g="0" b="0"/>
+      </a:lnRef>
+      <a:fillRef idx="1">
+        <a:scrgbClr r="0" g="0" b="0"/>
+      </a:fillRef>
+      <a:effectRef idx="0">
+        <a:scrgbClr r="0" g="0" b="0"/>
+      </a:effectRef>
+      <a:fontRef idx="minor">
+        <a:schemeClr val="lt1"/>
+      </a:fontRef>
+    </dgm:style>
+  </dgm:styleLbl>
+  <dgm:styleLbl name="parChTrans2D2">
+    <dgm:scene3d>
+      <a:camera prst="orthographicFront"/>
+      <a:lightRig rig="threePt" dir="t"/>
+    </dgm:scene3d>
+    <dgm:sp3d/>
+    <dgm:txPr/>
+    <dgm:style>
+      <a:lnRef idx="2">
+        <a:scrgbClr r="0" g="0" b="0"/>
+      </a:lnRef>
+      <a:fillRef idx="1">
+        <a:scrgbClr r="0" g="0" b="0"/>
+      </a:fillRef>
+      <a:effectRef idx="0">
+        <a:scrgbClr r="0" g="0" b="0"/>
+      </a:effectRef>
+      <a:fontRef idx="minor">
+        <a:schemeClr val="lt1"/>
+      </a:fontRef>
+    </dgm:style>
+  </dgm:styleLbl>
+  <dgm:styleLbl name="parChTrans2D3">
+    <dgm:scene3d>
+      <a:camera prst="orthographicFront"/>
+      <a:lightRig rig="threePt" dir="t"/>
+    </dgm:scene3d>
+    <dgm:sp3d/>
+    <dgm:txPr/>
+    <dgm:style>
+      <a:lnRef idx="2">
+        <a:scrgbClr r="0" g="0" b="0"/>
+      </a:lnRef>
+      <a:fillRef idx="1">
+        <a:scrgbClr r="0" g="0" b="0"/>
+      </a:fillRef>
+      <a:effectRef idx="0">
+        <a:scrgbClr r="0" g="0" b="0"/>
+      </a:effectRef>
+      <a:fontRef idx="minor">
+        <a:schemeClr val="lt1"/>
+      </a:fontRef>
+    </dgm:style>
+  </dgm:styleLbl>
+  <dgm:styleLbl name="parChTrans2D4">
+    <dgm:scene3d>
+      <a:camera prst="orthographicFront"/>
+      <a:lightRig rig="threePt" dir="t"/>
+    </dgm:scene3d>
+    <dgm:sp3d/>
+    <dgm:txPr/>
+    <dgm:style>
+      <a:lnRef idx="2">
+        <a:scrgbClr r="0" g="0" b="0"/>
+      </a:lnRef>
+      <a:fillRef idx="1">
+        <a:scrgbClr r="0" g="0" b="0"/>
+      </a:fillRef>
+      <a:effectRef idx="0">
+        <a:scrgbClr r="0" g="0" b="0"/>
+      </a:effectRef>
+      <a:fontRef idx="minor">
+        <a:schemeClr val="lt1"/>
+      </a:fontRef>
+    </dgm:style>
+  </dgm:styleLbl>
+  <dgm:styleLbl name="parChTrans1D1">
+    <dgm:scene3d>
+      <a:camera prst="orthographicFront"/>
+      <a:lightRig rig="threePt" dir="t"/>
+    </dgm:scene3d>
+    <dgm:sp3d/>
+    <dgm:txPr/>
+    <dgm:style>
+      <a:lnRef idx="2">
+        <a:scrgbClr r="0" g="0" b="0"/>
+      </a:lnRef>
+      <a:fillRef idx="0">
+        <a:scrgbClr r="0" g="0" b="0"/>
+      </a:fillRef>
+      <a:effectRef idx="0">
+        <a:scrgbClr r="0" g="0" b="0"/>
+      </a:effectRef>
+      <a:fontRef idx="minor"/>
+    </dgm:style>
+  </dgm:styleLbl>
+  <dgm:styleLbl name="parChTrans1D2">
+    <dgm:scene3d>
+      <a:camera prst="orthographicFront"/>
+      <a:lightRig rig="threePt" dir="t"/>
+    </dgm:scene3d>
+    <dgm:sp3d/>
+    <dgm:txPr/>
+    <dgm:style>
+      <a:lnRef idx="2">
+        <a:scrgbClr r="0" g="0" b="0"/>
+      </a:lnRef>
+      <a:fillRef idx="0">
+        <a:scrgbClr r="0" g="0" b="0"/>
+      </a:fillRef>
+      <a:effectRef idx="0">
+        <a:scrgbClr r="0" g="0" b="0"/>
+      </a:effectRef>
+      <a:fontRef idx="minor"/>
+    </dgm:style>
+  </dgm:styleLbl>
+  <dgm:styleLbl name="parChTrans1D3">
+    <dgm:scene3d>
+      <a:camera prst="orthographicFront"/>
+      <a:lightRig rig="threePt" dir="t"/>
+    </dgm:scene3d>
+    <dgm:sp3d/>
+    <dgm:txPr/>
+    <dgm:style>
+      <a:lnRef idx="2">
+        <a:scrgbClr r="0" g="0" b="0"/>
+      </a:lnRef>
+      <a:fillRef idx="0">
+        <a:scrgbClr r="0" g="0" b="0"/>
+      </a:fillRef>
+      <a:effectRef idx="0">
+        <a:scrgbClr r="0" g="0" b="0"/>
+      </a:effectRef>
+      <a:fontRef idx="minor"/>
+    </dgm:style>
+  </dgm:styleLbl>
+  <dgm:styleLbl name="parChTrans1D4">
+    <dgm:scene3d>
+      <a:camera prst="orthographicFront"/>
+      <a:lightRig rig="threePt" dir="t"/>
+    </dgm:scene3d>
+    <dgm:sp3d/>
+    <dgm:txPr/>
+    <dgm:style>
+      <a:lnRef idx="2">
+        <a:scrgbClr r="0" g="0" b="0"/>
+      </a:lnRef>
+      <a:fillRef idx="0">
+        <a:scrgbClr r="0" g="0" b="0"/>
+      </a:fillRef>
+      <a:effectRef idx="0">
+        <a:scrgbClr r="0" g="0" b="0"/>
+      </a:effectRef>
+      <a:fontRef idx="minor"/>
+    </dgm:style>
+  </dgm:styleLbl>
+  <dgm:styleLbl name="fgAcc1">
+    <dgm:scene3d>
+      <a:camera prst="orthographicFront"/>
+      <a:lightRig rig="threePt" dir="t"/>
+    </dgm:scene3d>
+    <dgm:sp3d/>
+    <dgm:txPr/>
+    <dgm:style>
+      <a:lnRef idx="2">
+        <a:scrgbClr r="0" g="0" b="0"/>
+      </a:lnRef>
+      <a:fillRef idx="1">
+        <a:scrgbClr r="0" g="0" b="0"/>
+      </a:fillRef>
+      <a:effectRef idx="0">
+        <a:scrgbClr r="0" g="0" b="0"/>
+      </a:effectRef>
+      <a:fontRef idx="minor"/>
+    </dgm:style>
+  </dgm:styleLbl>
+  <dgm:styleLbl name="conFgAcc1">
+    <dgm:scene3d>
+      <a:camera prst="orthographicFront"/>
+      <a:lightRig rig="threePt" dir="t"/>
+    </dgm:scene3d>
+    <dgm:sp3d/>
+    <dgm:txPr/>
+    <dgm:style>
+      <a:lnRef idx="2">
+        <a:scrgbClr r="0" g="0" b="0"/>
+      </a:lnRef>
+      <a:fillRef idx="1">
+        <a:scrgbClr r="0" g="0" b="0"/>
+      </a:fillRef>
+      <a:effectRef idx="0">
+        <a:scrgbClr r="0" g="0" b="0"/>
+      </a:effectRef>
+      <a:fontRef idx="minor"/>
+    </dgm:style>
+  </dgm:styleLbl>
+  <dgm:styleLbl name="alignAcc1">
+    <dgm:scene3d>
+      <a:camera prst="orthographicFront"/>
+      <a:lightRig rig="threePt" dir="t"/>
+    </dgm:scene3d>
+    <dgm:sp3d/>
+    <dgm:txPr/>
+    <dgm:style>
+      <a:lnRef idx="2">
+        <a:scrgbClr r="0" g="0" b="0"/>
+      </a:lnRef>
+      <a:fillRef idx="1">
+        <a:scrgbClr r="0" g="0" b="0"/>
+      </a:fillRef>
+      <a:effectRef idx="0">
+        <a:scrgbClr r="0" g="0" b="0"/>
+      </a:effectRef>
+      <a:fontRef idx="minor"/>
+    </dgm:style>
+  </dgm:styleLbl>
+  <dgm:styleLbl name="trAlignAcc1">
+    <dgm:scene3d>
+      <a:camera prst="orthographicFront"/>
+      <a:lightRig rig="threePt" dir="t"/>
+    </dgm:scene3d>
+    <dgm:sp3d/>
+    <dgm:txPr/>
+    <dgm:style>
+      <a:lnRef idx="1">
+        <a:scrgbClr r="0" g="0" b="0"/>
+      </a:lnRef>
+      <a:fillRef idx="1">
+        <a:scrgbClr r="0" g="0" b="0"/>
+      </a:fillRef>
+      <a:effectRef idx="0">
+        <a:scrgbClr r="0" g="0" b="0"/>
+      </a:effectRef>
+      <a:fontRef idx="minor"/>
+    </dgm:style>
+  </dgm:styleLbl>
+  <dgm:styleLbl name="bgAcc1">
+    <dgm:scene3d>
+      <a:camera prst="orthographicFront"/>
+      <a:lightRig rig="threePt" dir="t"/>
+    </dgm:scene3d>
+    <dgm:sp3d/>
+    <dgm:txPr/>
+    <dgm:style>
+      <a:lnRef idx="2">
+        <a:scrgbClr r="0" g="0" b="0"/>
+      </a:lnRef>
+      <a:fillRef idx="1">
+        <a:scrgbClr r="0" g="0" b="0"/>
+      </a:fillRef>
+      <a:effectRef idx="0">
+        <a:scrgbClr r="0" g="0" b="0"/>
+      </a:effectRef>
+      <a:fontRef idx="minor"/>
+    </dgm:style>
+  </dgm:styleLbl>
+  <dgm:styleLbl name="solidFgAcc1">
+    <dgm:scene3d>
+      <a:camera prst="orthographicFront"/>
+      <a:lightRig rig="threePt" dir="t"/>
+    </dgm:scene3d>
+    <dgm:sp3d/>
+    <dgm:txPr/>
+    <dgm:style>
+      <a:lnRef idx="2">
+        <a:scrgbClr r="0" g="0" b="0"/>
+      </a:lnRef>
+      <a:fillRef idx="1">
+        <a:scrgbClr r="0" g="0" b="0"/>
+      </a:fillRef>
+      <a:effectRef idx="0">
+        <a:scrgbClr r="0" g="0" b="0"/>
+      </a:effectRef>
+      <a:fontRef idx="minor"/>
+    </dgm:style>
+  </dgm:styleLbl>
+  <dgm:styleLbl name="solidAlignAcc1">
+    <dgm:scene3d>
+      <a:camera prst="orthographicFront"/>
+      <a:lightRig rig="threePt" dir="t"/>
+    </dgm:scene3d>
+    <dgm:sp3d/>
+    <dgm:txPr/>
+    <dgm:style>
+      <a:lnRef idx="2">
+        <a:scrgbClr r="0" g="0" b="0"/>
+      </a:lnRef>
+      <a:fillRef idx="1">
+        <a:scrgbClr r="0" g="0" b="0"/>
+      </a:fillRef>
+      <a:effectRef idx="0">
+        <a:scrgbClr r="0" g="0" b="0"/>
+      </a:effectRef>
+      <a:fontRef idx="minor"/>
+    </dgm:style>
+  </dgm:styleLbl>
+  <dgm:styleLbl name="solidBgAcc1">
+    <dgm:scene3d>
+      <a:camera prst="orthographicFront"/>
+      <a:lightRig rig="threePt" dir="t"/>
+    </dgm:scene3d>
+    <dgm:sp3d/>
+    <dgm:txPr/>
+    <dgm:style>
+      <a:lnRef idx="2">
+        <a:scrgbClr r="0" g="0" b="0"/>
+      </a:lnRef>
+      <a:fillRef idx="1">
+        <a:scrgbClr r="0" g="0" b="0"/>
+      </a:fillRef>
+      <a:effectRef idx="0">
+        <a:scrgbClr r="0" g="0" b="0"/>
+      </a:effectRef>
+      <a:fontRef idx="minor"/>
+    </dgm:style>
+  </dgm:styleLbl>
+  <dgm:styleLbl name="fgAccFollowNode1">
+    <dgm:scene3d>
+      <a:camera prst="orthographicFront"/>
+      <a:lightRig rig="threePt" dir="t"/>
+    </dgm:scene3d>
+    <dgm:sp3d/>
+    <dgm:txPr/>
+    <dgm:style>
+      <a:lnRef idx="2">
+        <a:scrgbClr r="0" g="0" b="0"/>
+      </a:lnRef>
+      <a:fillRef idx="1">
+        <a:scrgbClr r="0" g="0" b="0"/>
+      </a:fillRef>
+      <a:effectRef idx="0">
+        <a:scrgbClr r="0" g="0" b="0"/>
+      </a:effectRef>
+      <a:fontRef idx="minor"/>
+    </dgm:style>
+  </dgm:styleLbl>
+  <dgm:styleLbl name="alignAccFollowNode1">
+    <dgm:scene3d>
+      <a:camera prst="orthographicFront"/>
+      <a:lightRig rig="threePt" dir="t"/>
+    </dgm:scene3d>
+    <dgm:sp3d/>
+    <dgm:txPr/>
+    <dgm:style>
+      <a:lnRef idx="2">
+        <a:scrgbClr r="0" g="0" b="0"/>
+      </a:lnRef>
+      <a:fillRef idx="1">
+        <a:scrgbClr r="0" g="0" b="0"/>
+      </a:fillRef>
+      <a:effectRef idx="0">
+        <a:scrgbClr r="0" g="0" b="0"/>
+      </a:effectRef>
+      <a:fontRef idx="minor"/>
+    </dgm:style>
+  </dgm:styleLbl>
+  <dgm:styleLbl name="bgAccFollowNode1">
+    <dgm:scene3d>
+      <a:camera prst="orthographicFront"/>
+      <a:lightRig rig="threePt" dir="t"/>
+    </dgm:scene3d>
+    <dgm:sp3d/>
+    <dgm:txPr/>
+    <dgm:style>
+      <a:lnRef idx="2">
+        <a:scrgbClr r="0" g="0" b="0"/>
+      </a:lnRef>
+      <a:fillRef idx="1">
+        <a:scrgbClr r="0" g="0" b="0"/>
+      </a:fillRef>
+      <a:effectRef idx="0">
+        <a:scrgbClr r="0" g="0" b="0"/>
+      </a:effectRef>
+      <a:fontRef idx="minor"/>
+    </dgm:style>
+  </dgm:styleLbl>
+  <dgm:styleLbl name="fgAcc0">
+    <dgm:scene3d>
+      <a:camera prst="orthographicFront"/>
+      <a:lightRig rig="threePt" dir="t"/>
+    </dgm:scene3d>
+    <dgm:sp3d/>
+    <dgm:txPr/>
+    <dgm:style>
+      <a:lnRef idx="2">
+        <a:scrgbClr r="0" g="0" b="0"/>
+      </a:lnRef>
+      <a:fillRef idx="1">
+        <a:scrgbClr r="0" g="0" b="0"/>
+      </a:fillRef>
+      <a:effectRef idx="0">
+        <a:scrgbClr r="0" g="0" b="0"/>
+      </a:effectRef>
+      <a:fontRef idx="minor"/>
+    </dgm:style>
+  </dgm:styleLbl>
+  <dgm:styleLbl name="fgAcc2">
+    <dgm:scene3d>
+      <a:camera prst="orthographicFront"/>
+      <a:lightRig rig="threePt" dir="t"/>
+    </dgm:scene3d>
+    <dgm:sp3d/>
+    <dgm:txPr/>
+    <dgm:style>
+      <a:lnRef idx="2">
+        <a:scrgbClr r="0" g="0" b="0"/>
+      </a:lnRef>
+      <a:fillRef idx="1">
+        <a:scrgbClr r="0" g="0" b="0"/>
+      </a:fillRef>
+      <a:effectRef idx="0">
+        <a:scrgbClr r="0" g="0" b="0"/>
+      </a:effectRef>
+      <a:fontRef idx="minor"/>
+    </dgm:style>
+  </dgm:styleLbl>
+  <dgm:styleLbl name="fgAcc3">
+    <dgm:scene3d>
+      <a:camera prst="orthographicFront"/>
+      <a:lightRig rig="threePt" dir="t"/>
+    </dgm:scene3d>
+    <dgm:sp3d/>
+    <dgm:txPr/>
+    <dgm:style>
+      <a:lnRef idx="2">
+        <a:scrgbClr r="0" g="0" b="0"/>
+      </a:lnRef>
+      <a:fillRef idx="1">
+        <a:scrgbClr r="0" g="0" b="0"/>
+      </a:fillRef>
+      <a:effectRef idx="0">
+        <a:scrgbClr r="0" g="0" b="0"/>
+      </a:effectRef>
+      <a:fontRef idx="minor"/>
+    </dgm:style>
+  </dgm:styleLbl>
+  <dgm:styleLbl name="fgAcc4">
+    <dgm:scene3d>
+      <a:camera prst="orthographicFront"/>
+      <a:lightRig rig="threePt" dir="t"/>
+    </dgm:scene3d>
+    <dgm:sp3d/>
+    <dgm:txPr/>
+    <dgm:style>
+      <a:lnRef idx="2">
+        <a:scrgbClr r="0" g="0" b="0"/>
+      </a:lnRef>
+      <a:fillRef idx="1">
+        <a:scrgbClr r="0" g="0" b="0"/>
+      </a:fillRef>
+      <a:effectRef idx="0">
+        <a:scrgbClr r="0" g="0" b="0"/>
+      </a:effectRef>
+      <a:fontRef idx="minor"/>
+    </dgm:style>
+  </dgm:styleLbl>
+  <dgm:styleLbl name="bgShp">
+    <dgm:scene3d>
+      <a:camera prst="orthographicFront"/>
+      <a:lightRig rig="threePt" dir="t"/>
+    </dgm:scene3d>
+    <dgm:sp3d/>
+    <dgm:txPr/>
+    <dgm:style>
+      <a:lnRef idx="0">
+        <a:scrgbClr r="0" g="0" b="0"/>
+      </a:lnRef>
+      <a:fillRef idx="1">
+        <a:scrgbClr r="0" g="0" b="0"/>
+      </a:fillRef>
+      <a:effectRef idx="0">
+        <a:scrgbClr r="0" g="0" b="0"/>
+      </a:effectRef>
+      <a:fontRef idx="minor"/>
+    </dgm:style>
+  </dgm:styleLbl>
+  <dgm:styleLbl name="dkBgShp">
+    <dgm:scene3d>
+      <a:camera prst="orthographicFront"/>
+      <a:lightRig rig="threePt" dir="t"/>
+    </dgm:scene3d>
+    <dgm:sp3d/>
+    <dgm:txPr/>
+    <dgm:style>
+      <a:lnRef idx="0">
+        <a:scrgbClr r="0" g="0" b="0"/>
+      </a:lnRef>
+      <a:fillRef idx="1">
+        <a:scrgbClr r="0" g="0" b="0"/>
+      </a:fillRef>
+      <a:effectRef idx="0">
+        <a:scrgbClr r="0" g="0" b="0"/>
+      </a:effectRef>
+      <a:fontRef idx="minor"/>
+    </dgm:style>
+  </dgm:styleLbl>
+  <dgm:styleLbl name="trBgShp">
+    <dgm:scene3d>
+      <a:camera prst="orthographicFront"/>
+      <a:lightRig rig="threePt" dir="t"/>
+    </dgm:scene3d>
+    <dgm:sp3d/>
+    <dgm:txPr/>
+    <dgm:style>
+      <a:lnRef idx="0">
+        <a:scrgbClr r="0" g="0" b="0"/>
+      </a:lnRef>
+      <a:fillRef idx="1">
+        <a:scrgbClr r="0" g="0" b="0"/>
+      </a:fillRef>
+      <a:effectRef idx="0">
+        <a:scrgbClr r="0" g="0" b="0"/>
+      </a:effectRef>
+      <a:fontRef idx="minor"/>
+    </dgm:style>
+  </dgm:styleLbl>
+  <dgm:styleLbl name="fgShp">
+    <dgm:scene3d>
+      <a:camera prst="orthographicFront"/>
+      <a:lightRig rig="threePt" dir="t"/>
+    </dgm:scene3d>
+    <dgm:sp3d/>
+    <dgm:txPr/>
+    <dgm:style>
+      <a:lnRef idx="2">
+        <a:scrgbClr r="0" g="0" b="0"/>
+      </a:lnRef>
+      <a:fillRef idx="1">
+        <a:scrgbClr r="0" g="0" b="0"/>
+      </a:fillRef>
+      <a:effectRef idx="0">
+        <a:scrgbClr r="0" g="0" b="0"/>
+      </a:effectRef>
+      <a:fontRef idx="minor"/>
+    </dgm:style>
+  </dgm:styleLbl>
+  <dgm:styleLbl name="revTx">
+    <dgm:scene3d>
+      <a:camera prst="orthographicFront"/>
+      <a:lightRig rig="threePt" dir="t"/>
+    </dgm:scene3d>
+    <dgm:sp3d/>
+    <dgm:txPr/>
+    <dgm:style>
+      <a:lnRef idx="0">
+        <a:scrgbClr r="0" g="0" b="0"/>
+      </a:lnRef>
+      <a:fillRef idx="0">
+        <a:scrgbClr r="0" g="0" b="0"/>
+      </a:fillRef>
+      <a:effectRef idx="0">
+        <a:scrgbClr r="0" g="0" b="0"/>
+      </a:effectRef>
+      <a:fontRef idx="minor"/>
+    </dgm:style>
+  </dgm:styleLbl>
+</dgm:styleDef>
+</file>
+
+<file path=ppt/diagrams/quickStyle3.xml><?xml version="1.0" encoding="utf-8"?>
 <dgm:styleDef xmlns:dgm="http://schemas.openxmlformats.org/drawingml/2006/diagram" xmlns:a="http://schemas.openxmlformats.org/drawingml/2006/main" uniqueId="urn:microsoft.com/office/officeart/2005/8/quickstyle/simple1">
   <dgm:title val=""/>
   <dgm:desc val=""/>
@@ -7831,7 +10686,7 @@
     </p:spTree>
     <p:extLst>
       <p:ext uri="{BB962C8B-B14F-4D97-AF65-F5344CB8AC3E}">
-        <p14:creationId xmlns:p14="http://schemas.microsoft.com/office/powerpoint/2010/main" val="3826452802"/>
+        <p14:creationId xmlns:p14="http://schemas.microsoft.com/office/powerpoint/2010/main" val="1993371587"/>
       </p:ext>
     </p:extLst>
   </p:cSld>
@@ -8103,7 +10958,7 @@
     </p:spTree>
     <p:extLst>
       <p:ext uri="{BB962C8B-B14F-4D97-AF65-F5344CB8AC3E}">
-        <p14:creationId xmlns:p14="http://schemas.microsoft.com/office/powerpoint/2010/main" val="2069321022"/>
+        <p14:creationId xmlns:p14="http://schemas.microsoft.com/office/powerpoint/2010/main" val="189630970"/>
       </p:ext>
     </p:extLst>
   </p:cSld>
@@ -8375,7 +11230,7 @@
     </p:spTree>
     <p:extLst>
       <p:ext uri="{BB962C8B-B14F-4D97-AF65-F5344CB8AC3E}">
-        <p14:creationId xmlns:p14="http://schemas.microsoft.com/office/powerpoint/2010/main" val="1760844274"/>
+        <p14:creationId xmlns:p14="http://schemas.microsoft.com/office/powerpoint/2010/main" val="2069321022"/>
       </p:ext>
     </p:extLst>
   </p:cSld>
@@ -8647,7 +11502,7 @@
     </p:spTree>
     <p:extLst>
       <p:ext uri="{BB962C8B-B14F-4D97-AF65-F5344CB8AC3E}">
-        <p14:creationId xmlns:p14="http://schemas.microsoft.com/office/powerpoint/2010/main" val="2949218747"/>
+        <p14:creationId xmlns:p14="http://schemas.microsoft.com/office/powerpoint/2010/main" val="1760844274"/>
       </p:ext>
     </p:extLst>
   </p:cSld>
@@ -8703,13 +11558,26 @@
           <a:p>
             <a:r>
               <a:rPr lang="en-US" dirty="0"/>
-              <a:t>Use git cat-file to examine a commit, tree, and blob</a:t>
-            </a:r>
-          </a:p>
-          <a:p>
+              <a:t>echo Philly.NET| </a:t>
+            </a:r>
+            <a:r>
+              <a:rPr lang="en-US" dirty="0" err="1"/>
+              <a:t>git</a:t>
+            </a:r>
             <a:r>
               <a:rPr lang="en-US" dirty="0"/>
-              <a:t>Show that the some file in two different commits is still referenced, but not changed, and is the exact same blob</a:t>
+              <a:t> hash-object –</a:t>
+            </a:r>
+            <a:r>
+              <a:rPr lang="en-US" dirty="0" err="1"/>
+              <a:t>stdin</a:t>
+            </a:r>
+            <a:endParaRPr lang="en-US" dirty="0"/>
+          </a:p>
+          <a:p>
+            <a:r>
+              <a:rPr lang="en-US" dirty="0"/>
+              <a:t>61bf8b2fc819641b01d63266e72517b305608995</a:t>
             </a:r>
           </a:p>
           <a:p>
@@ -8906,7 +11774,7 @@
     </p:spTree>
     <p:extLst>
       <p:ext uri="{BB962C8B-B14F-4D97-AF65-F5344CB8AC3E}">
-        <p14:creationId xmlns:p14="http://schemas.microsoft.com/office/powerpoint/2010/main" val="1598050917"/>
+        <p14:creationId xmlns:p14="http://schemas.microsoft.com/office/powerpoint/2010/main" val="2949218747"/>
       </p:ext>
     </p:extLst>
   </p:cSld>
@@ -9165,7 +12033,7 @@
     </p:spTree>
     <p:extLst>
       <p:ext uri="{BB962C8B-B14F-4D97-AF65-F5344CB8AC3E}">
-        <p14:creationId xmlns:p14="http://schemas.microsoft.com/office/powerpoint/2010/main" val="2813081"/>
+        <p14:creationId xmlns:p14="http://schemas.microsoft.com/office/powerpoint/2010/main" val="1598050917"/>
       </p:ext>
     </p:extLst>
   </p:cSld>
@@ -9424,7 +12292,7 @@
     </p:spTree>
     <p:extLst>
       <p:ext uri="{BB962C8B-B14F-4D97-AF65-F5344CB8AC3E}">
-        <p14:creationId xmlns:p14="http://schemas.microsoft.com/office/powerpoint/2010/main" val="3994109368"/>
+        <p14:creationId xmlns:p14="http://schemas.microsoft.com/office/powerpoint/2010/main" val="2813081"/>
       </p:ext>
     </p:extLst>
   </p:cSld>
@@ -9683,7 +12551,7 @@
     </p:spTree>
     <p:extLst>
       <p:ext uri="{BB962C8B-B14F-4D97-AF65-F5344CB8AC3E}">
-        <p14:creationId xmlns:p14="http://schemas.microsoft.com/office/powerpoint/2010/main" val="3276435937"/>
+        <p14:creationId xmlns:p14="http://schemas.microsoft.com/office/powerpoint/2010/main" val="3994109368"/>
       </p:ext>
     </p:extLst>
   </p:cSld>
@@ -9942,7 +12810,7 @@
     </p:spTree>
     <p:extLst>
       <p:ext uri="{BB962C8B-B14F-4D97-AF65-F5344CB8AC3E}">
-        <p14:creationId xmlns:p14="http://schemas.microsoft.com/office/powerpoint/2010/main" val="1520491319"/>
+        <p14:creationId xmlns:p14="http://schemas.microsoft.com/office/powerpoint/2010/main" val="3276435937"/>
       </p:ext>
     </p:extLst>
   </p:cSld>
@@ -10201,6 +13069,265 @@
     </p:spTree>
     <p:extLst>
       <p:ext uri="{BB962C8B-B14F-4D97-AF65-F5344CB8AC3E}">
+        <p14:creationId xmlns:p14="http://schemas.microsoft.com/office/powerpoint/2010/main" val="1520491319"/>
+      </p:ext>
+    </p:extLst>
+  </p:cSld>
+  <p:clrMapOvr>
+    <a:masterClrMapping/>
+  </p:clrMapOvr>
+</p:notes>
+</file>
+
+<file path=ppt/notesSlides/notesSlide19.xml><?xml version="1.0" encoding="utf-8"?>
+<p:notes xmlns:a="http://schemas.openxmlformats.org/drawingml/2006/main" xmlns:r="http://schemas.openxmlformats.org/officeDocument/2006/relationships" xmlns:p="http://schemas.openxmlformats.org/presentationml/2006/main">
+  <p:cSld>
+    <p:spTree>
+      <p:nvGrpSpPr>
+        <p:cNvPr id="1" name=""/>
+        <p:cNvGrpSpPr/>
+        <p:nvPr/>
+      </p:nvGrpSpPr>
+      <p:grpSpPr>
+        <a:xfrm>
+          <a:off x="0" y="0"/>
+          <a:ext cx="0" cy="0"/>
+          <a:chOff x="0" y="0"/>
+          <a:chExt cx="0" cy="0"/>
+        </a:xfrm>
+      </p:grpSpPr>
+      <p:sp>
+        <p:nvSpPr>
+          <p:cNvPr id="2" name="Slide Image Placeholder 1"/>
+          <p:cNvSpPr>
+            <a:spLocks noGrp="1" noRot="1" noChangeAspect="1"/>
+          </p:cNvSpPr>
+          <p:nvPr>
+            <p:ph type="sldImg"/>
+          </p:nvPr>
+        </p:nvSpPr>
+        <p:spPr/>
+      </p:sp>
+      <p:sp>
+        <p:nvSpPr>
+          <p:cNvPr id="3" name="Notes Placeholder 2"/>
+          <p:cNvSpPr>
+            <a:spLocks noGrp="1"/>
+          </p:cNvSpPr>
+          <p:nvPr>
+            <p:ph type="body" idx="1"/>
+          </p:nvPr>
+        </p:nvSpPr>
+        <p:spPr/>
+        <p:txBody>
+          <a:bodyPr/>
+          <a:lstStyle/>
+          <a:p>
+            <a:r>
+              <a:rPr lang="en-US" dirty="0"/>
+              <a:t>Use git cat-file to examine a commit, tree, and blob</a:t>
+            </a:r>
+          </a:p>
+          <a:p>
+            <a:r>
+              <a:rPr lang="en-US" dirty="0"/>
+              <a:t>Show that the some file in two different commits is still referenced, but not changed, and is the exact same blob</a:t>
+            </a:r>
+          </a:p>
+          <a:p>
+            <a:endParaRPr lang="en-US" dirty="0"/>
+          </a:p>
+          <a:p>
+            <a:r>
+              <a:rPr lang="en-US" dirty="0"/>
+              <a:t>Type?</a:t>
+            </a:r>
+          </a:p>
+          <a:p>
+            <a:pPr marL="0" marR="0" lvl="0" indent="0" algn="l" defTabSz="914400" rtl="0" eaLnBrk="1" fontAlgn="auto" latinLnBrk="0" hangingPunct="1">
+              <a:lnSpc>
+                <a:spcPct val="100000"/>
+              </a:lnSpc>
+              <a:spcBef>
+                <a:spcPts val="0"/>
+              </a:spcBef>
+              <a:spcAft>
+                <a:spcPts val="0"/>
+              </a:spcAft>
+              <a:buClrTx/>
+              <a:buSzTx/>
+              <a:buFontTx/>
+              <a:buNone/>
+              <a:tabLst/>
+              <a:defRPr/>
+            </a:pPr>
+            <a:r>
+              <a:rPr lang="en-US" dirty="0" err="1"/>
+              <a:t>git</a:t>
+            </a:r>
+            <a:r>
+              <a:rPr lang="en-US" dirty="0"/>
+              <a:t> cat-file 61bf8b2fc819641b01d63266e72517b305608995 –t</a:t>
+            </a:r>
+          </a:p>
+          <a:p>
+            <a:pPr marL="0" marR="0" lvl="0" indent="0" algn="l" defTabSz="914400" rtl="0" eaLnBrk="1" fontAlgn="auto" latinLnBrk="0" hangingPunct="1">
+              <a:lnSpc>
+                <a:spcPct val="100000"/>
+              </a:lnSpc>
+              <a:spcBef>
+                <a:spcPts val="0"/>
+              </a:spcBef>
+              <a:spcAft>
+                <a:spcPts val="0"/>
+              </a:spcAft>
+              <a:buClrTx/>
+              <a:buSzTx/>
+              <a:buFontTx/>
+              <a:buNone/>
+              <a:tabLst/>
+              <a:defRPr/>
+            </a:pPr>
+            <a:endParaRPr lang="en-US" dirty="0"/>
+          </a:p>
+          <a:p>
+            <a:pPr marL="0" marR="0" lvl="0" indent="0" algn="l" defTabSz="914400" rtl="0" eaLnBrk="1" fontAlgn="auto" latinLnBrk="0" hangingPunct="1">
+              <a:lnSpc>
+                <a:spcPct val="100000"/>
+              </a:lnSpc>
+              <a:spcBef>
+                <a:spcPts val="0"/>
+              </a:spcBef>
+              <a:spcAft>
+                <a:spcPts val="0"/>
+              </a:spcAft>
+              <a:buClrTx/>
+              <a:buSzTx/>
+              <a:buFontTx/>
+              <a:buNone/>
+              <a:tabLst/>
+              <a:defRPr/>
+            </a:pPr>
+            <a:r>
+              <a:rPr lang="en-US" dirty="0"/>
+              <a:t>Pretty Print</a:t>
+            </a:r>
+          </a:p>
+          <a:p>
+            <a:pPr marL="0" marR="0" lvl="0" indent="0" algn="l" defTabSz="914400" rtl="0" eaLnBrk="1" fontAlgn="auto" latinLnBrk="0" hangingPunct="1">
+              <a:lnSpc>
+                <a:spcPct val="100000"/>
+              </a:lnSpc>
+              <a:spcBef>
+                <a:spcPts val="0"/>
+              </a:spcBef>
+              <a:spcAft>
+                <a:spcPts val="0"/>
+              </a:spcAft>
+              <a:buClrTx/>
+              <a:buSzTx/>
+              <a:buFontTx/>
+              <a:buNone/>
+              <a:tabLst/>
+              <a:defRPr/>
+            </a:pPr>
+            <a:r>
+              <a:rPr lang="en-US" dirty="0" err="1"/>
+              <a:t>git</a:t>
+            </a:r>
+            <a:r>
+              <a:rPr lang="en-US" dirty="0"/>
+              <a:t> cat-file 61bf8b2fc819641b01d63266e72517b305608995 -p</a:t>
+            </a:r>
+          </a:p>
+        </p:txBody>
+      </p:sp>
+      <p:sp>
+        <p:nvSpPr>
+          <p:cNvPr id="4" name="Slide Number Placeholder 3"/>
+          <p:cNvSpPr>
+            <a:spLocks noGrp="1"/>
+          </p:cNvSpPr>
+          <p:nvPr>
+            <p:ph type="sldNum" sz="quarter" idx="10"/>
+          </p:nvPr>
+        </p:nvSpPr>
+        <p:spPr/>
+        <p:txBody>
+          <a:bodyPr/>
+          <a:lstStyle/>
+          <a:p>
+            <a:pPr marL="0" marR="0" lvl="0" indent="0" algn="r" defTabSz="914400" rtl="0" eaLnBrk="1" fontAlgn="auto" latinLnBrk="0" hangingPunct="1">
+              <a:lnSpc>
+                <a:spcPct val="100000"/>
+              </a:lnSpc>
+              <a:spcBef>
+                <a:spcPts val="0"/>
+              </a:spcBef>
+              <a:spcAft>
+                <a:spcPts val="0"/>
+              </a:spcAft>
+              <a:buClrTx/>
+              <a:buSzTx/>
+              <a:buFontTx/>
+              <a:buNone/>
+              <a:tabLst/>
+              <a:defRPr/>
+            </a:pPr>
+            <a:fld id="{1FCA6BDD-2A95-4913-9812-233FCAC5F4E3}" type="slidenum">
+              <a:rPr kumimoji="0" lang="en-US" sz="1200" b="0" i="0" u="none" strike="noStrike" kern="1200" cap="none" spc="0" normalizeH="0" baseline="0" noProof="0" smtClean="0">
+                <a:ln>
+                  <a:noFill/>
+                </a:ln>
+                <a:solidFill>
+                  <a:prstClr val="black"/>
+                </a:solidFill>
+                <a:effectLst/>
+                <a:uLnTx/>
+                <a:uFillTx/>
+                <a:latin typeface="Calibri" panose="020F0502020204030204"/>
+                <a:ea typeface="+mn-ea"/>
+                <a:cs typeface="+mn-cs"/>
+              </a:rPr>
+              <a:pPr marL="0" marR="0" lvl="0" indent="0" algn="r" defTabSz="914400" rtl="0" eaLnBrk="1" fontAlgn="auto" latinLnBrk="0" hangingPunct="1">
+                <a:lnSpc>
+                  <a:spcPct val="100000"/>
+                </a:lnSpc>
+                <a:spcBef>
+                  <a:spcPts val="0"/>
+                </a:spcBef>
+                <a:spcAft>
+                  <a:spcPts val="0"/>
+                </a:spcAft>
+                <a:buClrTx/>
+                <a:buSzTx/>
+                <a:buFontTx/>
+                <a:buNone/>
+                <a:tabLst/>
+                <a:defRPr/>
+              </a:pPr>
+              <a:t>22</a:t>
+            </a:fld>
+            <a:endParaRPr kumimoji="0" lang="en-US" sz="1200" b="0" i="0" u="none" strike="noStrike" kern="1200" cap="none" spc="0" normalizeH="0" baseline="0" noProof="0">
+              <a:ln>
+                <a:noFill/>
+              </a:ln>
+              <a:solidFill>
+                <a:prstClr val="black"/>
+              </a:solidFill>
+              <a:effectLst/>
+              <a:uLnTx/>
+              <a:uFillTx/>
+              <a:latin typeface="Calibri" panose="020F0502020204030204"/>
+              <a:ea typeface="+mn-ea"/>
+              <a:cs typeface="+mn-cs"/>
+            </a:endParaRPr>
+          </a:p>
+        </p:txBody>
+      </p:sp>
+    </p:spTree>
+    <p:extLst>
+      <p:ext uri="{BB962C8B-B14F-4D97-AF65-F5344CB8AC3E}">
         <p14:creationId xmlns:p14="http://schemas.microsoft.com/office/powerpoint/2010/main" val="4050097324"/>
       </p:ext>
     </p:extLst>
@@ -10285,7 +13412,7 @@
     </p:spTree>
     <p:extLst>
       <p:ext uri="{BB962C8B-B14F-4D97-AF65-F5344CB8AC3E}">
-        <p14:creationId xmlns:p14="http://schemas.microsoft.com/office/powerpoint/2010/main" val="1993371587"/>
+        <p14:creationId xmlns:p14="http://schemas.microsoft.com/office/powerpoint/2010/main" val="3826452802"/>
       </p:ext>
     </p:extLst>
   </p:cSld>
@@ -10369,7 +13496,7 @@
     </p:spTree>
     <p:extLst>
       <p:ext uri="{BB962C8B-B14F-4D97-AF65-F5344CB8AC3E}">
-        <p14:creationId xmlns:p14="http://schemas.microsoft.com/office/powerpoint/2010/main" val="4253276723"/>
+        <p14:creationId xmlns:p14="http://schemas.microsoft.com/office/powerpoint/2010/main" val="1187610004"/>
       </p:ext>
     </p:extLst>
   </p:cSld>
@@ -10453,7 +13580,7 @@
     </p:spTree>
     <p:extLst>
       <p:ext uri="{BB962C8B-B14F-4D97-AF65-F5344CB8AC3E}">
-        <p14:creationId xmlns:p14="http://schemas.microsoft.com/office/powerpoint/2010/main" val="2779899980"/>
+        <p14:creationId xmlns:p14="http://schemas.microsoft.com/office/powerpoint/2010/main" val="4253276723"/>
       </p:ext>
     </p:extLst>
   </p:cSld>
@@ -10507,135 +13634,7 @@
           <a:bodyPr/>
           <a:lstStyle/>
           <a:p>
-            <a:r>
-              <a:rPr lang="en-US" dirty="0"/>
-              <a:t>echo Philly.NET| </a:t>
-            </a:r>
-            <a:r>
-              <a:rPr lang="en-US" dirty="0" err="1"/>
-              <a:t>git</a:t>
-            </a:r>
-            <a:r>
-              <a:rPr lang="en-US" dirty="0"/>
-              <a:t> hash-object –</a:t>
-            </a:r>
-            <a:r>
-              <a:rPr lang="en-US" dirty="0" err="1"/>
-              <a:t>stdin</a:t>
-            </a:r>
             <a:endParaRPr lang="en-US" dirty="0"/>
-          </a:p>
-          <a:p>
-            <a:r>
-              <a:rPr lang="en-US" dirty="0"/>
-              <a:t>61bf8b2fc819641b01d63266e72517b305608995</a:t>
-            </a:r>
-          </a:p>
-          <a:p>
-            <a:endParaRPr lang="en-US" dirty="0"/>
-          </a:p>
-          <a:p>
-            <a:r>
-              <a:rPr lang="en-US" dirty="0"/>
-              <a:t>Type?</a:t>
-            </a:r>
-          </a:p>
-          <a:p>
-            <a:pPr marL="0" marR="0" lvl="0" indent="0" algn="l" defTabSz="914400" rtl="0" eaLnBrk="1" fontAlgn="auto" latinLnBrk="0" hangingPunct="1">
-              <a:lnSpc>
-                <a:spcPct val="100000"/>
-              </a:lnSpc>
-              <a:spcBef>
-                <a:spcPts val="0"/>
-              </a:spcBef>
-              <a:spcAft>
-                <a:spcPts val="0"/>
-              </a:spcAft>
-              <a:buClrTx/>
-              <a:buSzTx/>
-              <a:buFontTx/>
-              <a:buNone/>
-              <a:tabLst/>
-              <a:defRPr/>
-            </a:pPr>
-            <a:r>
-              <a:rPr lang="en-US" dirty="0" err="1"/>
-              <a:t>git</a:t>
-            </a:r>
-            <a:r>
-              <a:rPr lang="en-US" dirty="0"/>
-              <a:t> cat-file 61bf8b2fc819641b01d63266e72517b305608995 –t</a:t>
-            </a:r>
-          </a:p>
-          <a:p>
-            <a:pPr marL="0" marR="0" lvl="0" indent="0" algn="l" defTabSz="914400" rtl="0" eaLnBrk="1" fontAlgn="auto" latinLnBrk="0" hangingPunct="1">
-              <a:lnSpc>
-                <a:spcPct val="100000"/>
-              </a:lnSpc>
-              <a:spcBef>
-                <a:spcPts val="0"/>
-              </a:spcBef>
-              <a:spcAft>
-                <a:spcPts val="0"/>
-              </a:spcAft>
-              <a:buClrTx/>
-              <a:buSzTx/>
-              <a:buFontTx/>
-              <a:buNone/>
-              <a:tabLst/>
-              <a:defRPr/>
-            </a:pPr>
-            <a:endParaRPr lang="en-US" dirty="0"/>
-          </a:p>
-          <a:p>
-            <a:pPr marL="0" marR="0" lvl="0" indent="0" algn="l" defTabSz="914400" rtl="0" eaLnBrk="1" fontAlgn="auto" latinLnBrk="0" hangingPunct="1">
-              <a:lnSpc>
-                <a:spcPct val="100000"/>
-              </a:lnSpc>
-              <a:spcBef>
-                <a:spcPts val="0"/>
-              </a:spcBef>
-              <a:spcAft>
-                <a:spcPts val="0"/>
-              </a:spcAft>
-              <a:buClrTx/>
-              <a:buSzTx/>
-              <a:buFontTx/>
-              <a:buNone/>
-              <a:tabLst/>
-              <a:defRPr/>
-            </a:pPr>
-            <a:r>
-              <a:rPr lang="en-US" dirty="0"/>
-              <a:t>Pretty Print</a:t>
-            </a:r>
-          </a:p>
-          <a:p>
-            <a:pPr marL="0" marR="0" lvl="0" indent="0" algn="l" defTabSz="914400" rtl="0" eaLnBrk="1" fontAlgn="auto" latinLnBrk="0" hangingPunct="1">
-              <a:lnSpc>
-                <a:spcPct val="100000"/>
-              </a:lnSpc>
-              <a:spcBef>
-                <a:spcPts val="0"/>
-              </a:spcBef>
-              <a:spcAft>
-                <a:spcPts val="0"/>
-              </a:spcAft>
-              <a:buClrTx/>
-              <a:buSzTx/>
-              <a:buFontTx/>
-              <a:buNone/>
-              <a:tabLst/>
-              <a:defRPr/>
-            </a:pPr>
-            <a:r>
-              <a:rPr lang="en-US" dirty="0" err="1"/>
-              <a:t>git</a:t>
-            </a:r>
-            <a:r>
-              <a:rPr lang="en-US" dirty="0"/>
-              <a:t> cat-file 61bf8b2fc819641b01d63266e72517b305608995 -p</a:t>
-            </a:r>
           </a:p>
         </p:txBody>
       </p:sp>
@@ -10646,7 +13645,7 @@
             <a:spLocks noGrp="1"/>
           </p:cNvSpPr>
           <p:nvPr>
-            <p:ph type="sldNum" sz="quarter" idx="10"/>
+            <p:ph type="sldNum" sz="quarter" idx="5"/>
           </p:nvPr>
         </p:nvSpPr>
         <p:spPr/>
@@ -10654,78 +13653,18 @@
           <a:bodyPr/>
           <a:lstStyle/>
           <a:p>
-            <a:pPr marL="0" marR="0" lvl="0" indent="0" algn="r" defTabSz="914400" rtl="0" eaLnBrk="1" fontAlgn="auto" latinLnBrk="0" hangingPunct="1">
-              <a:lnSpc>
-                <a:spcPct val="100000"/>
-              </a:lnSpc>
-              <a:spcBef>
-                <a:spcPts val="0"/>
-              </a:spcBef>
-              <a:spcAft>
-                <a:spcPts val="0"/>
-              </a:spcAft>
-              <a:buClrTx/>
-              <a:buSzTx/>
-              <a:buFontTx/>
-              <a:buNone/>
-              <a:tabLst/>
-              <a:defRPr/>
-            </a:pPr>
             <a:fld id="{1FCA6BDD-2A95-4913-9812-233FCAC5F4E3}" type="slidenum">
-              <a:rPr kumimoji="0" lang="en-US" sz="1200" b="0" i="0" u="none" strike="noStrike" kern="1200" cap="none" spc="0" normalizeH="0" baseline="0" noProof="0" smtClean="0">
-                <a:ln>
-                  <a:noFill/>
-                </a:ln>
-                <a:solidFill>
-                  <a:prstClr val="black"/>
-                </a:solidFill>
-                <a:effectLst/>
-                <a:uLnTx/>
-                <a:uFillTx/>
-                <a:latin typeface="Calibri" panose="020F0502020204030204"/>
-                <a:ea typeface="+mn-ea"/>
-                <a:cs typeface="+mn-cs"/>
-              </a:rPr>
-              <a:pPr marL="0" marR="0" lvl="0" indent="0" algn="r" defTabSz="914400" rtl="0" eaLnBrk="1" fontAlgn="auto" latinLnBrk="0" hangingPunct="1">
-                <a:lnSpc>
-                  <a:spcPct val="100000"/>
-                </a:lnSpc>
-                <a:spcBef>
-                  <a:spcPts val="0"/>
-                </a:spcBef>
-                <a:spcAft>
-                  <a:spcPts val="0"/>
-                </a:spcAft>
-                <a:buClrTx/>
-                <a:buSzTx/>
-                <a:buFontTx/>
-                <a:buNone/>
-                <a:tabLst/>
-                <a:defRPr/>
-              </a:pPr>
-              <a:t>8</a:t>
+              <a:rPr lang="en-US" smtClean="0"/>
+              <a:t>6</a:t>
             </a:fld>
-            <a:endParaRPr kumimoji="0" lang="en-US" sz="1200" b="0" i="0" u="none" strike="noStrike" kern="1200" cap="none" spc="0" normalizeH="0" baseline="0" noProof="0">
-              <a:ln>
-                <a:noFill/>
-              </a:ln>
-              <a:solidFill>
-                <a:prstClr val="black"/>
-              </a:solidFill>
-              <a:effectLst/>
-              <a:uLnTx/>
-              <a:uFillTx/>
-              <a:latin typeface="Calibri" panose="020F0502020204030204"/>
-              <a:ea typeface="+mn-ea"/>
-              <a:cs typeface="+mn-cs"/>
-            </a:endParaRPr>
+            <a:endParaRPr lang="en-US"/>
           </a:p>
         </p:txBody>
       </p:sp>
     </p:spTree>
     <p:extLst>
       <p:ext uri="{BB962C8B-B14F-4D97-AF65-F5344CB8AC3E}">
-        <p14:creationId xmlns:p14="http://schemas.microsoft.com/office/powerpoint/2010/main" val="655762749"/>
+        <p14:creationId xmlns:p14="http://schemas.microsoft.com/office/powerpoint/2010/main" val="2779899980"/>
       </p:ext>
     </p:extLst>
   </p:cSld>
@@ -10779,7 +13718,135 @@
           <a:bodyPr/>
           <a:lstStyle/>
           <a:p>
+            <a:r>
+              <a:rPr lang="en-US" dirty="0"/>
+              <a:t>echo Philly.NET| </a:t>
+            </a:r>
+            <a:r>
+              <a:rPr lang="en-US" dirty="0" err="1"/>
+              <a:t>git</a:t>
+            </a:r>
+            <a:r>
+              <a:rPr lang="en-US" dirty="0"/>
+              <a:t> hash-object –</a:t>
+            </a:r>
+            <a:r>
+              <a:rPr lang="en-US" dirty="0" err="1"/>
+              <a:t>stdin</a:t>
+            </a:r>
             <a:endParaRPr lang="en-US" dirty="0"/>
+          </a:p>
+          <a:p>
+            <a:r>
+              <a:rPr lang="en-US" dirty="0"/>
+              <a:t>61bf8b2fc819641b01d63266e72517b305608995</a:t>
+            </a:r>
+          </a:p>
+          <a:p>
+            <a:endParaRPr lang="en-US" dirty="0"/>
+          </a:p>
+          <a:p>
+            <a:r>
+              <a:rPr lang="en-US" dirty="0"/>
+              <a:t>Type?</a:t>
+            </a:r>
+          </a:p>
+          <a:p>
+            <a:pPr marL="0" marR="0" lvl="0" indent="0" algn="l" defTabSz="914400" rtl="0" eaLnBrk="1" fontAlgn="auto" latinLnBrk="0" hangingPunct="1">
+              <a:lnSpc>
+                <a:spcPct val="100000"/>
+              </a:lnSpc>
+              <a:spcBef>
+                <a:spcPts val="0"/>
+              </a:spcBef>
+              <a:spcAft>
+                <a:spcPts val="0"/>
+              </a:spcAft>
+              <a:buClrTx/>
+              <a:buSzTx/>
+              <a:buFontTx/>
+              <a:buNone/>
+              <a:tabLst/>
+              <a:defRPr/>
+            </a:pPr>
+            <a:r>
+              <a:rPr lang="en-US" dirty="0" err="1"/>
+              <a:t>git</a:t>
+            </a:r>
+            <a:r>
+              <a:rPr lang="en-US" dirty="0"/>
+              <a:t> cat-file 61bf8b2fc819641b01d63266e72517b305608995 –t</a:t>
+            </a:r>
+          </a:p>
+          <a:p>
+            <a:pPr marL="0" marR="0" lvl="0" indent="0" algn="l" defTabSz="914400" rtl="0" eaLnBrk="1" fontAlgn="auto" latinLnBrk="0" hangingPunct="1">
+              <a:lnSpc>
+                <a:spcPct val="100000"/>
+              </a:lnSpc>
+              <a:spcBef>
+                <a:spcPts val="0"/>
+              </a:spcBef>
+              <a:spcAft>
+                <a:spcPts val="0"/>
+              </a:spcAft>
+              <a:buClrTx/>
+              <a:buSzTx/>
+              <a:buFontTx/>
+              <a:buNone/>
+              <a:tabLst/>
+              <a:defRPr/>
+            </a:pPr>
+            <a:endParaRPr lang="en-US" dirty="0"/>
+          </a:p>
+          <a:p>
+            <a:pPr marL="0" marR="0" lvl="0" indent="0" algn="l" defTabSz="914400" rtl="0" eaLnBrk="1" fontAlgn="auto" latinLnBrk="0" hangingPunct="1">
+              <a:lnSpc>
+                <a:spcPct val="100000"/>
+              </a:lnSpc>
+              <a:spcBef>
+                <a:spcPts val="0"/>
+              </a:spcBef>
+              <a:spcAft>
+                <a:spcPts val="0"/>
+              </a:spcAft>
+              <a:buClrTx/>
+              <a:buSzTx/>
+              <a:buFontTx/>
+              <a:buNone/>
+              <a:tabLst/>
+              <a:defRPr/>
+            </a:pPr>
+            <a:r>
+              <a:rPr lang="en-US" dirty="0"/>
+              <a:t>Pretty Print</a:t>
+            </a:r>
+          </a:p>
+          <a:p>
+            <a:pPr marL="0" marR="0" lvl="0" indent="0" algn="l" defTabSz="914400" rtl="0" eaLnBrk="1" fontAlgn="auto" latinLnBrk="0" hangingPunct="1">
+              <a:lnSpc>
+                <a:spcPct val="100000"/>
+              </a:lnSpc>
+              <a:spcBef>
+                <a:spcPts val="0"/>
+              </a:spcBef>
+              <a:spcAft>
+                <a:spcPts val="0"/>
+              </a:spcAft>
+              <a:buClrTx/>
+              <a:buSzTx/>
+              <a:buFontTx/>
+              <a:buNone/>
+              <a:tabLst/>
+              <a:defRPr/>
+            </a:pPr>
+            <a:r>
+              <a:rPr lang="en-US" dirty="0" err="1"/>
+              <a:t>git</a:t>
+            </a:r>
+            <a:r>
+              <a:rPr lang="en-US" dirty="0"/>
+              <a:t> cat-file 61bf8b2fc819641b01d63266e72517b305608995 -p</a:t>
+            </a:r>
           </a:p>
         </p:txBody>
       </p:sp>
@@ -10790,7 +13857,7 @@
             <a:spLocks noGrp="1"/>
           </p:cNvSpPr>
           <p:nvPr>
-            <p:ph type="sldNum" sz="quarter" idx="5"/>
+            <p:ph type="sldNum" sz="quarter" idx="10"/>
           </p:nvPr>
         </p:nvSpPr>
         <p:spPr/>
@@ -10798,18 +13865,78 @@
           <a:bodyPr/>
           <a:lstStyle/>
           <a:p>
+            <a:pPr marL="0" marR="0" lvl="0" indent="0" algn="r" defTabSz="914400" rtl="0" eaLnBrk="1" fontAlgn="auto" latinLnBrk="0" hangingPunct="1">
+              <a:lnSpc>
+                <a:spcPct val="100000"/>
+              </a:lnSpc>
+              <a:spcBef>
+                <a:spcPts val="0"/>
+              </a:spcBef>
+              <a:spcAft>
+                <a:spcPts val="0"/>
+              </a:spcAft>
+              <a:buClrTx/>
+              <a:buSzTx/>
+              <a:buFontTx/>
+              <a:buNone/>
+              <a:tabLst/>
+              <a:defRPr/>
+            </a:pPr>
             <a:fld id="{1FCA6BDD-2A95-4913-9812-233FCAC5F4E3}" type="slidenum">
-              <a:rPr lang="en-US" smtClean="0"/>
+              <a:rPr kumimoji="0" lang="en-US" sz="1200" b="0" i="0" u="none" strike="noStrike" kern="1200" cap="none" spc="0" normalizeH="0" baseline="0" noProof="0" smtClean="0">
+                <a:ln>
+                  <a:noFill/>
+                </a:ln>
+                <a:solidFill>
+                  <a:prstClr val="black"/>
+                </a:solidFill>
+                <a:effectLst/>
+                <a:uLnTx/>
+                <a:uFillTx/>
+                <a:latin typeface="Calibri" panose="020F0502020204030204"/>
+                <a:ea typeface="+mn-ea"/>
+                <a:cs typeface="+mn-cs"/>
+              </a:rPr>
+              <a:pPr marL="0" marR="0" lvl="0" indent="0" algn="r" defTabSz="914400" rtl="0" eaLnBrk="1" fontAlgn="auto" latinLnBrk="0" hangingPunct="1">
+                <a:lnSpc>
+                  <a:spcPct val="100000"/>
+                </a:lnSpc>
+                <a:spcBef>
+                  <a:spcPts val="0"/>
+                </a:spcBef>
+                <a:spcAft>
+                  <a:spcPts val="0"/>
+                </a:spcAft>
+                <a:buClrTx/>
+                <a:buSzTx/>
+                <a:buFontTx/>
+                <a:buNone/>
+                <a:tabLst/>
+                <a:defRPr/>
+              </a:pPr>
               <a:t>9</a:t>
             </a:fld>
-            <a:endParaRPr lang="en-US"/>
+            <a:endParaRPr kumimoji="0" lang="en-US" sz="1200" b="0" i="0" u="none" strike="noStrike" kern="1200" cap="none" spc="0" normalizeH="0" baseline="0" noProof="0">
+              <a:ln>
+                <a:noFill/>
+              </a:ln>
+              <a:solidFill>
+                <a:prstClr val="black"/>
+              </a:solidFill>
+              <a:effectLst/>
+              <a:uLnTx/>
+              <a:uFillTx/>
+              <a:latin typeface="Calibri" panose="020F0502020204030204"/>
+              <a:ea typeface="+mn-ea"/>
+              <a:cs typeface="+mn-cs"/>
+            </a:endParaRPr>
           </a:p>
         </p:txBody>
       </p:sp>
     </p:spTree>
     <p:extLst>
       <p:ext uri="{BB962C8B-B14F-4D97-AF65-F5344CB8AC3E}">
-        <p14:creationId xmlns:p14="http://schemas.microsoft.com/office/powerpoint/2010/main" val="1911887745"/>
+        <p14:creationId xmlns:p14="http://schemas.microsoft.com/office/powerpoint/2010/main" val="655762749"/>
       </p:ext>
     </p:extLst>
   </p:cSld>
@@ -10863,135 +13990,7 @@
           <a:bodyPr/>
           <a:lstStyle/>
           <a:p>
-            <a:r>
-              <a:rPr lang="en-US" dirty="0"/>
-              <a:t>echo Philly.NET| </a:t>
-            </a:r>
-            <a:r>
-              <a:rPr lang="en-US" dirty="0" err="1"/>
-              <a:t>git</a:t>
-            </a:r>
-            <a:r>
-              <a:rPr lang="en-US" dirty="0"/>
-              <a:t> hash-object –</a:t>
-            </a:r>
-            <a:r>
-              <a:rPr lang="en-US" dirty="0" err="1"/>
-              <a:t>stdin</a:t>
-            </a:r>
             <a:endParaRPr lang="en-US" dirty="0"/>
-          </a:p>
-          <a:p>
-            <a:r>
-              <a:rPr lang="en-US" dirty="0"/>
-              <a:t>61bf8b2fc819641b01d63266e72517b305608995</a:t>
-            </a:r>
-          </a:p>
-          <a:p>
-            <a:endParaRPr lang="en-US" dirty="0"/>
-          </a:p>
-          <a:p>
-            <a:r>
-              <a:rPr lang="en-US" dirty="0"/>
-              <a:t>Type?</a:t>
-            </a:r>
-          </a:p>
-          <a:p>
-            <a:pPr marL="0" marR="0" lvl="0" indent="0" algn="l" defTabSz="914400" rtl="0" eaLnBrk="1" fontAlgn="auto" latinLnBrk="0" hangingPunct="1">
-              <a:lnSpc>
-                <a:spcPct val="100000"/>
-              </a:lnSpc>
-              <a:spcBef>
-                <a:spcPts val="0"/>
-              </a:spcBef>
-              <a:spcAft>
-                <a:spcPts val="0"/>
-              </a:spcAft>
-              <a:buClrTx/>
-              <a:buSzTx/>
-              <a:buFontTx/>
-              <a:buNone/>
-              <a:tabLst/>
-              <a:defRPr/>
-            </a:pPr>
-            <a:r>
-              <a:rPr lang="en-US" dirty="0" err="1"/>
-              <a:t>git</a:t>
-            </a:r>
-            <a:r>
-              <a:rPr lang="en-US" dirty="0"/>
-              <a:t> cat-file 61bf8b2fc819641b01d63266e72517b305608995 –t</a:t>
-            </a:r>
-          </a:p>
-          <a:p>
-            <a:pPr marL="0" marR="0" lvl="0" indent="0" algn="l" defTabSz="914400" rtl="0" eaLnBrk="1" fontAlgn="auto" latinLnBrk="0" hangingPunct="1">
-              <a:lnSpc>
-                <a:spcPct val="100000"/>
-              </a:lnSpc>
-              <a:spcBef>
-                <a:spcPts val="0"/>
-              </a:spcBef>
-              <a:spcAft>
-                <a:spcPts val="0"/>
-              </a:spcAft>
-              <a:buClrTx/>
-              <a:buSzTx/>
-              <a:buFontTx/>
-              <a:buNone/>
-              <a:tabLst/>
-              <a:defRPr/>
-            </a:pPr>
-            <a:endParaRPr lang="en-US" dirty="0"/>
-          </a:p>
-          <a:p>
-            <a:pPr marL="0" marR="0" lvl="0" indent="0" algn="l" defTabSz="914400" rtl="0" eaLnBrk="1" fontAlgn="auto" latinLnBrk="0" hangingPunct="1">
-              <a:lnSpc>
-                <a:spcPct val="100000"/>
-              </a:lnSpc>
-              <a:spcBef>
-                <a:spcPts val="0"/>
-              </a:spcBef>
-              <a:spcAft>
-                <a:spcPts val="0"/>
-              </a:spcAft>
-              <a:buClrTx/>
-              <a:buSzTx/>
-              <a:buFontTx/>
-              <a:buNone/>
-              <a:tabLst/>
-              <a:defRPr/>
-            </a:pPr>
-            <a:r>
-              <a:rPr lang="en-US" dirty="0"/>
-              <a:t>Pretty Print</a:t>
-            </a:r>
-          </a:p>
-          <a:p>
-            <a:pPr marL="0" marR="0" lvl="0" indent="0" algn="l" defTabSz="914400" rtl="0" eaLnBrk="1" fontAlgn="auto" latinLnBrk="0" hangingPunct="1">
-              <a:lnSpc>
-                <a:spcPct val="100000"/>
-              </a:lnSpc>
-              <a:spcBef>
-                <a:spcPts val="0"/>
-              </a:spcBef>
-              <a:spcAft>
-                <a:spcPts val="0"/>
-              </a:spcAft>
-              <a:buClrTx/>
-              <a:buSzTx/>
-              <a:buFontTx/>
-              <a:buNone/>
-              <a:tabLst/>
-              <a:defRPr/>
-            </a:pPr>
-            <a:r>
-              <a:rPr lang="en-US" dirty="0" err="1"/>
-              <a:t>git</a:t>
-            </a:r>
-            <a:r>
-              <a:rPr lang="en-US" dirty="0"/>
-              <a:t> cat-file 61bf8b2fc819641b01d63266e72517b305608995 -p</a:t>
-            </a:r>
           </a:p>
         </p:txBody>
       </p:sp>
@@ -11002,7 +14001,7 @@
             <a:spLocks noGrp="1"/>
           </p:cNvSpPr>
           <p:nvPr>
-            <p:ph type="sldNum" sz="quarter" idx="10"/>
+            <p:ph type="sldNum" sz="quarter" idx="5"/>
           </p:nvPr>
         </p:nvSpPr>
         <p:spPr/>
@@ -11010,78 +14009,18 @@
           <a:bodyPr/>
           <a:lstStyle/>
           <a:p>
-            <a:pPr marL="0" marR="0" lvl="0" indent="0" algn="r" defTabSz="914400" rtl="0" eaLnBrk="1" fontAlgn="auto" latinLnBrk="0" hangingPunct="1">
-              <a:lnSpc>
-                <a:spcPct val="100000"/>
-              </a:lnSpc>
-              <a:spcBef>
-                <a:spcPts val="0"/>
-              </a:spcBef>
-              <a:spcAft>
-                <a:spcPts val="0"/>
-              </a:spcAft>
-              <a:buClrTx/>
-              <a:buSzTx/>
-              <a:buFontTx/>
-              <a:buNone/>
-              <a:tabLst/>
-              <a:defRPr/>
-            </a:pPr>
             <a:fld id="{1FCA6BDD-2A95-4913-9812-233FCAC5F4E3}" type="slidenum">
-              <a:rPr kumimoji="0" lang="en-US" sz="1200" b="0" i="0" u="none" strike="noStrike" kern="1200" cap="none" spc="0" normalizeH="0" baseline="0" noProof="0" smtClean="0">
-                <a:ln>
-                  <a:noFill/>
-                </a:ln>
-                <a:solidFill>
-                  <a:prstClr val="black"/>
-                </a:solidFill>
-                <a:effectLst/>
-                <a:uLnTx/>
-                <a:uFillTx/>
-                <a:latin typeface="Calibri" panose="020F0502020204030204"/>
-                <a:ea typeface="+mn-ea"/>
-                <a:cs typeface="+mn-cs"/>
-              </a:rPr>
-              <a:pPr marL="0" marR="0" lvl="0" indent="0" algn="r" defTabSz="914400" rtl="0" eaLnBrk="1" fontAlgn="auto" latinLnBrk="0" hangingPunct="1">
-                <a:lnSpc>
-                  <a:spcPct val="100000"/>
-                </a:lnSpc>
-                <a:spcBef>
-                  <a:spcPts val="0"/>
-                </a:spcBef>
-                <a:spcAft>
-                  <a:spcPts val="0"/>
-                </a:spcAft>
-                <a:buClrTx/>
-                <a:buSzTx/>
-                <a:buFontTx/>
-                <a:buNone/>
-                <a:tabLst/>
-                <a:defRPr/>
-              </a:pPr>
+              <a:rPr lang="en-US" smtClean="0"/>
               <a:t>10</a:t>
             </a:fld>
-            <a:endParaRPr kumimoji="0" lang="en-US" sz="1200" b="0" i="0" u="none" strike="noStrike" kern="1200" cap="none" spc="0" normalizeH="0" baseline="0" noProof="0">
-              <a:ln>
-                <a:noFill/>
-              </a:ln>
-              <a:solidFill>
-                <a:prstClr val="black"/>
-              </a:solidFill>
-              <a:effectLst/>
-              <a:uLnTx/>
-              <a:uFillTx/>
-              <a:latin typeface="Calibri" panose="020F0502020204030204"/>
-              <a:ea typeface="+mn-ea"/>
-              <a:cs typeface="+mn-cs"/>
-            </a:endParaRPr>
+            <a:endParaRPr lang="en-US"/>
           </a:p>
         </p:txBody>
       </p:sp>
     </p:spTree>
     <p:extLst>
       <p:ext uri="{BB962C8B-B14F-4D97-AF65-F5344CB8AC3E}">
-        <p14:creationId xmlns:p14="http://schemas.microsoft.com/office/powerpoint/2010/main" val="2871590754"/>
+        <p14:creationId xmlns:p14="http://schemas.microsoft.com/office/powerpoint/2010/main" val="1911887745"/>
       </p:ext>
     </p:extLst>
   </p:cSld>
@@ -11353,7 +14292,7 @@
     </p:spTree>
     <p:extLst>
       <p:ext uri="{BB962C8B-B14F-4D97-AF65-F5344CB8AC3E}">
-        <p14:creationId xmlns:p14="http://schemas.microsoft.com/office/powerpoint/2010/main" val="2909199023"/>
+        <p14:creationId xmlns:p14="http://schemas.microsoft.com/office/powerpoint/2010/main" val="2871590754"/>
       </p:ext>
     </p:extLst>
   </p:cSld>
@@ -11625,7 +14564,7 @@
     </p:spTree>
     <p:extLst>
       <p:ext uri="{BB962C8B-B14F-4D97-AF65-F5344CB8AC3E}">
-        <p14:creationId xmlns:p14="http://schemas.microsoft.com/office/powerpoint/2010/main" val="189630970"/>
+        <p14:creationId xmlns:p14="http://schemas.microsoft.com/office/powerpoint/2010/main" val="2909199023"/>
       </p:ext>
     </p:extLst>
   </p:cSld>
@@ -17823,7 +20762,7 @@
           <p:nvPr/>
         </p:nvPicPr>
         <p:blipFill>
-          <a:blip r:embed="rId3">
+          <a:blip r:embed="rId3" cstate="print">
             <a:extLst>
               <a:ext uri="{28A0092B-C50C-407E-A947-70E740481C1C}">
                 <a14:useLocalDpi xmlns:a14="http://schemas.microsoft.com/office/drawing/2010/main" val="0"/>
@@ -17886,47 +20825,100 @@
         </p:nvSpPr>
         <p:spPr/>
         <p:txBody>
-          <a:bodyPr/>
-          <a:lstStyle/>
-          <a:p>
-            <a:r>
-              <a:rPr lang="en-US" dirty="0"/>
-              <a:t>One Way Hashes</a:t>
-            </a:r>
-          </a:p>
-        </p:txBody>
-      </p:sp>
-      <p:sp>
-        <p:nvSpPr>
-          <p:cNvPr id="3" name="Content Placeholder 2"/>
-          <p:cNvSpPr>
-            <a:spLocks noGrp="1"/>
-          </p:cNvSpPr>
-          <p:nvPr>
-            <p:ph idx="1"/>
-          </p:nvPr>
-        </p:nvSpPr>
-        <p:spPr/>
-        <p:txBody>
           <a:bodyPr>
             <a:normAutofit/>
           </a:bodyPr>
           <a:lstStyle/>
           <a:p>
-            <a:pPr marL="0" indent="0">
-              <a:buNone/>
-            </a:pPr>
-            <a:r>
-              <a:rPr lang="en-US" sz="4400" dirty="0"/>
-              <a:t>Mathematical functions that take any arbitrary value and creates a value that represents that content.</a:t>
-            </a:r>
+            <a:r>
+              <a:rPr lang="en-US" sz="5400" dirty="0"/>
+              <a:t>Those hashes aren’t random</a:t>
+            </a:r>
+          </a:p>
+        </p:txBody>
+      </p:sp>
+      <p:pic>
+        <p:nvPicPr>
+          <p:cNvPr id="4" name="Picture 3">
+            <a:extLst>
+              <a:ext uri="{FF2B5EF4-FFF2-40B4-BE49-F238E27FC236}">
+                <a16:creationId xmlns:a16="http://schemas.microsoft.com/office/drawing/2014/main" id="{EF7A87A8-3460-46E3-A966-6B236638ABED}"/>
+              </a:ext>
+            </a:extLst>
+          </p:cNvPr>
+          <p:cNvPicPr>
+            <a:picLocks noChangeAspect="1"/>
+          </p:cNvPicPr>
+          <p:nvPr/>
+        </p:nvPicPr>
+        <p:blipFill>
+          <a:blip r:embed="rId3"/>
+          <a:stretch>
+            <a:fillRect/>
+          </a:stretch>
+        </p:blipFill>
+        <p:spPr>
+          <a:xfrm>
+            <a:off x="2259190" y="2118167"/>
+            <a:ext cx="16320133" cy="6959003"/>
+          </a:xfrm>
+          <a:prstGeom prst="rect">
+            <a:avLst/>
+          </a:prstGeom>
+        </p:spPr>
+      </p:pic>
+      <p:sp>
+        <p:nvSpPr>
+          <p:cNvPr id="3" name="Oval 2">
+            <a:extLst>
+              <a:ext uri="{FF2B5EF4-FFF2-40B4-BE49-F238E27FC236}">
+                <a16:creationId xmlns:a16="http://schemas.microsoft.com/office/drawing/2014/main" id="{C2584958-B4B6-4B27-9E6D-DD633E0DFC08}"/>
+              </a:ext>
+            </a:extLst>
+          </p:cNvPr>
+          <p:cNvSpPr/>
+          <p:nvPr/>
+        </p:nvSpPr>
+        <p:spPr>
+          <a:xfrm>
+            <a:off x="2971800" y="3429000"/>
+            <a:ext cx="1756611" cy="3429000"/>
+          </a:xfrm>
+          <a:prstGeom prst="ellipse">
+            <a:avLst/>
+          </a:prstGeom>
+          <a:noFill/>
+          <a:ln w="50800"/>
+        </p:spPr>
+        <p:style>
+          <a:lnRef idx="2">
+            <a:schemeClr val="accent1">
+              <a:shade val="50000"/>
+            </a:schemeClr>
+          </a:lnRef>
+          <a:fillRef idx="1">
+            <a:schemeClr val="accent1"/>
+          </a:fillRef>
+          <a:effectRef idx="0">
+            <a:schemeClr val="accent1"/>
+          </a:effectRef>
+          <a:fontRef idx="minor">
+            <a:schemeClr val="lt1"/>
+          </a:fontRef>
+        </p:style>
+        <p:txBody>
+          <a:bodyPr rtlCol="0" anchor="ctr"/>
+          <a:lstStyle/>
+          <a:p>
+            <a:pPr algn="ctr"/>
+            <a:endParaRPr lang="en-US"/>
           </a:p>
         </p:txBody>
       </p:sp>
     </p:spTree>
     <p:extLst>
       <p:ext uri="{BB962C8B-B14F-4D97-AF65-F5344CB8AC3E}">
-        <p14:creationId xmlns:p14="http://schemas.microsoft.com/office/powerpoint/2010/main" val="3065944931"/>
+        <p14:creationId xmlns:p14="http://schemas.microsoft.com/office/powerpoint/2010/main" val="313107017"/>
       </p:ext>
     </p:extLst>
   </p:cSld>
@@ -17988,25 +20980,16 @@
         <p:spPr/>
         <p:txBody>
           <a:bodyPr>
-            <a:normAutofit lnSpcReduction="10000"/>
+            <a:normAutofit/>
           </a:bodyPr>
           <a:lstStyle/>
           <a:p>
+            <a:pPr marL="0" indent="0">
+              <a:buNone/>
+            </a:pPr>
             <a:r>
               <a:rPr lang="en-US" sz="4400" dirty="0"/>
-              <a:t>Often used in cryptography</a:t>
-            </a:r>
-          </a:p>
-          <a:p>
-            <a:r>
-              <a:rPr lang="en-US" sz="4400" dirty="0"/>
-              <a:t>Hashes are “difficult” to reverse</a:t>
-            </a:r>
-          </a:p>
-          <a:p>
-            <a:r>
-              <a:rPr lang="en-US" sz="4400" dirty="0"/>
-              <a:t>Wide enough range of outputs to avoid collisions</a:t>
+              <a:t>Mathematical functions that take any arbitrary value and creates a value that represents that content.</a:t>
             </a:r>
           </a:p>
         </p:txBody>
@@ -18014,7 +20997,7 @@
     </p:spTree>
     <p:extLst>
       <p:ext uri="{BB962C8B-B14F-4D97-AF65-F5344CB8AC3E}">
-        <p14:creationId xmlns:p14="http://schemas.microsoft.com/office/powerpoint/2010/main" val="2474880115"/>
+        <p14:creationId xmlns:p14="http://schemas.microsoft.com/office/powerpoint/2010/main" val="3065944931"/>
       </p:ext>
     </p:extLst>
   </p:cSld>
@@ -18060,13 +21043,6 @@
               <a:rPr lang="en-US" dirty="0"/>
               <a:t>One Way Hashes</a:t>
             </a:r>
-            <a:br>
-              <a:rPr lang="en-US" dirty="0"/>
-            </a:br>
-            <a:r>
-              <a:rPr lang="en-US" dirty="0"/>
-              <a:t>Git uses hashes for identification only:</a:t>
-            </a:r>
           </a:p>
         </p:txBody>
       </p:sp>
@@ -18083,31 +21059,25 @@
         <p:spPr/>
         <p:txBody>
           <a:bodyPr>
-            <a:normAutofit fontScale="85000" lnSpcReduction="10000"/>
+            <a:normAutofit lnSpcReduction="10000"/>
           </a:bodyPr>
           <a:lstStyle/>
           <a:p>
             <a:r>
               <a:rPr lang="en-US" sz="4400" dirty="0"/>
+              <a:t>Often used in cryptography</a:t>
+            </a:r>
+          </a:p>
+          <a:p>
+            <a:r>
+              <a:rPr lang="en-US" sz="4400" dirty="0"/>
+              <a:t>Hashes are “difficult” to reverse</a:t>
+            </a:r>
+          </a:p>
+          <a:p>
+            <a:r>
+              <a:rPr lang="en-US" sz="4400" dirty="0"/>
               <a:t>Wide enough range of outputs to avoid collisions</a:t>
-            </a:r>
-          </a:p>
-          <a:p>
-            <a:r>
-              <a:rPr lang="en-US" sz="4400" dirty="0"/>
-              <a:t>Commits have hashes</a:t>
-            </a:r>
-          </a:p>
-          <a:p>
-            <a:r>
-              <a:rPr lang="en-US" sz="4400" dirty="0"/>
-              <a:t>So do your committed files (blobs)</a:t>
-            </a:r>
-          </a:p>
-          <a:p>
-            <a:r>
-              <a:rPr lang="en-US" sz="4400" dirty="0"/>
-              <a:t>So does your folder structure (trees)</a:t>
             </a:r>
           </a:p>
         </p:txBody>
@@ -18115,7 +21085,7 @@
     </p:spTree>
     <p:extLst>
       <p:ext uri="{BB962C8B-B14F-4D97-AF65-F5344CB8AC3E}">
-        <p14:creationId xmlns:p14="http://schemas.microsoft.com/office/powerpoint/2010/main" val="1802637433"/>
+        <p14:creationId xmlns:p14="http://schemas.microsoft.com/office/powerpoint/2010/main" val="2474880115"/>
       </p:ext>
     </p:extLst>
   </p:cSld>
@@ -18152,21 +21122,21 @@
             <p:ph type="title"/>
           </p:nvPr>
         </p:nvSpPr>
-        <p:spPr>
-          <a:xfrm>
-            <a:off x="1484311" y="685800"/>
-            <a:ext cx="10018713" cy="1347537"/>
-          </a:xfrm>
-        </p:spPr>
+        <p:spPr/>
         <p:txBody>
-          <a:bodyPr>
-            <a:normAutofit/>
-          </a:bodyPr>
+          <a:bodyPr/>
           <a:lstStyle/>
           <a:p>
             <a:r>
               <a:rPr lang="en-US" dirty="0"/>
-              <a:t>Commits Are Immutable</a:t>
+              <a:t>One Way Hashes</a:t>
+            </a:r>
+            <a:br>
+              <a:rPr lang="en-US" dirty="0"/>
+            </a:br>
+            <a:r>
+              <a:rPr lang="en-US" dirty="0"/>
+              <a:t>Git uses hashes for identification only:</a:t>
             </a:r>
           </a:p>
         </p:txBody>
@@ -18184,25 +21154,31 @@
         <p:spPr/>
         <p:txBody>
           <a:bodyPr>
-            <a:normAutofit/>
+            <a:normAutofit fontScale="85000" lnSpcReduction="10000"/>
           </a:bodyPr>
           <a:lstStyle/>
           <a:p>
-            <a:pPr marL="0" indent="0">
-              <a:buNone/>
-            </a:pPr>
             <a:r>
               <a:rPr lang="en-US" sz="4400" dirty="0"/>
-              <a:t>A commit, and therefore its hash, can never be changed.</a:t>
-            </a:r>
-          </a:p>
-          <a:p>
-            <a:pPr marL="0" indent="0">
-              <a:buNone/>
-            </a:pPr>
+              <a:t>Wide enough range of outputs to avoid collisions</a:t>
+            </a:r>
+          </a:p>
+          <a:p>
             <a:r>
               <a:rPr lang="en-US" sz="4400" dirty="0"/>
-              <a:t>If you have some Git experience, this may surprise you.</a:t>
+              <a:t>Commits have hashes</a:t>
+            </a:r>
+          </a:p>
+          <a:p>
+            <a:r>
+              <a:rPr lang="en-US" sz="4400" dirty="0"/>
+              <a:t>So do your committed files (blobs)</a:t>
+            </a:r>
+          </a:p>
+          <a:p>
+            <a:r>
+              <a:rPr lang="en-US" sz="4400" dirty="0"/>
+              <a:t>So does your folder structure (trees)</a:t>
             </a:r>
           </a:p>
         </p:txBody>
@@ -18210,7 +21186,7 @@
     </p:spTree>
     <p:extLst>
       <p:ext uri="{BB962C8B-B14F-4D97-AF65-F5344CB8AC3E}">
-        <p14:creationId xmlns:p14="http://schemas.microsoft.com/office/powerpoint/2010/main" val="2153624738"/>
+        <p14:creationId xmlns:p14="http://schemas.microsoft.com/office/powerpoint/2010/main" val="1802637433"/>
       </p:ext>
     </p:extLst>
   </p:cSld>
@@ -18261,7 +21237,7 @@
           <a:p>
             <a:r>
               <a:rPr lang="en-US" dirty="0"/>
-              <a:t>Commits Have Parents</a:t>
+              <a:t>Commits Are Immutable</a:t>
             </a:r>
           </a:p>
         </p:txBody>
@@ -18288,7 +21264,7 @@
             </a:pPr>
             <a:r>
               <a:rPr lang="en-US" sz="4400" dirty="0"/>
-              <a:t>Every commit, except the first commit, has one or more parents.</a:t>
+              <a:t>A commit, and therefore its hash, can never be changed.</a:t>
             </a:r>
           </a:p>
           <a:p>
@@ -18297,7 +21273,7 @@
             </a:pPr>
             <a:r>
               <a:rPr lang="en-US" sz="4400" dirty="0"/>
-              <a:t>This also cannot be changed for a particular, immutable commit.</a:t>
+              <a:t>If you have some Git experience, this may surprise you.</a:t>
             </a:r>
           </a:p>
         </p:txBody>
@@ -18305,7 +21281,7 @@
     </p:spTree>
     <p:extLst>
       <p:ext uri="{BB962C8B-B14F-4D97-AF65-F5344CB8AC3E}">
-        <p14:creationId xmlns:p14="http://schemas.microsoft.com/office/powerpoint/2010/main" val="621334631"/>
+        <p14:creationId xmlns:p14="http://schemas.microsoft.com/office/powerpoint/2010/main" val="2153624738"/>
       </p:ext>
     </p:extLst>
   </p:cSld>
@@ -18344,17 +21320,19 @@
         </p:nvSpPr>
         <p:spPr>
           <a:xfrm>
-            <a:off x="1484311" y="685801"/>
-            <a:ext cx="10018713" cy="1339770"/>
+            <a:off x="1484311" y="685800"/>
+            <a:ext cx="10018713" cy="1347537"/>
           </a:xfrm>
         </p:spPr>
         <p:txBody>
-          <a:bodyPr/>
+          <a:bodyPr>
+            <a:normAutofit/>
+          </a:bodyPr>
           <a:lstStyle/>
           <a:p>
             <a:r>
               <a:rPr lang="en-US" dirty="0"/>
-              <a:t>The Git Folder</a:t>
+              <a:t>Commits Have Parents</a:t>
             </a:r>
           </a:p>
         </p:txBody>
@@ -18376,21 +21354,21 @@
           </a:bodyPr>
           <a:lstStyle/>
           <a:p>
+            <a:pPr marL="0" indent="0">
+              <a:buNone/>
+            </a:pPr>
             <a:r>
               <a:rPr lang="en-US" sz="4400" dirty="0"/>
-              <a:t>.git (often set as hidden)</a:t>
-            </a:r>
-          </a:p>
-          <a:p>
+              <a:t>Every commit, except the first commit, has one or more parents.</a:t>
+            </a:r>
+          </a:p>
+          <a:p>
+            <a:pPr marL="0" indent="0">
+              <a:buNone/>
+            </a:pPr>
             <a:r>
               <a:rPr lang="en-US" sz="4400" dirty="0"/>
-              <a:t>Some files are readable</a:t>
-            </a:r>
-          </a:p>
-          <a:p>
-            <a:r>
-              <a:rPr lang="en-US" sz="4400" dirty="0"/>
-              <a:t>Your repository and history are in here</a:t>
+              <a:t>This also cannot be changed for a particular, immutable commit.</a:t>
             </a:r>
           </a:p>
         </p:txBody>
@@ -18398,7 +21376,7 @@
     </p:spTree>
     <p:extLst>
       <p:ext uri="{BB962C8B-B14F-4D97-AF65-F5344CB8AC3E}">
-        <p14:creationId xmlns:p14="http://schemas.microsoft.com/office/powerpoint/2010/main" val="1299167291"/>
+        <p14:creationId xmlns:p14="http://schemas.microsoft.com/office/powerpoint/2010/main" val="621334631"/>
       </p:ext>
     </p:extLst>
   </p:cSld>
@@ -18491,7 +21469,7 @@
     </p:spTree>
     <p:extLst>
       <p:ext uri="{BB962C8B-B14F-4D97-AF65-F5344CB8AC3E}">
-        <p14:creationId xmlns:p14="http://schemas.microsoft.com/office/powerpoint/2010/main" val="3686225114"/>
+        <p14:creationId xmlns:p14="http://schemas.microsoft.com/office/powerpoint/2010/main" val="1299167291"/>
       </p:ext>
     </p:extLst>
   </p:cSld>
@@ -18558,6 +21536,99 @@
         <p:spPr/>
         <p:txBody>
           <a:bodyPr>
+            <a:normAutofit/>
+          </a:bodyPr>
+          <a:lstStyle/>
+          <a:p>
+            <a:r>
+              <a:rPr lang="en-US" sz="4400" dirty="0"/>
+              <a:t>.git (often set as hidden)</a:t>
+            </a:r>
+          </a:p>
+          <a:p>
+            <a:r>
+              <a:rPr lang="en-US" sz="4400" dirty="0"/>
+              <a:t>Some files are readable</a:t>
+            </a:r>
+          </a:p>
+          <a:p>
+            <a:r>
+              <a:rPr lang="en-US" sz="4400" dirty="0"/>
+              <a:t>Your repository and history are in here</a:t>
+            </a:r>
+          </a:p>
+        </p:txBody>
+      </p:sp>
+    </p:spTree>
+    <p:extLst>
+      <p:ext uri="{BB962C8B-B14F-4D97-AF65-F5344CB8AC3E}">
+        <p14:creationId xmlns:p14="http://schemas.microsoft.com/office/powerpoint/2010/main" val="3686225114"/>
+      </p:ext>
+    </p:extLst>
+  </p:cSld>
+  <p:clrMapOvr>
+    <a:masterClrMapping/>
+  </p:clrMapOvr>
+</p:sld>
+</file>
+
+<file path=ppt/slides/slide18.xml><?xml version="1.0" encoding="utf-8"?>
+<p:sld xmlns:a="http://schemas.openxmlformats.org/drawingml/2006/main" xmlns:r="http://schemas.openxmlformats.org/officeDocument/2006/relationships" xmlns:p="http://schemas.openxmlformats.org/presentationml/2006/main">
+  <p:cSld>
+    <p:spTree>
+      <p:nvGrpSpPr>
+        <p:cNvPr id="1" name=""/>
+        <p:cNvGrpSpPr/>
+        <p:nvPr/>
+      </p:nvGrpSpPr>
+      <p:grpSpPr>
+        <a:xfrm>
+          <a:off x="0" y="0"/>
+          <a:ext cx="0" cy="0"/>
+          <a:chOff x="0" y="0"/>
+          <a:chExt cx="0" cy="0"/>
+        </a:xfrm>
+      </p:grpSpPr>
+      <p:sp>
+        <p:nvSpPr>
+          <p:cNvPr id="2" name="Title 1"/>
+          <p:cNvSpPr>
+            <a:spLocks noGrp="1"/>
+          </p:cNvSpPr>
+          <p:nvPr>
+            <p:ph type="title"/>
+          </p:nvPr>
+        </p:nvSpPr>
+        <p:spPr>
+          <a:xfrm>
+            <a:off x="1484311" y="685801"/>
+            <a:ext cx="10018713" cy="1339770"/>
+          </a:xfrm>
+        </p:spPr>
+        <p:txBody>
+          <a:bodyPr/>
+          <a:lstStyle/>
+          <a:p>
+            <a:r>
+              <a:rPr lang="en-US" dirty="0"/>
+              <a:t>The Git Folder</a:t>
+            </a:r>
+          </a:p>
+        </p:txBody>
+      </p:sp>
+      <p:sp>
+        <p:nvSpPr>
+          <p:cNvPr id="3" name="Content Placeholder 2"/>
+          <p:cNvSpPr>
+            <a:spLocks noGrp="1"/>
+          </p:cNvSpPr>
+          <p:nvPr>
+            <p:ph idx="1"/>
+          </p:nvPr>
+        </p:nvSpPr>
+        <p:spPr/>
+        <p:txBody>
+          <a:bodyPr>
             <a:normAutofit fontScale="92500"/>
           </a:bodyPr>
           <a:lstStyle/>
@@ -18594,7 +21665,7 @@
 </p:sld>
 </file>
 
-<file path=ppt/slides/slide18.xml><?xml version="1.0" encoding="utf-8"?>
+<file path=ppt/slides/slide19.xml><?xml version="1.0" encoding="utf-8"?>
 <p:sld xmlns:a="http://schemas.openxmlformats.org/drawingml/2006/main" xmlns:r="http://schemas.openxmlformats.org/officeDocument/2006/relationships" xmlns:p="http://schemas.openxmlformats.org/presentationml/2006/main">
   <p:cSld>
     <p:spTree>
@@ -18722,9 +21793,31 @@
 </p:sld>
 </file>
 
-<file path=ppt/slides/slide19.xml><?xml version="1.0" encoding="utf-8"?>
+<file path=ppt/slides/slide2.xml><?xml version="1.0" encoding="utf-8"?>
 <p:sld xmlns:a="http://schemas.openxmlformats.org/drawingml/2006/main" xmlns:r="http://schemas.openxmlformats.org/officeDocument/2006/relationships" xmlns:p="http://schemas.openxmlformats.org/presentationml/2006/main">
   <p:cSld>
+    <p:bg>
+      <p:bgPr>
+        <a:gradFill rotWithShape="1">
+          <a:gsLst>
+            <a:gs pos="0">
+              <a:schemeClr val="bg2">
+                <a:tint val="90000"/>
+                <a:lumMod val="110000"/>
+              </a:schemeClr>
+            </a:gs>
+            <a:gs pos="100000">
+              <a:schemeClr val="bg2">
+                <a:shade val="64000"/>
+                <a:lumMod val="98000"/>
+              </a:schemeClr>
+            </a:gs>
+          </a:gsLst>
+          <a:lin ang="5400000" scaled="0"/>
+        </a:gradFill>
+        <a:effectLst/>
+      </p:bgPr>
+    </p:bg>
     <p:spTree>
       <p:nvGrpSpPr>
         <p:cNvPr id="1" name=""/>
@@ -18739,6 +21832,221 @@
           <a:chExt cx="0" cy="0"/>
         </a:xfrm>
       </p:grpSpPr>
+      <p:sp useBgFill="1">
+        <p:nvSpPr>
+          <p:cNvPr id="22" name="Rectangle 24">
+            <a:extLst>
+              <a:ext uri="{FF2B5EF4-FFF2-40B4-BE49-F238E27FC236}">
+                <a16:creationId xmlns:a16="http://schemas.microsoft.com/office/drawing/2014/main" id="{103AE710-7D3C-454B-82CF-49B0093E9892}"/>
+              </a:ext>
+              <a:ext uri="{C183D7F6-B498-43B3-948B-1728B52AA6E4}">
+                <adec:decorative xmlns:adec="http://schemas.microsoft.com/office/drawing/2017/decorative" val="1"/>
+              </a:ext>
+            </a:extLst>
+          </p:cNvPr>
+          <p:cNvSpPr>
+            <a:spLocks noGrp="1" noRot="1" noChangeAspect="1" noMove="1" noResize="1" noEditPoints="1" noAdjustHandles="1" noChangeArrowheads="1" noChangeShapeType="1" noTextEdit="1"/>
+          </p:cNvSpPr>
+          <p:nvPr>
+            <p:extLst>
+              <p:ext uri="{386F3935-93C4-4BCD-93E2-E3B085C9AB24}">
+                <p16:designElem xmlns:p16="http://schemas.microsoft.com/office/powerpoint/2015/main" val="1"/>
+              </p:ext>
+            </p:extLst>
+          </p:nvPr>
+        </p:nvSpPr>
+        <p:spPr>
+          <a:xfrm>
+            <a:off x="0" y="0"/>
+            <a:ext cx="12192000" cy="6858000"/>
+          </a:xfrm>
+          <a:prstGeom prst="rect">
+            <a:avLst/>
+          </a:prstGeom>
+          <a:ln>
+            <a:noFill/>
+          </a:ln>
+        </p:spPr>
+        <p:style>
+          <a:lnRef idx="2">
+            <a:schemeClr val="accent1">
+              <a:shade val="50000"/>
+            </a:schemeClr>
+          </a:lnRef>
+          <a:fillRef idx="1">
+            <a:schemeClr val="accent1"/>
+          </a:fillRef>
+          <a:effectRef idx="0">
+            <a:schemeClr val="accent1"/>
+          </a:effectRef>
+          <a:fontRef idx="minor">
+            <a:schemeClr val="lt1"/>
+          </a:fontRef>
+        </p:style>
+        <p:txBody>
+          <a:bodyPr rtlCol="0" anchor="ctr"/>
+          <a:lstStyle/>
+          <a:p>
+            <a:pPr algn="ctr"/>
+            <a:endParaRPr lang="en-US"/>
+          </a:p>
+        </p:txBody>
+      </p:sp>
+      <p:sp>
+        <p:nvSpPr>
+          <p:cNvPr id="23" name="Freeform: Shape 26">
+            <a:extLst>
+              <a:ext uri="{FF2B5EF4-FFF2-40B4-BE49-F238E27FC236}">
+                <a16:creationId xmlns:a16="http://schemas.microsoft.com/office/drawing/2014/main" id="{039CC2B4-028D-4241-812D-86DEFC665CEB}"/>
+              </a:ext>
+              <a:ext uri="{C183D7F6-B498-43B3-948B-1728B52AA6E4}">
+                <adec:decorative xmlns:adec="http://schemas.microsoft.com/office/drawing/2017/decorative" val="1"/>
+              </a:ext>
+            </a:extLst>
+          </p:cNvPr>
+          <p:cNvSpPr>
+            <a:spLocks noGrp="1" noRot="1" noChangeAspect="1" noMove="1" noResize="1" noEditPoints="1" noAdjustHandles="1" noChangeArrowheads="1" noChangeShapeType="1" noTextEdit="1"/>
+          </p:cNvSpPr>
+          <p:nvPr>
+            <p:extLst>
+              <p:ext uri="{386F3935-93C4-4BCD-93E2-E3B085C9AB24}">
+                <p16:designElem xmlns:p16="http://schemas.microsoft.com/office/powerpoint/2015/main" val="1"/>
+              </p:ext>
+            </p:extLst>
+          </p:nvPr>
+        </p:nvSpPr>
+        <p:spPr>
+          <a:xfrm flipV="1">
+            <a:off x="-1" y="-1"/>
+            <a:ext cx="4403709" cy="6858001"/>
+          </a:xfrm>
+          <a:custGeom>
+            <a:avLst/>
+            <a:gdLst>
+              <a:gd name="connsiteX0" fmla="*/ 3223890 w 4403709"/>
+              <a:gd name="connsiteY0" fmla="*/ 6858001 h 6858001"/>
+              <a:gd name="connsiteX1" fmla="*/ 4101908 w 4403709"/>
+              <a:gd name="connsiteY1" fmla="*/ 6858001 h 6858001"/>
+              <a:gd name="connsiteX2" fmla="*/ 3254950 w 4403709"/>
+              <a:gd name="connsiteY2" fmla="*/ 1599356 h 6858001"/>
+              <a:gd name="connsiteX3" fmla="*/ 3254950 w 4403709"/>
+              <a:gd name="connsiteY3" fmla="*/ 1594062 h 6858001"/>
+              <a:gd name="connsiteX4" fmla="*/ 4403709 w 4403709"/>
+              <a:gd name="connsiteY4" fmla="*/ 0 h 6858001"/>
+              <a:gd name="connsiteX5" fmla="*/ 3254950 w 4403709"/>
+              <a:gd name="connsiteY5" fmla="*/ 0 h 6858001"/>
+              <a:gd name="connsiteX6" fmla="*/ 2903520 w 4403709"/>
+              <a:gd name="connsiteY6" fmla="*/ 0 h 6858001"/>
+              <a:gd name="connsiteX7" fmla="*/ 0 w 4403709"/>
+              <a:gd name="connsiteY7" fmla="*/ 0 h 6858001"/>
+              <a:gd name="connsiteX8" fmla="*/ 0 w 4403709"/>
+              <a:gd name="connsiteY8" fmla="*/ 6858000 h 6858001"/>
+              <a:gd name="connsiteX9" fmla="*/ 3223890 w 4403709"/>
+              <a:gd name="connsiteY9" fmla="*/ 6858000 h 6858001"/>
+            </a:gdLst>
+            <a:ahLst/>
+            <a:cxnLst>
+              <a:cxn ang="0">
+                <a:pos x="connsiteX0" y="connsiteY0"/>
+              </a:cxn>
+              <a:cxn ang="0">
+                <a:pos x="connsiteX1" y="connsiteY1"/>
+              </a:cxn>
+              <a:cxn ang="0">
+                <a:pos x="connsiteX2" y="connsiteY2"/>
+              </a:cxn>
+              <a:cxn ang="0">
+                <a:pos x="connsiteX3" y="connsiteY3"/>
+              </a:cxn>
+              <a:cxn ang="0">
+                <a:pos x="connsiteX4" y="connsiteY4"/>
+              </a:cxn>
+              <a:cxn ang="0">
+                <a:pos x="connsiteX5" y="connsiteY5"/>
+              </a:cxn>
+              <a:cxn ang="0">
+                <a:pos x="connsiteX6" y="connsiteY6"/>
+              </a:cxn>
+              <a:cxn ang="0">
+                <a:pos x="connsiteX7" y="connsiteY7"/>
+              </a:cxn>
+              <a:cxn ang="0">
+                <a:pos x="connsiteX8" y="connsiteY8"/>
+              </a:cxn>
+              <a:cxn ang="0">
+                <a:pos x="connsiteX9" y="connsiteY9"/>
+              </a:cxn>
+            </a:cxnLst>
+            <a:rect l="l" t="t" r="r" b="b"/>
+            <a:pathLst>
+              <a:path w="4403709" h="6858001">
+                <a:moveTo>
+                  <a:pt x="3223890" y="6858001"/>
+                </a:moveTo>
+                <a:lnTo>
+                  <a:pt x="4101908" y="6858001"/>
+                </a:lnTo>
+                <a:lnTo>
+                  <a:pt x="3254950" y="1599356"/>
+                </a:lnTo>
+                <a:lnTo>
+                  <a:pt x="3254950" y="1594062"/>
+                </a:lnTo>
+                <a:lnTo>
+                  <a:pt x="4403709" y="0"/>
+                </a:lnTo>
+                <a:lnTo>
+                  <a:pt x="3254950" y="0"/>
+                </a:lnTo>
+                <a:lnTo>
+                  <a:pt x="2903520" y="0"/>
+                </a:lnTo>
+                <a:lnTo>
+                  <a:pt x="0" y="0"/>
+                </a:lnTo>
+                <a:lnTo>
+                  <a:pt x="0" y="6858000"/>
+                </a:lnTo>
+                <a:lnTo>
+                  <a:pt x="3223890" y="6858000"/>
+                </a:lnTo>
+                <a:close/>
+              </a:path>
+            </a:pathLst>
+          </a:custGeom>
+          <a:ln>
+            <a:noFill/>
+          </a:ln>
+        </p:spPr>
+        <p:style>
+          <a:lnRef idx="2">
+            <a:schemeClr val="accent1">
+              <a:shade val="50000"/>
+            </a:schemeClr>
+          </a:lnRef>
+          <a:fillRef idx="1002">
+            <a:schemeClr val="dk1"/>
+          </a:fillRef>
+          <a:effectRef idx="0">
+            <a:schemeClr val="accent1"/>
+          </a:effectRef>
+          <a:fontRef idx="minor">
+            <a:schemeClr val="lt1"/>
+          </a:fontRef>
+        </p:style>
+        <p:txBody>
+          <a:bodyPr rtlCol="0" anchor="ctr"/>
+          <a:lstStyle/>
+          <a:p>
+            <a:pPr algn="ctr"/>
+            <a:endParaRPr lang="en-US">
+              <a:solidFill>
+                <a:schemeClr val="tx1"/>
+              </a:solidFill>
+            </a:endParaRPr>
+          </a:p>
+        </p:txBody>
+      </p:sp>
       <p:sp>
         <p:nvSpPr>
           <p:cNvPr id="2" name="Title 1"/>
@@ -18751,147 +22059,485 @@
         </p:nvSpPr>
         <p:spPr>
           <a:xfrm>
-            <a:off x="1484311" y="685801"/>
-            <a:ext cx="10018713" cy="1339770"/>
-          </a:xfrm>
-        </p:spPr>
-        <p:txBody>
-          <a:bodyPr/>
-          <a:lstStyle/>
-          <a:p>
-            <a:r>
-              <a:rPr lang="en-US" dirty="0"/>
-              <a:t>Isolated Source Control</a:t>
-            </a:r>
-          </a:p>
-        </p:txBody>
-      </p:sp>
-      <p:sp>
-        <p:nvSpPr>
-          <p:cNvPr id="3" name="Content Placeholder 2"/>
-          <p:cNvSpPr>
-            <a:spLocks noGrp="1"/>
-          </p:cNvSpPr>
-          <p:nvPr>
-            <p:ph idx="1"/>
-          </p:nvPr>
-        </p:nvSpPr>
-        <p:spPr>
-          <a:xfrm>
-            <a:off x="1484310" y="2025571"/>
-            <a:ext cx="10530212" cy="4271057"/>
+            <a:off x="535021" y="685800"/>
+            <a:ext cx="2639962" cy="5105400"/>
           </a:xfrm>
         </p:spPr>
         <p:txBody>
           <a:bodyPr>
-            <a:normAutofit fontScale="92500" lnSpcReduction="20000"/>
+            <a:normAutofit/>
           </a:bodyPr>
           <a:lstStyle/>
           <a:p>
             <a:r>
-              <a:rPr lang="en-US" sz="4400" dirty="0"/>
-              <a:t>You work on your machine in your own git repository</a:t>
-            </a:r>
-          </a:p>
-          <a:p>
-            <a:r>
-              <a:rPr lang="en-US" sz="4400" dirty="0"/>
-              <a:t>We “pull” what we need from other servers to try to get back in sync with work others have done</a:t>
-            </a:r>
-          </a:p>
-          <a:p>
-            <a:r>
-              <a:rPr lang="en-US" sz="4400" dirty="0"/>
-              <a:t>We “push” our work so others can benefit from what we have done.</a:t>
+              <a:rPr lang="en-US" dirty="0">
+                <a:solidFill>
+                  <a:srgbClr val="FFFFFF"/>
+                </a:solidFill>
+              </a:rPr>
+              <a:t>Chris Gomez</a:t>
             </a:r>
           </a:p>
         </p:txBody>
       </p:sp>
+      <p:grpSp>
+        <p:nvGrpSpPr>
+          <p:cNvPr id="24" name="Group 28">
+            <a:extLst>
+              <a:ext uri="{FF2B5EF4-FFF2-40B4-BE49-F238E27FC236}">
+                <a16:creationId xmlns:a16="http://schemas.microsoft.com/office/drawing/2014/main" id="{CA13242B-E02E-4DE0-859A-2A46B775FBD7}"/>
+              </a:ext>
+              <a:ext uri="{C183D7F6-B498-43B3-948B-1728B52AA6E4}">
+                <adec:decorative xmlns:adec="http://schemas.microsoft.com/office/drawing/2017/decorative" val="1"/>
+              </a:ext>
+            </a:extLst>
+          </p:cNvPr>
+          <p:cNvGrpSpPr>
+            <a:grpSpLocks noGrp="1" noUngrp="1" noRot="1" noChangeAspect="1" noMove="1" noResize="1"/>
+          </p:cNvGrpSpPr>
+          <p:nvPr>
+            <p:extLst>
+              <p:ext uri="{386F3935-93C4-4BCD-93E2-E3B085C9AB24}">
+                <p16:designElem xmlns:p16="http://schemas.microsoft.com/office/powerpoint/2015/main" val="1"/>
+              </p:ext>
+            </p:extLst>
+          </p:nvPr>
+        </p:nvGrpSpPr>
+        <p:grpSpPr>
+          <a:xfrm>
+            <a:off x="3315292" y="0"/>
+            <a:ext cx="2436813" cy="6858001"/>
+            <a:chOff x="1320800" y="0"/>
+            <a:chExt cx="2436813" cy="6858001"/>
+          </a:xfrm>
+        </p:grpSpPr>
+        <p:sp>
+          <p:nvSpPr>
+            <p:cNvPr id="30" name="Freeform 6">
+              <a:extLst>
+                <a:ext uri="{FF2B5EF4-FFF2-40B4-BE49-F238E27FC236}">
+                  <a16:creationId xmlns:a16="http://schemas.microsoft.com/office/drawing/2014/main" id="{5ACFC104-86F4-4D49-B858-F1CA033539F1}"/>
+                </a:ext>
+                <a:ext uri="{C183D7F6-B498-43B3-948B-1728B52AA6E4}">
+                  <adec:decorative xmlns:adec="http://schemas.microsoft.com/office/drawing/2017/decorative" val="1"/>
+                </a:ext>
+              </a:extLst>
+            </p:cNvPr>
+            <p:cNvSpPr/>
+            <p:nvPr>
+              <p:extLst>
+                <p:ext uri="{386F3935-93C4-4BCD-93E2-E3B085C9AB24}">
+                  <p16:designElem xmlns:p16="http://schemas.microsoft.com/office/powerpoint/2015/main" val="1"/>
+                </p:ext>
+              </p:extLst>
+            </p:nvPr>
+          </p:nvSpPr>
+          <p:spPr bwMode="auto">
+            <a:xfrm>
+              <a:off x="1627188" y="0"/>
+              <a:ext cx="1122363" cy="5329238"/>
+            </a:xfrm>
+            <a:custGeom>
+              <a:avLst/>
+              <a:gdLst/>
+              <a:ahLst/>
+              <a:cxnLst/>
+              <a:rect l="0" t="0" r="r" b="b"/>
+              <a:pathLst>
+                <a:path w="707" h="3357">
+                  <a:moveTo>
+                    <a:pt x="0" y="3330"/>
+                  </a:moveTo>
+                  <a:lnTo>
+                    <a:pt x="156" y="3357"/>
+                  </a:lnTo>
+                  <a:lnTo>
+                    <a:pt x="707" y="0"/>
+                  </a:lnTo>
+                  <a:lnTo>
+                    <a:pt x="547" y="0"/>
+                  </a:lnTo>
+                  <a:lnTo>
+                    <a:pt x="0" y="3330"/>
+                  </a:lnTo>
+                  <a:close/>
+                </a:path>
+              </a:pathLst>
+            </a:custGeom>
+            <a:solidFill>
+              <a:schemeClr val="accent1"/>
+            </a:solidFill>
+            <a:ln>
+              <a:noFill/>
+            </a:ln>
+          </p:spPr>
+        </p:sp>
+        <p:sp>
+          <p:nvSpPr>
+            <p:cNvPr id="31" name="Freeform 7">
+              <a:extLst>
+                <a:ext uri="{FF2B5EF4-FFF2-40B4-BE49-F238E27FC236}">
+                  <a16:creationId xmlns:a16="http://schemas.microsoft.com/office/drawing/2014/main" id="{80627160-C0E1-4BB7-AA86-D39CB7E79453}"/>
+                </a:ext>
+                <a:ext uri="{C183D7F6-B498-43B3-948B-1728B52AA6E4}">
+                  <adec:decorative xmlns:adec="http://schemas.microsoft.com/office/drawing/2017/decorative" val="1"/>
+                </a:ext>
+              </a:extLst>
+            </p:cNvPr>
+            <p:cNvSpPr/>
+            <p:nvPr>
+              <p:extLst>
+                <p:ext uri="{386F3935-93C4-4BCD-93E2-E3B085C9AB24}">
+                  <p16:designElem xmlns:p16="http://schemas.microsoft.com/office/powerpoint/2015/main" val="1"/>
+                </p:ext>
+              </p:extLst>
+            </p:nvPr>
+          </p:nvSpPr>
+          <p:spPr bwMode="auto">
+            <a:xfrm>
+              <a:off x="1320800" y="0"/>
+              <a:ext cx="1117600" cy="5276850"/>
+            </a:xfrm>
+            <a:custGeom>
+              <a:avLst/>
+              <a:gdLst/>
+              <a:ahLst/>
+              <a:cxnLst/>
+              <a:rect l="0" t="0" r="r" b="b"/>
+              <a:pathLst>
+                <a:path w="704" h="3324">
+                  <a:moveTo>
+                    <a:pt x="704" y="0"/>
+                  </a:moveTo>
+                  <a:lnTo>
+                    <a:pt x="545" y="0"/>
+                  </a:lnTo>
+                  <a:lnTo>
+                    <a:pt x="0" y="3300"/>
+                  </a:lnTo>
+                  <a:lnTo>
+                    <a:pt x="157" y="3324"/>
+                  </a:lnTo>
+                  <a:lnTo>
+                    <a:pt x="704" y="0"/>
+                  </a:lnTo>
+                  <a:close/>
+                </a:path>
+              </a:pathLst>
+            </a:custGeom>
+            <a:solidFill>
+              <a:schemeClr val="tx1">
+                <a:lumMod val="65000"/>
+                <a:lumOff val="35000"/>
+              </a:schemeClr>
+            </a:solidFill>
+            <a:ln>
+              <a:noFill/>
+            </a:ln>
+          </p:spPr>
+        </p:sp>
+        <p:sp>
+          <p:nvSpPr>
+            <p:cNvPr id="32" name="Freeform 8">
+              <a:extLst>
+                <a:ext uri="{FF2B5EF4-FFF2-40B4-BE49-F238E27FC236}">
+                  <a16:creationId xmlns:a16="http://schemas.microsoft.com/office/drawing/2014/main" id="{F9C4CF4B-A323-44D9-9FEE-90EFE1D0650B}"/>
+                </a:ext>
+                <a:ext uri="{C183D7F6-B498-43B3-948B-1728B52AA6E4}">
+                  <adec:decorative xmlns:adec="http://schemas.microsoft.com/office/drawing/2017/decorative" val="1"/>
+                </a:ext>
+              </a:extLst>
+            </p:cNvPr>
+            <p:cNvSpPr/>
+            <p:nvPr>
+              <p:extLst>
+                <p:ext uri="{386F3935-93C4-4BCD-93E2-E3B085C9AB24}">
+                  <p16:designElem xmlns:p16="http://schemas.microsoft.com/office/powerpoint/2015/main" val="1"/>
+                </p:ext>
+              </p:extLst>
+            </p:nvPr>
+          </p:nvSpPr>
+          <p:spPr bwMode="auto">
+            <a:xfrm>
+              <a:off x="1320800" y="5238750"/>
+              <a:ext cx="1228725" cy="1619250"/>
+            </a:xfrm>
+            <a:custGeom>
+              <a:avLst/>
+              <a:gdLst/>
+              <a:ahLst/>
+              <a:cxnLst/>
+              <a:rect l="0" t="0" r="r" b="b"/>
+              <a:pathLst>
+                <a:path w="774" h="1020">
+                  <a:moveTo>
+                    <a:pt x="0" y="0"/>
+                  </a:moveTo>
+                  <a:lnTo>
+                    <a:pt x="740" y="1020"/>
+                  </a:lnTo>
+                  <a:lnTo>
+                    <a:pt x="774" y="1020"/>
+                  </a:lnTo>
+                  <a:lnTo>
+                    <a:pt x="0" y="0"/>
+                  </a:lnTo>
+                  <a:close/>
+                </a:path>
+              </a:pathLst>
+            </a:custGeom>
+            <a:solidFill>
+              <a:schemeClr val="tx1">
+                <a:lumMod val="85000"/>
+                <a:lumOff val="15000"/>
+              </a:schemeClr>
+            </a:solidFill>
+            <a:ln>
+              <a:noFill/>
+            </a:ln>
+          </p:spPr>
+        </p:sp>
+        <p:sp>
+          <p:nvSpPr>
+            <p:cNvPr id="33" name="Freeform 9">
+              <a:extLst>
+                <a:ext uri="{FF2B5EF4-FFF2-40B4-BE49-F238E27FC236}">
+                  <a16:creationId xmlns:a16="http://schemas.microsoft.com/office/drawing/2014/main" id="{13E2B3A4-22DB-49DD-A716-388DEC5F8745}"/>
+                </a:ext>
+                <a:ext uri="{C183D7F6-B498-43B3-948B-1728B52AA6E4}">
+                  <adec:decorative xmlns:adec="http://schemas.microsoft.com/office/drawing/2017/decorative" val="1"/>
+                </a:ext>
+              </a:extLst>
+            </p:cNvPr>
+            <p:cNvSpPr/>
+            <p:nvPr>
+              <p:extLst>
+                <p:ext uri="{386F3935-93C4-4BCD-93E2-E3B085C9AB24}">
+                  <p16:designElem xmlns:p16="http://schemas.microsoft.com/office/powerpoint/2015/main" val="1"/>
+                </p:ext>
+              </p:extLst>
+            </p:nvPr>
+          </p:nvSpPr>
+          <p:spPr bwMode="auto">
+            <a:xfrm>
+              <a:off x="1627188" y="5291138"/>
+              <a:ext cx="1495425" cy="1566863"/>
+            </a:xfrm>
+            <a:custGeom>
+              <a:avLst/>
+              <a:gdLst/>
+              <a:ahLst/>
+              <a:cxnLst/>
+              <a:rect l="0" t="0" r="r" b="b"/>
+              <a:pathLst>
+                <a:path w="942" h="987">
+                  <a:moveTo>
+                    <a:pt x="0" y="0"/>
+                  </a:moveTo>
+                  <a:lnTo>
+                    <a:pt x="909" y="987"/>
+                  </a:lnTo>
+                  <a:lnTo>
+                    <a:pt x="942" y="987"/>
+                  </a:lnTo>
+                  <a:lnTo>
+                    <a:pt x="0" y="0"/>
+                  </a:lnTo>
+                  <a:close/>
+                </a:path>
+              </a:pathLst>
+            </a:custGeom>
+            <a:solidFill>
+              <a:schemeClr val="accent1">
+                <a:lumMod val="50000"/>
+              </a:schemeClr>
+            </a:solidFill>
+            <a:ln>
+              <a:noFill/>
+            </a:ln>
+          </p:spPr>
+        </p:sp>
+        <p:sp>
+          <p:nvSpPr>
+            <p:cNvPr id="34" name="Freeform 10">
+              <a:extLst>
+                <a:ext uri="{FF2B5EF4-FFF2-40B4-BE49-F238E27FC236}">
+                  <a16:creationId xmlns:a16="http://schemas.microsoft.com/office/drawing/2014/main" id="{337CB09C-5543-4330-8C3D-354519D8D457}"/>
+                </a:ext>
+                <a:ext uri="{C183D7F6-B498-43B3-948B-1728B52AA6E4}">
+                  <adec:decorative xmlns:adec="http://schemas.microsoft.com/office/drawing/2017/decorative" val="1"/>
+                </a:ext>
+              </a:extLst>
+            </p:cNvPr>
+            <p:cNvSpPr/>
+            <p:nvPr>
+              <p:extLst>
+                <p:ext uri="{386F3935-93C4-4BCD-93E2-E3B085C9AB24}">
+                  <p16:designElem xmlns:p16="http://schemas.microsoft.com/office/powerpoint/2015/main" val="1"/>
+                </p:ext>
+              </p:extLst>
+            </p:nvPr>
+          </p:nvSpPr>
+          <p:spPr bwMode="auto">
+            <a:xfrm>
+              <a:off x="1627188" y="5286375"/>
+              <a:ext cx="2130425" cy="1571625"/>
+            </a:xfrm>
+            <a:custGeom>
+              <a:avLst/>
+              <a:gdLst/>
+              <a:ahLst/>
+              <a:cxnLst/>
+              <a:rect l="0" t="0" r="r" b="b"/>
+              <a:pathLst>
+                <a:path w="1342" h="990">
+                  <a:moveTo>
+                    <a:pt x="0" y="3"/>
+                  </a:moveTo>
+                  <a:lnTo>
+                    <a:pt x="942" y="990"/>
+                  </a:lnTo>
+                  <a:lnTo>
+                    <a:pt x="1342" y="990"/>
+                  </a:lnTo>
+                  <a:lnTo>
+                    <a:pt x="156" y="27"/>
+                  </a:lnTo>
+                  <a:lnTo>
+                    <a:pt x="0" y="0"/>
+                  </a:lnTo>
+                  <a:lnTo>
+                    <a:pt x="0" y="3"/>
+                  </a:lnTo>
+                  <a:close/>
+                </a:path>
+              </a:pathLst>
+            </a:custGeom>
+            <a:solidFill>
+              <a:schemeClr val="accent1">
+                <a:lumMod val="75000"/>
+              </a:schemeClr>
+            </a:solidFill>
+            <a:ln>
+              <a:noFill/>
+            </a:ln>
+          </p:spPr>
+        </p:sp>
+        <p:sp>
+          <p:nvSpPr>
+            <p:cNvPr id="35" name="Freeform 11">
+              <a:extLst>
+                <a:ext uri="{FF2B5EF4-FFF2-40B4-BE49-F238E27FC236}">
+                  <a16:creationId xmlns:a16="http://schemas.microsoft.com/office/drawing/2014/main" id="{F54B39E1-DFCE-43D0-80F5-D9256E47DFAC}"/>
+                </a:ext>
+                <a:ext uri="{C183D7F6-B498-43B3-948B-1728B52AA6E4}">
+                  <adec:decorative xmlns:adec="http://schemas.microsoft.com/office/drawing/2017/decorative" val="1"/>
+                </a:ext>
+              </a:extLst>
+            </p:cNvPr>
+            <p:cNvSpPr/>
+            <p:nvPr>
+              <p:extLst>
+                <p:ext uri="{386F3935-93C4-4BCD-93E2-E3B085C9AB24}">
+                  <p16:designElem xmlns:p16="http://schemas.microsoft.com/office/powerpoint/2015/main" val="1"/>
+                </p:ext>
+              </p:extLst>
+            </p:nvPr>
+          </p:nvSpPr>
+          <p:spPr bwMode="auto">
+            <a:xfrm>
+              <a:off x="1320800" y="5238750"/>
+              <a:ext cx="1695450" cy="1619250"/>
+            </a:xfrm>
+            <a:custGeom>
+              <a:avLst/>
+              <a:gdLst/>
+              <a:ahLst/>
+              <a:cxnLst/>
+              <a:rect l="0" t="0" r="r" b="b"/>
+              <a:pathLst>
+                <a:path w="1068" h="1020">
+                  <a:moveTo>
+                    <a:pt x="1068" y="1020"/>
+                  </a:moveTo>
+                  <a:lnTo>
+                    <a:pt x="184" y="60"/>
+                  </a:lnTo>
+                  <a:lnTo>
+                    <a:pt x="154" y="27"/>
+                  </a:lnTo>
+                  <a:lnTo>
+                    <a:pt x="157" y="27"/>
+                  </a:lnTo>
+                  <a:lnTo>
+                    <a:pt x="157" y="24"/>
+                  </a:lnTo>
+                  <a:lnTo>
+                    <a:pt x="154" y="24"/>
+                  </a:lnTo>
+                  <a:lnTo>
+                    <a:pt x="0" y="0"/>
+                  </a:lnTo>
+                  <a:lnTo>
+                    <a:pt x="0" y="0"/>
+                  </a:lnTo>
+                  <a:lnTo>
+                    <a:pt x="774" y="1020"/>
+                  </a:lnTo>
+                  <a:lnTo>
+                    <a:pt x="1068" y="1020"/>
+                  </a:lnTo>
+                  <a:close/>
+                </a:path>
+              </a:pathLst>
+            </a:custGeom>
+            <a:solidFill>
+              <a:schemeClr val="tx1">
+                <a:lumMod val="75000"/>
+                <a:lumOff val="25000"/>
+              </a:schemeClr>
+            </a:solidFill>
+            <a:ln>
+              <a:noFill/>
+            </a:ln>
+          </p:spPr>
+        </p:sp>
+      </p:grpSp>
+      <p:graphicFrame>
+        <p:nvGraphicFramePr>
+          <p:cNvPr id="5" name="Content Placeholder 2">
+            <a:extLst>
+              <a:ext uri="{FF2B5EF4-FFF2-40B4-BE49-F238E27FC236}">
+                <a16:creationId xmlns:a16="http://schemas.microsoft.com/office/drawing/2014/main" id="{1E8DABF2-16AE-4379-9582-4F4CA2493232}"/>
+              </a:ext>
+            </a:extLst>
+          </p:cNvPr>
+          <p:cNvGraphicFramePr>
+            <a:graphicFrameLocks noGrp="1"/>
+          </p:cNvGraphicFramePr>
+          <p:nvPr>
+            <p:ph idx="1"/>
+            <p:extLst>
+              <p:ext uri="{D42A27DB-BD31-4B8C-83A1-F6EECF244321}">
+                <p14:modId xmlns:p14="http://schemas.microsoft.com/office/powerpoint/2010/main" val="1778247117"/>
+              </p:ext>
+            </p:extLst>
+          </p:nvPr>
+        </p:nvGraphicFramePr>
+        <p:xfrm>
+          <a:off x="5010150" y="685800"/>
+          <a:ext cx="6492875" cy="5105400"/>
+        </p:xfrm>
+        <a:graphic>
+          <a:graphicData uri="http://schemas.openxmlformats.org/drawingml/2006/diagram">
+            <dgm:relIds xmlns:dgm="http://schemas.openxmlformats.org/drawingml/2006/diagram" xmlns:r="http://schemas.openxmlformats.org/officeDocument/2006/relationships" r:dm="rId3" r:lo="rId4" r:qs="rId5" r:cs="rId6"/>
+          </a:graphicData>
+        </a:graphic>
+      </p:graphicFrame>
     </p:spTree>
     <p:extLst>
       <p:ext uri="{BB962C8B-B14F-4D97-AF65-F5344CB8AC3E}">
-        <p14:creationId xmlns:p14="http://schemas.microsoft.com/office/powerpoint/2010/main" val="146046567"/>
-      </p:ext>
-    </p:extLst>
-  </p:cSld>
-  <p:clrMapOvr>
-    <a:masterClrMapping/>
-  </p:clrMapOvr>
-</p:sld>
-</file>
-
-<file path=ppt/slides/slide2.xml><?xml version="1.0" encoding="utf-8"?>
-<p:sld xmlns:a="http://schemas.openxmlformats.org/drawingml/2006/main" xmlns:r="http://schemas.openxmlformats.org/officeDocument/2006/relationships" xmlns:p="http://schemas.openxmlformats.org/presentationml/2006/main">
-  <p:cSld>
-    <p:spTree>
-      <p:nvGrpSpPr>
-        <p:cNvPr id="1" name=""/>
-        <p:cNvGrpSpPr/>
-        <p:nvPr/>
-      </p:nvGrpSpPr>
-      <p:grpSpPr>
-        <a:xfrm>
-          <a:off x="0" y="0"/>
-          <a:ext cx="0" cy="0"/>
-          <a:chOff x="0" y="0"/>
-          <a:chExt cx="0" cy="0"/>
-        </a:xfrm>
-      </p:grpSpPr>
-      <p:sp>
-        <p:nvSpPr>
-          <p:cNvPr id="2" name="Title 1"/>
-          <p:cNvSpPr>
-            <a:spLocks noGrp="1"/>
-          </p:cNvSpPr>
-          <p:nvPr>
-            <p:ph type="title"/>
-          </p:nvPr>
-        </p:nvSpPr>
-        <p:spPr>
-          <a:xfrm>
-            <a:off x="8498522" y="-4287"/>
-            <a:ext cx="3932237" cy="707571"/>
-          </a:xfrm>
-        </p:spPr>
-        <p:txBody>
-          <a:bodyPr/>
-          <a:lstStyle/>
-          <a:p>
-            <a:r>
-              <a:rPr lang="en-US" dirty="0"/>
-              <a:t>http://xkcd.com/1597</a:t>
-            </a:r>
-          </a:p>
-        </p:txBody>
-      </p:sp>
-      <p:pic>
-        <p:nvPicPr>
-          <p:cNvPr id="7" name="Picture 6"/>
-          <p:cNvPicPr>
-            <a:picLocks noChangeAspect="1"/>
-          </p:cNvPicPr>
-          <p:nvPr/>
-        </p:nvPicPr>
-        <p:blipFill>
-          <a:blip r:embed="rId3"/>
-          <a:stretch>
-            <a:fillRect/>
-          </a:stretch>
-        </p:blipFill>
-        <p:spPr>
-          <a:xfrm>
-            <a:off x="3726620" y="50305"/>
-            <a:ext cx="4688069" cy="6716241"/>
-          </a:xfrm>
-          <a:prstGeom prst="rect">
-            <a:avLst/>
-          </a:prstGeom>
-        </p:spPr>
-      </p:pic>
-    </p:spTree>
-    <p:extLst>
-      <p:ext uri="{BB962C8B-B14F-4D97-AF65-F5344CB8AC3E}">
-        <p14:creationId xmlns:p14="http://schemas.microsoft.com/office/powerpoint/2010/main" val="2015792507"/>
+        <p14:creationId xmlns:p14="http://schemas.microsoft.com/office/powerpoint/2010/main" val="1769274279"/>
       </p:ext>
     </p:extLst>
   </p:cSld>
@@ -18940,6 +22586,104 @@
           <a:p>
             <a:r>
               <a:rPr lang="en-US" dirty="0"/>
+              <a:t>Isolated Source Control</a:t>
+            </a:r>
+          </a:p>
+        </p:txBody>
+      </p:sp>
+      <p:sp>
+        <p:nvSpPr>
+          <p:cNvPr id="3" name="Content Placeholder 2"/>
+          <p:cNvSpPr>
+            <a:spLocks noGrp="1"/>
+          </p:cNvSpPr>
+          <p:nvPr>
+            <p:ph idx="1"/>
+          </p:nvPr>
+        </p:nvSpPr>
+        <p:spPr>
+          <a:xfrm>
+            <a:off x="1484310" y="2025571"/>
+            <a:ext cx="10530212" cy="4271057"/>
+          </a:xfrm>
+        </p:spPr>
+        <p:txBody>
+          <a:bodyPr>
+            <a:normAutofit fontScale="92500" lnSpcReduction="20000"/>
+          </a:bodyPr>
+          <a:lstStyle/>
+          <a:p>
+            <a:r>
+              <a:rPr lang="en-US" sz="4400" dirty="0"/>
+              <a:t>You work on your machine in your own git repository</a:t>
+            </a:r>
+          </a:p>
+          <a:p>
+            <a:r>
+              <a:rPr lang="en-US" sz="4400" dirty="0"/>
+              <a:t>We “pull” what we need from other servers to try to get back in sync with work others have done</a:t>
+            </a:r>
+          </a:p>
+          <a:p>
+            <a:r>
+              <a:rPr lang="en-US" sz="4400" dirty="0"/>
+              <a:t>We “push” our work so others can benefit from what we have done.</a:t>
+            </a:r>
+          </a:p>
+        </p:txBody>
+      </p:sp>
+    </p:spTree>
+    <p:extLst>
+      <p:ext uri="{BB962C8B-B14F-4D97-AF65-F5344CB8AC3E}">
+        <p14:creationId xmlns:p14="http://schemas.microsoft.com/office/powerpoint/2010/main" val="146046567"/>
+      </p:ext>
+    </p:extLst>
+  </p:cSld>
+  <p:clrMapOvr>
+    <a:masterClrMapping/>
+  </p:clrMapOvr>
+</p:sld>
+</file>
+
+<file path=ppt/slides/slide21.xml><?xml version="1.0" encoding="utf-8"?>
+<p:sld xmlns:a="http://schemas.openxmlformats.org/drawingml/2006/main" xmlns:r="http://schemas.openxmlformats.org/officeDocument/2006/relationships" xmlns:p="http://schemas.openxmlformats.org/presentationml/2006/main">
+  <p:cSld>
+    <p:spTree>
+      <p:nvGrpSpPr>
+        <p:cNvPr id="1" name=""/>
+        <p:cNvGrpSpPr/>
+        <p:nvPr/>
+      </p:nvGrpSpPr>
+      <p:grpSpPr>
+        <a:xfrm>
+          <a:off x="0" y="0"/>
+          <a:ext cx="0" cy="0"/>
+          <a:chOff x="0" y="0"/>
+          <a:chExt cx="0" cy="0"/>
+        </a:xfrm>
+      </p:grpSpPr>
+      <p:sp>
+        <p:nvSpPr>
+          <p:cNvPr id="2" name="Title 1"/>
+          <p:cNvSpPr>
+            <a:spLocks noGrp="1"/>
+          </p:cNvSpPr>
+          <p:nvPr>
+            <p:ph type="title"/>
+          </p:nvPr>
+        </p:nvSpPr>
+        <p:spPr>
+          <a:xfrm>
+            <a:off x="1484311" y="685801"/>
+            <a:ext cx="10018713" cy="1339770"/>
+          </a:xfrm>
+        </p:spPr>
+        <p:txBody>
+          <a:bodyPr/>
+          <a:lstStyle/>
+          <a:p>
+            <a:r>
+              <a:rPr lang="en-US" dirty="0"/>
               <a:t>Branches are just sticky notes</a:t>
             </a:r>
           </a:p>
@@ -19003,7 +22747,7 @@
 </p:sld>
 </file>
 
-<file path=ppt/slides/slide21.xml><?xml version="1.0" encoding="utf-8"?>
+<file path=ppt/slides/slide22.xml><?xml version="1.0" encoding="utf-8"?>
 <p:sld xmlns:a="http://schemas.openxmlformats.org/drawingml/2006/main" xmlns:r="http://schemas.openxmlformats.org/officeDocument/2006/relationships" xmlns:p="http://schemas.openxmlformats.org/presentationml/2006/main">
   <p:cSld>
     <p:bg>
@@ -19861,6 +23605,87 @@
 <file path=ppt/slides/slide3.xml><?xml version="1.0" encoding="utf-8"?>
 <p:sld xmlns:a="http://schemas.openxmlformats.org/drawingml/2006/main" xmlns:r="http://schemas.openxmlformats.org/officeDocument/2006/relationships" xmlns:p="http://schemas.openxmlformats.org/presentationml/2006/main">
   <p:cSld>
+    <p:spTree>
+      <p:nvGrpSpPr>
+        <p:cNvPr id="1" name=""/>
+        <p:cNvGrpSpPr/>
+        <p:nvPr/>
+      </p:nvGrpSpPr>
+      <p:grpSpPr>
+        <a:xfrm>
+          <a:off x="0" y="0"/>
+          <a:ext cx="0" cy="0"/>
+          <a:chOff x="0" y="0"/>
+          <a:chExt cx="0" cy="0"/>
+        </a:xfrm>
+      </p:grpSpPr>
+      <p:sp>
+        <p:nvSpPr>
+          <p:cNvPr id="2" name="Title 1"/>
+          <p:cNvSpPr>
+            <a:spLocks noGrp="1"/>
+          </p:cNvSpPr>
+          <p:nvPr>
+            <p:ph type="title"/>
+          </p:nvPr>
+        </p:nvSpPr>
+        <p:spPr>
+          <a:xfrm>
+            <a:off x="8498522" y="-4287"/>
+            <a:ext cx="3932237" cy="707571"/>
+          </a:xfrm>
+        </p:spPr>
+        <p:txBody>
+          <a:bodyPr/>
+          <a:lstStyle/>
+          <a:p>
+            <a:r>
+              <a:rPr lang="en-US" dirty="0"/>
+              <a:t>http://xkcd.com/1597</a:t>
+            </a:r>
+          </a:p>
+        </p:txBody>
+      </p:sp>
+      <p:pic>
+        <p:nvPicPr>
+          <p:cNvPr id="7" name="Picture 6"/>
+          <p:cNvPicPr>
+            <a:picLocks noChangeAspect="1"/>
+          </p:cNvPicPr>
+          <p:nvPr/>
+        </p:nvPicPr>
+        <p:blipFill>
+          <a:blip r:embed="rId3"/>
+          <a:stretch>
+            <a:fillRect/>
+          </a:stretch>
+        </p:blipFill>
+        <p:spPr>
+          <a:xfrm>
+            <a:off x="3726620" y="50305"/>
+            <a:ext cx="4688069" cy="6716241"/>
+          </a:xfrm>
+          <a:prstGeom prst="rect">
+            <a:avLst/>
+          </a:prstGeom>
+        </p:spPr>
+      </p:pic>
+    </p:spTree>
+    <p:extLst>
+      <p:ext uri="{BB962C8B-B14F-4D97-AF65-F5344CB8AC3E}">
+        <p14:creationId xmlns:p14="http://schemas.microsoft.com/office/powerpoint/2010/main" val="2015792507"/>
+      </p:ext>
+    </p:extLst>
+  </p:cSld>
+  <p:clrMapOvr>
+    <a:masterClrMapping/>
+  </p:clrMapOvr>
+</p:sld>
+</file>
+
+<file path=ppt/slides/slide4.xml><?xml version="1.0" encoding="utf-8"?>
+<p:sld xmlns:a="http://schemas.openxmlformats.org/drawingml/2006/main" xmlns:r="http://schemas.openxmlformats.org/officeDocument/2006/relationships" xmlns:p="http://schemas.openxmlformats.org/presentationml/2006/main">
+  <p:cSld>
     <p:bg>
       <p:bgPr>
         <a:gradFill rotWithShape="1">
@@ -20582,11 +24407,6 @@
           </p:cNvGraphicFramePr>
           <p:nvPr>
             <p:ph idx="1"/>
-            <p:extLst>
-              <p:ext uri="{D42A27DB-BD31-4B8C-83A1-F6EECF244321}">
-                <p14:modId xmlns:p14="http://schemas.microsoft.com/office/powerpoint/2010/main" val="2300509821"/>
-              </p:ext>
-            </p:extLst>
           </p:nvPr>
         </p:nvGraphicFramePr>
         <p:xfrm>
@@ -20602,7 +24422,7 @@
     </p:spTree>
     <p:extLst>
       <p:ext uri="{BB962C8B-B14F-4D97-AF65-F5344CB8AC3E}">
-        <p14:creationId xmlns:p14="http://schemas.microsoft.com/office/powerpoint/2010/main" val="1769274279"/>
+        <p14:creationId xmlns:p14="http://schemas.microsoft.com/office/powerpoint/2010/main" val="1642748498"/>
       </p:ext>
     </p:extLst>
   </p:cSld>
@@ -20612,7 +24432,7 @@
 </p:sld>
 </file>
 
-<file path=ppt/slides/slide4.xml><?xml version="1.0" encoding="utf-8"?>
+<file path=ppt/slides/slide5.xml><?xml version="1.0" encoding="utf-8"?>
 <p:sld xmlns:a="http://schemas.openxmlformats.org/drawingml/2006/main" xmlns:r="http://schemas.openxmlformats.org/officeDocument/2006/relationships" xmlns:p="http://schemas.openxmlformats.org/presentationml/2006/main">
   <p:cSld>
     <p:spTree>
@@ -20744,7 +24564,7 @@
 </p:sld>
 </file>
 
-<file path=ppt/slides/slide5.xml><?xml version="1.0" encoding="utf-8"?>
+<file path=ppt/slides/slide6.xml><?xml version="1.0" encoding="utf-8"?>
 <p:sld xmlns:a="http://schemas.openxmlformats.org/drawingml/2006/main" xmlns:r="http://schemas.openxmlformats.org/officeDocument/2006/relationships" xmlns:p="http://schemas.openxmlformats.org/presentationml/2006/main">
   <p:cSld>
     <p:bg>
@@ -21498,7 +25318,7 @@
 </p:sld>
 </file>
 
-<file path=ppt/slides/slide6.xml><?xml version="1.0" encoding="utf-8"?>
+<file path=ppt/slides/slide7.xml><?xml version="1.0" encoding="utf-8"?>
 <p:sld xmlns:a="http://schemas.openxmlformats.org/drawingml/2006/main" xmlns:r="http://schemas.openxmlformats.org/officeDocument/2006/relationships" xmlns:p="http://schemas.openxmlformats.org/presentationml/2006/main">
   <p:cSld>
     <p:spTree>
@@ -21593,7 +25413,7 @@
 </p:sld>
 </file>
 
-<file path=ppt/slides/slide7.xml><?xml version="1.0" encoding="utf-8"?>
+<file path=ppt/slides/slide8.xml><?xml version="1.0" encoding="utf-8"?>
 <p:sld xmlns:a="http://schemas.openxmlformats.org/drawingml/2006/main" xmlns:r="http://schemas.openxmlformats.org/officeDocument/2006/relationships" xmlns:p="http://schemas.openxmlformats.org/presentationml/2006/main">
   <p:cSld>
     <p:spTree>
@@ -21837,7 +25657,7 @@
 </p:sld>
 </file>
 
-<file path=ppt/slides/slide8.xml><?xml version="1.0" encoding="utf-8"?>
+<file path=ppt/slides/slide9.xml><?xml version="1.0" encoding="utf-8"?>
 <p:sld xmlns:a="http://schemas.openxmlformats.org/drawingml/2006/main" xmlns:r="http://schemas.openxmlformats.org/officeDocument/2006/relationships" xmlns:p="http://schemas.openxmlformats.org/presentationml/2006/main">
   <p:cSld>
     <p:spTree>
@@ -21915,138 +25735,6 @@
     <p:extLst>
       <p:ext uri="{BB962C8B-B14F-4D97-AF65-F5344CB8AC3E}">
         <p14:creationId xmlns:p14="http://schemas.microsoft.com/office/powerpoint/2010/main" val="1661038833"/>
-      </p:ext>
-    </p:extLst>
-  </p:cSld>
-  <p:clrMapOvr>
-    <a:masterClrMapping/>
-  </p:clrMapOvr>
-</p:sld>
-</file>
-
-<file path=ppt/slides/slide9.xml><?xml version="1.0" encoding="utf-8"?>
-<p:sld xmlns:a="http://schemas.openxmlformats.org/drawingml/2006/main" xmlns:r="http://schemas.openxmlformats.org/officeDocument/2006/relationships" xmlns:p="http://schemas.openxmlformats.org/presentationml/2006/main">
-  <p:cSld>
-    <p:spTree>
-      <p:nvGrpSpPr>
-        <p:cNvPr id="1" name=""/>
-        <p:cNvGrpSpPr/>
-        <p:nvPr/>
-      </p:nvGrpSpPr>
-      <p:grpSpPr>
-        <a:xfrm>
-          <a:off x="0" y="0"/>
-          <a:ext cx="0" cy="0"/>
-          <a:chOff x="0" y="0"/>
-          <a:chExt cx="0" cy="0"/>
-        </a:xfrm>
-      </p:grpSpPr>
-      <p:sp>
-        <p:nvSpPr>
-          <p:cNvPr id="2" name="Title 1"/>
-          <p:cNvSpPr>
-            <a:spLocks noGrp="1"/>
-          </p:cNvSpPr>
-          <p:nvPr>
-            <p:ph type="title"/>
-          </p:nvPr>
-        </p:nvSpPr>
-        <p:spPr/>
-        <p:txBody>
-          <a:bodyPr>
-            <a:normAutofit/>
-          </a:bodyPr>
-          <a:lstStyle/>
-          <a:p>
-            <a:r>
-              <a:rPr lang="en-US" sz="5400" dirty="0"/>
-              <a:t>Those hashes aren’t random</a:t>
-            </a:r>
-          </a:p>
-        </p:txBody>
-      </p:sp>
-      <p:pic>
-        <p:nvPicPr>
-          <p:cNvPr id="4" name="Picture 3">
-            <a:extLst>
-              <a:ext uri="{FF2B5EF4-FFF2-40B4-BE49-F238E27FC236}">
-                <a16:creationId xmlns:a16="http://schemas.microsoft.com/office/drawing/2014/main" id="{EF7A87A8-3460-46E3-A966-6B236638ABED}"/>
-              </a:ext>
-            </a:extLst>
-          </p:cNvPr>
-          <p:cNvPicPr>
-            <a:picLocks noChangeAspect="1"/>
-          </p:cNvPicPr>
-          <p:nvPr/>
-        </p:nvPicPr>
-        <p:blipFill>
-          <a:blip r:embed="rId3"/>
-          <a:stretch>
-            <a:fillRect/>
-          </a:stretch>
-        </p:blipFill>
-        <p:spPr>
-          <a:xfrm>
-            <a:off x="2259190" y="2118167"/>
-            <a:ext cx="16320133" cy="6959003"/>
-          </a:xfrm>
-          <a:prstGeom prst="rect">
-            <a:avLst/>
-          </a:prstGeom>
-        </p:spPr>
-      </p:pic>
-      <p:sp>
-        <p:nvSpPr>
-          <p:cNvPr id="3" name="Oval 2">
-            <a:extLst>
-              <a:ext uri="{FF2B5EF4-FFF2-40B4-BE49-F238E27FC236}">
-                <a16:creationId xmlns:a16="http://schemas.microsoft.com/office/drawing/2014/main" id="{C2584958-B4B6-4B27-9E6D-DD633E0DFC08}"/>
-              </a:ext>
-            </a:extLst>
-          </p:cNvPr>
-          <p:cNvSpPr/>
-          <p:nvPr/>
-        </p:nvSpPr>
-        <p:spPr>
-          <a:xfrm>
-            <a:off x="2971800" y="3429000"/>
-            <a:ext cx="1756611" cy="3429000"/>
-          </a:xfrm>
-          <a:prstGeom prst="ellipse">
-            <a:avLst/>
-          </a:prstGeom>
-          <a:noFill/>
-          <a:ln w="50800"/>
-        </p:spPr>
-        <p:style>
-          <a:lnRef idx="2">
-            <a:schemeClr val="accent1">
-              <a:shade val="50000"/>
-            </a:schemeClr>
-          </a:lnRef>
-          <a:fillRef idx="1">
-            <a:schemeClr val="accent1"/>
-          </a:fillRef>
-          <a:effectRef idx="0">
-            <a:schemeClr val="accent1"/>
-          </a:effectRef>
-          <a:fontRef idx="minor">
-            <a:schemeClr val="lt1"/>
-          </a:fontRef>
-        </p:style>
-        <p:txBody>
-          <a:bodyPr rtlCol="0" anchor="ctr"/>
-          <a:lstStyle/>
-          <a:p>
-            <a:pPr algn="ctr"/>
-            <a:endParaRPr lang="en-US"/>
-          </a:p>
-        </p:txBody>
-      </p:sp>
-    </p:spTree>
-    <p:extLst>
-      <p:ext uri="{BB962C8B-B14F-4D97-AF65-F5344CB8AC3E}">
-        <p14:creationId xmlns:p14="http://schemas.microsoft.com/office/powerpoint/2010/main" val="313107017"/>
       </p:ext>
     </p:extLst>
   </p:cSld>
